--- a/ppt/5.数组和广义表.pptx
+++ b/ppt/5.数组和广义表.pptx
@@ -228,7 +228,7 @@
           <a:p>
             <a:fld id="{66C3546E-20F6-7649-A9A4-4E4A245D3E82}" type="datetimeFigureOut">
               <a:rPr kumimoji="1" lang="zh-CN" altLang="en-US" smtClean="0"/>
-              <a:t>2019/12/6</a:t>
+              <a:t>2020/3/5</a:t>
             </a:fld>
             <a:endParaRPr kumimoji="1" lang="zh-CN" altLang="en-US"/>
           </a:p>
@@ -918,7 +918,7 @@
           <a:p>
             <a:fld id="{1C49BB65-7B3F-4D4E-A397-BBFD82890A5A}" type="datetimeFigureOut">
               <a:rPr kumimoji="1" lang="zh-CN" altLang="en-US" smtClean="0"/>
-              <a:t>2019/12/6</a:t>
+              <a:t>2020/3/5</a:t>
             </a:fld>
             <a:endParaRPr kumimoji="1" lang="zh-CN" altLang="en-US"/>
           </a:p>
@@ -1116,7 +1116,7 @@
           <a:p>
             <a:fld id="{1C49BB65-7B3F-4D4E-A397-BBFD82890A5A}" type="datetimeFigureOut">
               <a:rPr kumimoji="1" lang="zh-CN" altLang="en-US" smtClean="0"/>
-              <a:t>2019/12/6</a:t>
+              <a:t>2020/3/5</a:t>
             </a:fld>
             <a:endParaRPr kumimoji="1" lang="zh-CN" altLang="en-US"/>
           </a:p>
@@ -1324,7 +1324,7 @@
           <a:p>
             <a:fld id="{1C49BB65-7B3F-4D4E-A397-BBFD82890A5A}" type="datetimeFigureOut">
               <a:rPr kumimoji="1" lang="zh-CN" altLang="en-US" smtClean="0"/>
-              <a:t>2019/12/6</a:t>
+              <a:t>2020/3/5</a:t>
             </a:fld>
             <a:endParaRPr kumimoji="1" lang="zh-CN" altLang="en-US"/>
           </a:p>
@@ -1522,7 +1522,7 @@
           <a:p>
             <a:fld id="{1C49BB65-7B3F-4D4E-A397-BBFD82890A5A}" type="datetimeFigureOut">
               <a:rPr kumimoji="1" lang="zh-CN" altLang="en-US" smtClean="0"/>
-              <a:t>2019/12/6</a:t>
+              <a:t>2020/3/5</a:t>
             </a:fld>
             <a:endParaRPr kumimoji="1" lang="zh-CN" altLang="en-US"/>
           </a:p>
@@ -1797,7 +1797,7 @@
           <a:p>
             <a:fld id="{1C49BB65-7B3F-4D4E-A397-BBFD82890A5A}" type="datetimeFigureOut">
               <a:rPr kumimoji="1" lang="zh-CN" altLang="en-US" smtClean="0"/>
-              <a:t>2019/12/6</a:t>
+              <a:t>2020/3/5</a:t>
             </a:fld>
             <a:endParaRPr kumimoji="1" lang="zh-CN" altLang="en-US"/>
           </a:p>
@@ -2062,7 +2062,7 @@
           <a:p>
             <a:fld id="{1C49BB65-7B3F-4D4E-A397-BBFD82890A5A}" type="datetimeFigureOut">
               <a:rPr kumimoji="1" lang="zh-CN" altLang="en-US" smtClean="0"/>
-              <a:t>2019/12/6</a:t>
+              <a:t>2020/3/5</a:t>
             </a:fld>
             <a:endParaRPr kumimoji="1" lang="zh-CN" altLang="en-US"/>
           </a:p>
@@ -2474,7 +2474,7 @@
           <a:p>
             <a:fld id="{1C49BB65-7B3F-4D4E-A397-BBFD82890A5A}" type="datetimeFigureOut">
               <a:rPr kumimoji="1" lang="zh-CN" altLang="en-US" smtClean="0"/>
-              <a:t>2019/12/6</a:t>
+              <a:t>2020/3/5</a:t>
             </a:fld>
             <a:endParaRPr kumimoji="1" lang="zh-CN" altLang="en-US"/>
           </a:p>
@@ -2615,7 +2615,7 @@
           <a:p>
             <a:fld id="{1C49BB65-7B3F-4D4E-A397-BBFD82890A5A}" type="datetimeFigureOut">
               <a:rPr kumimoji="1" lang="zh-CN" altLang="en-US" smtClean="0"/>
-              <a:t>2019/12/6</a:t>
+              <a:t>2020/3/5</a:t>
             </a:fld>
             <a:endParaRPr kumimoji="1" lang="zh-CN" altLang="en-US"/>
           </a:p>
@@ -2985,7 +2985,7 @@
           <a:p>
             <a:fld id="{1C49BB65-7B3F-4D4E-A397-BBFD82890A5A}" type="datetimeFigureOut">
               <a:rPr kumimoji="1" lang="zh-CN" altLang="en-US" smtClean="0"/>
-              <a:t>2019/12/6</a:t>
+              <a:t>2020/3/5</a:t>
             </a:fld>
             <a:endParaRPr kumimoji="1" lang="zh-CN" altLang="en-US"/>
           </a:p>
@@ -3273,7 +3273,7 @@
           <a:p>
             <a:fld id="{1C49BB65-7B3F-4D4E-A397-BBFD82890A5A}" type="datetimeFigureOut">
               <a:rPr kumimoji="1" lang="zh-CN" altLang="en-US" smtClean="0"/>
-              <a:t>2019/12/6</a:t>
+              <a:t>2020/3/5</a:t>
             </a:fld>
             <a:endParaRPr kumimoji="1" lang="zh-CN" altLang="en-US"/>
           </a:p>
@@ -3514,7 +3514,7 @@
           <a:p>
             <a:fld id="{1C49BB65-7B3F-4D4E-A397-BBFD82890A5A}" type="datetimeFigureOut">
               <a:rPr kumimoji="1" lang="zh-CN" altLang="en-US" smtClean="0"/>
-              <a:t>2019/12/6</a:t>
+              <a:t>2020/3/5</a:t>
             </a:fld>
             <a:endParaRPr kumimoji="1" lang="zh-CN" altLang="en-US"/>
           </a:p>
@@ -4074,7 +4074,28 @@
                 <a:latin typeface="Microsoft YaHei" panose="020B0503020204020204" pitchFamily="34" charset="-122"/>
                 <a:ea typeface="Microsoft YaHei" panose="020B0503020204020204" pitchFamily="34" charset="-122"/>
               </a:rPr>
-              <a:t>第四节课 </a:t>
+              <a:t>第</a:t>
+            </a:r>
+            <a:r>
+              <a:rPr kumimoji="1" lang="en-US" altLang="zh-CN" sz="4000">
+                <a:latin typeface="Microsoft YaHei" panose="020B0503020204020204" pitchFamily="34" charset="-122"/>
+                <a:ea typeface="Microsoft YaHei" panose="020B0503020204020204" pitchFamily="34" charset="-122"/>
+              </a:rPr>
+              <a:t>7</a:t>
+            </a:r>
+            <a:r>
+              <a:rPr kumimoji="1" lang="zh-CN" altLang="en-US" sz="4000">
+                <a:latin typeface="Microsoft YaHei" panose="020B0503020204020204" pitchFamily="34" charset="-122"/>
+                <a:ea typeface="Microsoft YaHei" panose="020B0503020204020204" pitchFamily="34" charset="-122"/>
+              </a:rPr>
+              <a:t>节</a:t>
+            </a:r>
+            <a:r>
+              <a:rPr kumimoji="1" lang="zh-CN" altLang="en-US" sz="4000" dirty="0">
+                <a:latin typeface="Microsoft YaHei" panose="020B0503020204020204" pitchFamily="34" charset="-122"/>
+                <a:ea typeface="Microsoft YaHei" panose="020B0503020204020204" pitchFamily="34" charset="-122"/>
+              </a:rPr>
+              <a:t>课 </a:t>
             </a:r>
           </a:p>
         </p:txBody>

--- a/ppt/5.数组和广义表.pptx
+++ b/ppt/5.数组和广义表.pptx
@@ -5,19 +5,25 @@
     <p:sldMasterId id="2147483648" r:id="rId1"/>
   </p:sldMasterIdLst>
   <p:notesMasterIdLst>
-    <p:notesMasterId r:id="rId12"/>
+    <p:notesMasterId r:id="rId18"/>
   </p:notesMasterIdLst>
   <p:sldIdLst>
     <p:sldId id="258" r:id="rId2"/>
     <p:sldId id="266" r:id="rId3"/>
     <p:sldId id="259" r:id="rId4"/>
-    <p:sldId id="280" r:id="rId5"/>
-    <p:sldId id="285" r:id="rId6"/>
-    <p:sldId id="286" r:id="rId7"/>
-    <p:sldId id="283" r:id="rId8"/>
-    <p:sldId id="279" r:id="rId9"/>
-    <p:sldId id="288" r:id="rId10"/>
-    <p:sldId id="265" r:id="rId11"/>
+    <p:sldId id="289" r:id="rId5"/>
+    <p:sldId id="280" r:id="rId6"/>
+    <p:sldId id="285" r:id="rId7"/>
+    <p:sldId id="286" r:id="rId8"/>
+    <p:sldId id="290" r:id="rId9"/>
+    <p:sldId id="283" r:id="rId10"/>
+    <p:sldId id="291" r:id="rId11"/>
+    <p:sldId id="294" r:id="rId12"/>
+    <p:sldId id="296" r:id="rId13"/>
+    <p:sldId id="295" r:id="rId14"/>
+    <p:sldId id="297" r:id="rId15"/>
+    <p:sldId id="292" r:id="rId16"/>
+    <p:sldId id="288" r:id="rId17"/>
   </p:sldIdLst>
   <p:sldSz cx="12192000" cy="6858000"/>
   <p:notesSz cx="6858000" cy="9144000"/>
@@ -128,13 +134,19 @@
           <p14:sldIdLst>
             <p14:sldId id="266"/>
             <p14:sldId id="259"/>
+            <p14:sldId id="289"/>
             <p14:sldId id="280"/>
             <p14:sldId id="285"/>
             <p14:sldId id="286"/>
+            <p14:sldId id="290"/>
             <p14:sldId id="283"/>
-            <p14:sldId id="279"/>
+            <p14:sldId id="291"/>
+            <p14:sldId id="294"/>
+            <p14:sldId id="296"/>
+            <p14:sldId id="295"/>
+            <p14:sldId id="297"/>
+            <p14:sldId id="292"/>
             <p14:sldId id="288"/>
-            <p14:sldId id="265"/>
           </p14:sldIdLst>
         </p14:section>
       </p14:sectionLst>
@@ -539,31 +551,10 @@
           <a:bodyPr/>
           <a:lstStyle/>
           <a:p>
-            <a:pPr marL="0" marR="0" lvl="0" indent="0" algn="l" defTabSz="914400" rtl="0" eaLnBrk="1" fontAlgn="auto" latinLnBrk="0" hangingPunct="1">
-              <a:lnSpc>
-                <a:spcPct val="100000"/>
-              </a:lnSpc>
-              <a:spcBef>
-                <a:spcPts val="0"/>
-              </a:spcBef>
-              <a:spcAft>
-                <a:spcPts val="0"/>
-              </a:spcAft>
-              <a:buClrTx/>
-              <a:buSzTx/>
-              <a:buFontTx/>
-              <a:buNone/>
-              <a:tabLst/>
-              <a:defRPr/>
-            </a:pPr>
             <a:r>
               <a:rPr kumimoji="1" lang="zh-CN" altLang="en-US" dirty="0"/>
-              <a:t>另一个例子：狗会叫，猫会叫，鸭子也会叫，那他们可以抽象成 一个动物对象，这个动物对象有叫这个动作，但至于具体如何叫，就不是抽象数据模型的职责了，而是具体数据类型的职责</a:t>
-            </a:r>
-            <a:endParaRPr kumimoji="1" lang="en-US" altLang="zh-CN" dirty="0"/>
-          </a:p>
-          <a:p>
-            <a:endParaRPr kumimoji="1" lang="zh-CN" altLang="en-US" dirty="0"/>
+              <a:t>三元组的元素以行序为主序存储</a:t>
+            </a:r>
           </a:p>
         </p:txBody>
       </p:sp>
@@ -584,7 +575,7 @@
           <a:p>
             <a:fld id="{0F8E57A1-C481-6944-857F-EAC8E932B5ED}" type="slidenum">
               <a:rPr kumimoji="1" lang="zh-CN" altLang="en-US" smtClean="0"/>
-              <a:t>8</a:t>
+              <a:t>12</a:t>
             </a:fld>
             <a:endParaRPr kumimoji="1" lang="zh-CN" altLang="en-US"/>
           </a:p>
@@ -593,7 +584,7 @@
     </p:spTree>
     <p:extLst>
       <p:ext uri="{BB962C8B-B14F-4D97-AF65-F5344CB8AC3E}">
-        <p14:creationId xmlns:p14="http://schemas.microsoft.com/office/powerpoint/2010/main" val="4167110842"/>
+        <p14:creationId xmlns:p14="http://schemas.microsoft.com/office/powerpoint/2010/main" val="441079160"/>
       </p:ext>
     </p:extLst>
   </p:cSld>
@@ -647,7 +638,10 @@
           <a:bodyPr/>
           <a:lstStyle/>
           <a:p>
-            <a:endParaRPr kumimoji="1" lang="zh-CN" altLang="en-US"/>
+            <a:r>
+              <a:rPr kumimoji="1" lang="zh-CN" altLang="en-US" dirty="0"/>
+              <a:t>三元组的元素以行序为主序存储</a:t>
+            </a:r>
           </a:p>
         </p:txBody>
       </p:sp>
@@ -668,7 +662,7 @@
           <a:p>
             <a:fld id="{0F8E57A1-C481-6944-857F-EAC8E932B5ED}" type="slidenum">
               <a:rPr kumimoji="1" lang="zh-CN" altLang="en-US" smtClean="0"/>
-              <a:t>9</a:t>
+              <a:t>13</a:t>
             </a:fld>
             <a:endParaRPr kumimoji="1" lang="zh-CN" altLang="en-US"/>
           </a:p>
@@ -677,7 +671,7 @@
     </p:spTree>
     <p:extLst>
       <p:ext uri="{BB962C8B-B14F-4D97-AF65-F5344CB8AC3E}">
-        <p14:creationId xmlns:p14="http://schemas.microsoft.com/office/powerpoint/2010/main" val="3812805568"/>
+        <p14:creationId xmlns:p14="http://schemas.microsoft.com/office/powerpoint/2010/main" val="1592844804"/>
       </p:ext>
     </p:extLst>
   </p:cSld>
@@ -731,7 +725,10 @@
           <a:bodyPr/>
           <a:lstStyle/>
           <a:p>
-            <a:endParaRPr kumimoji="1" lang="zh-CN" altLang="en-US" dirty="0"/>
+            <a:r>
+              <a:rPr kumimoji="1" lang="zh-CN" altLang="en-US" dirty="0"/>
+              <a:t>三元组的元素以行序为主序存储</a:t>
+            </a:r>
           </a:p>
         </p:txBody>
       </p:sp>
@@ -752,7 +749,7 @@
           <a:p>
             <a:fld id="{0F8E57A1-C481-6944-857F-EAC8E932B5ED}" type="slidenum">
               <a:rPr kumimoji="1" lang="zh-CN" altLang="en-US" smtClean="0"/>
-              <a:t>10</a:t>
+              <a:t>14</a:t>
             </a:fld>
             <a:endParaRPr kumimoji="1" lang="zh-CN" altLang="en-US"/>
           </a:p>
@@ -761,7 +758,175 @@
     </p:spTree>
     <p:extLst>
       <p:ext uri="{BB962C8B-B14F-4D97-AF65-F5344CB8AC3E}">
-        <p14:creationId xmlns:p14="http://schemas.microsoft.com/office/powerpoint/2010/main" val="1197134026"/>
+        <p14:creationId xmlns:p14="http://schemas.microsoft.com/office/powerpoint/2010/main" val="4174004877"/>
+      </p:ext>
+    </p:extLst>
+  </p:cSld>
+  <p:clrMapOvr>
+    <a:masterClrMapping/>
+  </p:clrMapOvr>
+</p:notes>
+</file>
+
+<file path=ppt/notesSlides/notesSlide4.xml><?xml version="1.0" encoding="utf-8"?>
+<p:notes xmlns:a="http://schemas.openxmlformats.org/drawingml/2006/main" xmlns:r="http://schemas.openxmlformats.org/officeDocument/2006/relationships" xmlns:p="http://schemas.openxmlformats.org/presentationml/2006/main">
+  <p:cSld>
+    <p:spTree>
+      <p:nvGrpSpPr>
+        <p:cNvPr id="1" name=""/>
+        <p:cNvGrpSpPr/>
+        <p:nvPr/>
+      </p:nvGrpSpPr>
+      <p:grpSpPr>
+        <a:xfrm>
+          <a:off x="0" y="0"/>
+          <a:ext cx="0" cy="0"/>
+          <a:chOff x="0" y="0"/>
+          <a:chExt cx="0" cy="0"/>
+        </a:xfrm>
+      </p:grpSpPr>
+      <p:sp>
+        <p:nvSpPr>
+          <p:cNvPr id="2" name="幻灯片图像占位符 1"/>
+          <p:cNvSpPr>
+            <a:spLocks noGrp="1" noRot="1" noChangeAspect="1"/>
+          </p:cNvSpPr>
+          <p:nvPr>
+            <p:ph type="sldImg"/>
+          </p:nvPr>
+        </p:nvSpPr>
+        <p:spPr/>
+      </p:sp>
+      <p:sp>
+        <p:nvSpPr>
+          <p:cNvPr id="3" name="备注占位符 2"/>
+          <p:cNvSpPr>
+            <a:spLocks noGrp="1"/>
+          </p:cNvSpPr>
+          <p:nvPr>
+            <p:ph type="body" idx="1"/>
+          </p:nvPr>
+        </p:nvSpPr>
+        <p:spPr/>
+        <p:txBody>
+          <a:bodyPr/>
+          <a:lstStyle/>
+          <a:p>
+            <a:endParaRPr kumimoji="1" lang="zh-CN" altLang="en-US" dirty="0"/>
+          </a:p>
+        </p:txBody>
+      </p:sp>
+      <p:sp>
+        <p:nvSpPr>
+          <p:cNvPr id="4" name="灯片编号占位符 3"/>
+          <p:cNvSpPr>
+            <a:spLocks noGrp="1"/>
+          </p:cNvSpPr>
+          <p:nvPr>
+            <p:ph type="sldNum" sz="quarter" idx="5"/>
+          </p:nvPr>
+        </p:nvSpPr>
+        <p:spPr/>
+        <p:txBody>
+          <a:bodyPr/>
+          <a:lstStyle/>
+          <a:p>
+            <a:fld id="{0F8E57A1-C481-6944-857F-EAC8E932B5ED}" type="slidenum">
+              <a:rPr kumimoji="1" lang="zh-CN" altLang="en-US" smtClean="0"/>
+              <a:t>15</a:t>
+            </a:fld>
+            <a:endParaRPr kumimoji="1" lang="zh-CN" altLang="en-US"/>
+          </a:p>
+        </p:txBody>
+      </p:sp>
+    </p:spTree>
+    <p:extLst>
+      <p:ext uri="{BB962C8B-B14F-4D97-AF65-F5344CB8AC3E}">
+        <p14:creationId xmlns:p14="http://schemas.microsoft.com/office/powerpoint/2010/main" val="2575856176"/>
+      </p:ext>
+    </p:extLst>
+  </p:cSld>
+  <p:clrMapOvr>
+    <a:masterClrMapping/>
+  </p:clrMapOvr>
+</p:notes>
+</file>
+
+<file path=ppt/notesSlides/notesSlide5.xml><?xml version="1.0" encoding="utf-8"?>
+<p:notes xmlns:a="http://schemas.openxmlformats.org/drawingml/2006/main" xmlns:r="http://schemas.openxmlformats.org/officeDocument/2006/relationships" xmlns:p="http://schemas.openxmlformats.org/presentationml/2006/main">
+  <p:cSld>
+    <p:spTree>
+      <p:nvGrpSpPr>
+        <p:cNvPr id="1" name=""/>
+        <p:cNvGrpSpPr/>
+        <p:nvPr/>
+      </p:nvGrpSpPr>
+      <p:grpSpPr>
+        <a:xfrm>
+          <a:off x="0" y="0"/>
+          <a:ext cx="0" cy="0"/>
+          <a:chOff x="0" y="0"/>
+          <a:chExt cx="0" cy="0"/>
+        </a:xfrm>
+      </p:grpSpPr>
+      <p:sp>
+        <p:nvSpPr>
+          <p:cNvPr id="2" name="幻灯片图像占位符 1"/>
+          <p:cNvSpPr>
+            <a:spLocks noGrp="1" noRot="1" noChangeAspect="1"/>
+          </p:cNvSpPr>
+          <p:nvPr>
+            <p:ph type="sldImg"/>
+          </p:nvPr>
+        </p:nvSpPr>
+        <p:spPr/>
+      </p:sp>
+      <p:sp>
+        <p:nvSpPr>
+          <p:cNvPr id="3" name="备注占位符 2"/>
+          <p:cNvSpPr>
+            <a:spLocks noGrp="1"/>
+          </p:cNvSpPr>
+          <p:nvPr>
+            <p:ph type="body" idx="1"/>
+          </p:nvPr>
+        </p:nvSpPr>
+        <p:spPr/>
+        <p:txBody>
+          <a:bodyPr/>
+          <a:lstStyle/>
+          <a:p>
+            <a:endParaRPr kumimoji="1" lang="zh-CN" altLang="en-US"/>
+          </a:p>
+        </p:txBody>
+      </p:sp>
+      <p:sp>
+        <p:nvSpPr>
+          <p:cNvPr id="4" name="灯片编号占位符 3"/>
+          <p:cNvSpPr>
+            <a:spLocks noGrp="1"/>
+          </p:cNvSpPr>
+          <p:nvPr>
+            <p:ph type="sldNum" sz="quarter" idx="5"/>
+          </p:nvPr>
+        </p:nvSpPr>
+        <p:spPr/>
+        <p:txBody>
+          <a:bodyPr/>
+          <a:lstStyle/>
+          <a:p>
+            <a:fld id="{0F8E57A1-C481-6944-857F-EAC8E932B5ED}" type="slidenum">
+              <a:rPr kumimoji="1" lang="zh-CN" altLang="en-US" smtClean="0"/>
+              <a:t>16</a:t>
+            </a:fld>
+            <a:endParaRPr kumimoji="1" lang="zh-CN" altLang="en-US"/>
+          </a:p>
+        </p:txBody>
+      </p:sp>
+    </p:spTree>
+    <p:extLst>
+      <p:ext uri="{BB962C8B-B14F-4D97-AF65-F5344CB8AC3E}">
+        <p14:creationId xmlns:p14="http://schemas.microsoft.com/office/powerpoint/2010/main" val="3812805568"/>
       </p:ext>
     </p:extLst>
   </p:cSld>
@@ -4077,29 +4242,65 @@
               <a:t>第</a:t>
             </a:r>
             <a:r>
-              <a:rPr kumimoji="1" lang="en-US" altLang="zh-CN" sz="4000">
+              <a:rPr kumimoji="1" lang="en-US" altLang="zh-CN" sz="4000" dirty="0">
                 <a:latin typeface="Microsoft YaHei" panose="020B0503020204020204" pitchFamily="34" charset="-122"/>
                 <a:ea typeface="Microsoft YaHei" panose="020B0503020204020204" pitchFamily="34" charset="-122"/>
               </a:rPr>
               <a:t>7</a:t>
             </a:r>
             <a:r>
-              <a:rPr kumimoji="1" lang="zh-CN" altLang="en-US" sz="4000">
-                <a:latin typeface="Microsoft YaHei" panose="020B0503020204020204" pitchFamily="34" charset="-122"/>
-                <a:ea typeface="Microsoft YaHei" panose="020B0503020204020204" pitchFamily="34" charset="-122"/>
-              </a:rPr>
-              <a:t>节</a:t>
-            </a:r>
-            <a:r>
               <a:rPr kumimoji="1" lang="zh-CN" altLang="en-US" sz="4000" dirty="0">
                 <a:latin typeface="Microsoft YaHei" panose="020B0503020204020204" pitchFamily="34" charset="-122"/>
                 <a:ea typeface="Microsoft YaHei" panose="020B0503020204020204" pitchFamily="34" charset="-122"/>
               </a:rPr>
-              <a:t>课 </a:t>
-            </a:r>
-          </a:p>
-        </p:txBody>
-      </p:sp>
+              <a:t>节课 数组和广义表 </a:t>
+            </a:r>
+          </a:p>
+        </p:txBody>
+      </p:sp>
+      <p:pic>
+        <p:nvPicPr>
+          <p:cNvPr id="5" name="图片 2">
+            <a:extLst>
+              <a:ext uri="{FF2B5EF4-FFF2-40B4-BE49-F238E27FC236}">
+                <a16:creationId xmlns:a16="http://schemas.microsoft.com/office/drawing/2014/main" id="{1E0890B1-6D36-F444-BAFF-9326BB54403A}"/>
+              </a:ext>
+            </a:extLst>
+          </p:cNvPr>
+          <p:cNvPicPr>
+            <a:picLocks noChangeAspect="1" noChangeArrowheads="1"/>
+          </p:cNvPicPr>
+          <p:nvPr/>
+        </p:nvPicPr>
+        <p:blipFill>
+          <a:blip r:embed="rId3" cstate="print">
+            <a:extLst>
+              <a:ext uri="{28A0092B-C50C-407E-A947-70E740481C1C}">
+                <a14:useLocalDpi xmlns:a14="http://schemas.microsoft.com/office/drawing/2010/main" val="0"/>
+              </a:ext>
+            </a:extLst>
+          </a:blip>
+          <a:srcRect l="2818" t="9651" r="2068" b="9219"/>
+          <a:stretch>
+            <a:fillRect/>
+          </a:stretch>
+        </p:blipFill>
+        <p:spPr bwMode="auto">
+          <a:xfrm>
+            <a:off x="9186863" y="0"/>
+            <a:ext cx="3005137" cy="782637"/>
+          </a:xfrm>
+          <a:prstGeom prst="rect">
+            <a:avLst/>
+          </a:prstGeom>
+          <a:solidFill>
+            <a:schemeClr val="accent1"/>
+          </a:solidFill>
+          <a:ln>
+            <a:noFill/>
+          </a:ln>
+        </p:spPr>
+      </p:pic>
     </p:spTree>
     <p:extLst>
       <p:ext uri="{BB962C8B-B14F-4D97-AF65-F5344CB8AC3E}">
@@ -4118,13 +4319,1464 @@
   <p:cSld>
     <p:bg>
       <p:bgPr>
+        <a:blipFill>
+          <a:blip r:embed="rId2"/>
+          <a:tile tx="0" ty="0" sx="100000" sy="100000" flip="none" algn="tl"/>
+        </a:blipFill>
+        <a:effectLst/>
+      </p:bgPr>
+    </p:bg>
+    <p:spTree>
+      <p:nvGrpSpPr>
+        <p:cNvPr id="1" name=""/>
+        <p:cNvGrpSpPr/>
+        <p:nvPr/>
+      </p:nvGrpSpPr>
+      <p:grpSpPr>
+        <a:xfrm>
+          <a:off x="0" y="0"/>
+          <a:ext cx="0" cy="0"/>
+          <a:chOff x="0" y="0"/>
+          <a:chExt cx="0" cy="0"/>
+        </a:xfrm>
+      </p:grpSpPr>
+      <p:sp>
+        <p:nvSpPr>
+          <p:cNvPr id="3" name="文本框 2">
+            <a:extLst>
+              <a:ext uri="{FF2B5EF4-FFF2-40B4-BE49-F238E27FC236}">
+                <a16:creationId xmlns:a16="http://schemas.microsoft.com/office/drawing/2014/main" id="{62BFC649-BF8E-2841-8EAF-47AFBF9D6671}"/>
+              </a:ext>
+            </a:extLst>
+          </p:cNvPr>
+          <p:cNvSpPr txBox="1"/>
+          <p:nvPr/>
+        </p:nvSpPr>
+        <p:spPr>
+          <a:xfrm>
+            <a:off x="2054352" y="718220"/>
+            <a:ext cx="8083296" cy="830997"/>
+          </a:xfrm>
+          <a:prstGeom prst="rect">
+            <a:avLst/>
+          </a:prstGeom>
+          <a:noFill/>
+        </p:spPr>
+        <p:txBody>
+          <a:bodyPr wrap="square" rtlCol="0">
+            <a:spAutoFit/>
+          </a:bodyPr>
+          <a:lstStyle/>
+          <a:p>
+            <a:pPr algn="ctr"/>
+            <a:r>
+              <a:rPr kumimoji="1" lang="en-US" altLang="zh-CN" sz="4800" dirty="0">
+                <a:latin typeface="Microsoft YaHei" panose="020B0503020204020204" pitchFamily="34" charset="-122"/>
+                <a:ea typeface="Microsoft YaHei" panose="020B0503020204020204" pitchFamily="34" charset="-122"/>
+              </a:rPr>
+              <a:t>3.</a:t>
+            </a:r>
+            <a:r>
+              <a:rPr kumimoji="1" lang="zh-CN" altLang="en-US" sz="4800" dirty="0">
+                <a:latin typeface="Microsoft YaHei" panose="020B0503020204020204" pitchFamily="34" charset="-122"/>
+                <a:ea typeface="Microsoft YaHei" panose="020B0503020204020204" pitchFamily="34" charset="-122"/>
+              </a:rPr>
+              <a:t>稀疏矩阵的存储方式</a:t>
+            </a:r>
+          </a:p>
+        </p:txBody>
+      </p:sp>
+      <p:sp>
+        <p:nvSpPr>
+          <p:cNvPr id="2" name="文本框 1">
+            <a:extLst>
+              <a:ext uri="{FF2B5EF4-FFF2-40B4-BE49-F238E27FC236}">
+                <a16:creationId xmlns:a16="http://schemas.microsoft.com/office/drawing/2014/main" id="{2348A353-F74A-F749-85B3-0743B6EAB0EF}"/>
+              </a:ext>
+            </a:extLst>
+          </p:cNvPr>
+          <p:cNvSpPr txBox="1"/>
+          <p:nvPr/>
+        </p:nvSpPr>
+        <p:spPr>
+          <a:xfrm>
+            <a:off x="1610042" y="2701636"/>
+            <a:ext cx="6459653" cy="3539430"/>
+          </a:xfrm>
+          <a:prstGeom prst="rect">
+            <a:avLst/>
+          </a:prstGeom>
+          <a:noFill/>
+        </p:spPr>
+        <p:txBody>
+          <a:bodyPr wrap="square" rtlCol="0">
+            <a:spAutoFit/>
+          </a:bodyPr>
+          <a:lstStyle/>
+          <a:p>
+            <a:r>
+              <a:rPr kumimoji="1" lang="zh-CN" altLang="en-US" sz="2800" dirty="0"/>
+              <a:t>我们用三元组对象存储一个矩阵元素</a:t>
+            </a:r>
+            <a:endParaRPr kumimoji="1" lang="en-US" altLang="zh-CN" sz="2800" dirty="0"/>
+          </a:p>
+          <a:p>
+            <a:pPr marL="514350" indent="-514350">
+              <a:buFont typeface="+mj-lt"/>
+              <a:buAutoNum type="arabicPeriod"/>
+            </a:pPr>
+            <a:r>
+              <a:rPr kumimoji="1" lang="zh-CN" altLang="en-US" sz="2800" dirty="0"/>
+              <a:t>行坐标</a:t>
+            </a:r>
+            <a:endParaRPr kumimoji="1" lang="en-US" altLang="zh-CN" sz="2800" dirty="0"/>
+          </a:p>
+          <a:p>
+            <a:pPr marL="514350" indent="-514350">
+              <a:buFont typeface="+mj-lt"/>
+              <a:buAutoNum type="arabicPeriod"/>
+            </a:pPr>
+            <a:r>
+              <a:rPr kumimoji="1" lang="zh-CN" altLang="en-US" sz="2800" dirty="0"/>
+              <a:t>纵坐标</a:t>
+            </a:r>
+            <a:endParaRPr kumimoji="1" lang="en-US" altLang="zh-CN" sz="2800" dirty="0"/>
+          </a:p>
+          <a:p>
+            <a:pPr marL="514350" indent="-514350">
+              <a:buFont typeface="+mj-lt"/>
+              <a:buAutoNum type="arabicPeriod"/>
+            </a:pPr>
+            <a:r>
+              <a:rPr kumimoji="1" lang="zh-CN" altLang="en-US" sz="2800" dirty="0"/>
+              <a:t>数值</a:t>
+            </a:r>
+            <a:endParaRPr kumimoji="1" lang="en-US" altLang="zh-CN" sz="2800" dirty="0"/>
+          </a:p>
+          <a:p>
+            <a:r>
+              <a:rPr kumimoji="1" lang="zh-CN" altLang="en-US" sz="2800" dirty="0"/>
+              <a:t>比如右图的第</a:t>
+            </a:r>
+            <a:r>
+              <a:rPr kumimoji="1" lang="en-US" altLang="zh-CN" sz="2800" dirty="0"/>
+              <a:t>2</a:t>
+            </a:r>
+            <a:r>
+              <a:rPr kumimoji="1" lang="zh-CN" altLang="en-US" sz="2800" dirty="0"/>
+              <a:t>行第</a:t>
+            </a:r>
+            <a:r>
+              <a:rPr kumimoji="1" lang="en-US" altLang="zh-CN" sz="2800" dirty="0"/>
+              <a:t>1</a:t>
+            </a:r>
+            <a:r>
+              <a:rPr kumimoji="1" lang="zh-CN" altLang="en-US" sz="2800" dirty="0"/>
+              <a:t>列 </a:t>
+            </a:r>
+            <a:r>
+              <a:rPr kumimoji="1" lang="en-US" altLang="zh-CN" sz="2800" dirty="0"/>
+              <a:t>12</a:t>
+            </a:r>
+            <a:r>
+              <a:rPr kumimoji="1" lang="zh-CN" altLang="en-US" sz="2800" dirty="0"/>
+              <a:t>数值，表示为</a:t>
+            </a:r>
+            <a:endParaRPr kumimoji="1" lang="en-US" altLang="zh-CN" sz="2800" dirty="0"/>
+          </a:p>
+          <a:p>
+            <a:r>
+              <a:rPr kumimoji="1" lang="en-US" altLang="zh-CN" sz="2800" dirty="0"/>
+              <a:t>(1,0,12)</a:t>
+            </a:r>
+            <a:r>
+              <a:rPr kumimoji="1" lang="zh-CN" altLang="en-US" sz="2800" dirty="0"/>
+              <a:t> </a:t>
+            </a:r>
+            <a:endParaRPr kumimoji="1" lang="en-US" altLang="zh-CN" sz="2800" dirty="0"/>
+          </a:p>
+          <a:p>
+            <a:r>
+              <a:rPr kumimoji="1" lang="zh-CN" altLang="en-US" sz="2800" dirty="0"/>
+              <a:t>整个矩阵就是由一个个这样的三元组组成。</a:t>
+            </a:r>
+            <a:endParaRPr kumimoji="1" lang="en-US" altLang="zh-CN" sz="2800" dirty="0"/>
+          </a:p>
+        </p:txBody>
+      </p:sp>
+      <p:sp>
+        <p:nvSpPr>
+          <p:cNvPr id="4" name="文本框 3">
+            <a:extLst>
+              <a:ext uri="{FF2B5EF4-FFF2-40B4-BE49-F238E27FC236}">
+                <a16:creationId xmlns:a16="http://schemas.microsoft.com/office/drawing/2014/main" id="{2AAFB269-7076-7448-92B5-5A2E650021D7}"/>
+              </a:ext>
+            </a:extLst>
+          </p:cNvPr>
+          <p:cNvSpPr txBox="1"/>
+          <p:nvPr/>
+        </p:nvSpPr>
+        <p:spPr>
+          <a:xfrm>
+            <a:off x="540000" y="1800000"/>
+            <a:ext cx="1070042" cy="542675"/>
+          </a:xfrm>
+          <a:prstGeom prst="rect">
+            <a:avLst/>
+          </a:prstGeom>
+          <a:solidFill>
+            <a:schemeClr val="accent2"/>
+          </a:solidFill>
+        </p:spPr>
+        <p:txBody>
+          <a:bodyPr wrap="square" rtlCol="0">
+            <a:spAutoFit/>
+          </a:bodyPr>
+          <a:lstStyle/>
+          <a:p>
+            <a:r>
+              <a:rPr kumimoji="1" lang="zh-CN" altLang="en-US" sz="2800" dirty="0">
+                <a:solidFill>
+                  <a:schemeClr val="bg1"/>
+                </a:solidFill>
+                <a:latin typeface="Microsoft YaHei" panose="020B0503020204020204" pitchFamily="34" charset="-122"/>
+                <a:ea typeface="Microsoft YaHei" panose="020B0503020204020204" pitchFamily="34" charset="-122"/>
+              </a:rPr>
+              <a:t>定义</a:t>
+            </a:r>
+          </a:p>
+        </p:txBody>
+      </p:sp>
+      <p:pic>
+        <p:nvPicPr>
+          <p:cNvPr id="5" name="图片 4">
+            <a:extLst>
+              <a:ext uri="{FF2B5EF4-FFF2-40B4-BE49-F238E27FC236}">
+                <a16:creationId xmlns:a16="http://schemas.microsoft.com/office/drawing/2014/main" id="{7FFE7B75-EDE6-B846-AA58-A86EA4BD8A87}"/>
+              </a:ext>
+            </a:extLst>
+          </p:cNvPr>
+          <p:cNvPicPr>
+            <a:picLocks noChangeAspect="1"/>
+          </p:cNvPicPr>
+          <p:nvPr/>
+        </p:nvPicPr>
+        <p:blipFill>
+          <a:blip r:embed="rId3"/>
+          <a:stretch>
+            <a:fillRect/>
+          </a:stretch>
+        </p:blipFill>
+        <p:spPr>
+          <a:xfrm>
+            <a:off x="8495307" y="2701636"/>
+            <a:ext cx="3284682" cy="2496358"/>
+          </a:xfrm>
+          <a:prstGeom prst="rect">
+            <a:avLst/>
+          </a:prstGeom>
+        </p:spPr>
+      </p:pic>
+    </p:spTree>
+    <p:extLst>
+      <p:ext uri="{BB962C8B-B14F-4D97-AF65-F5344CB8AC3E}">
+        <p14:creationId xmlns:p14="http://schemas.microsoft.com/office/powerpoint/2010/main" val="1190483353"/>
+      </p:ext>
+    </p:extLst>
+  </p:cSld>
+  <p:clrMapOvr>
+    <a:masterClrMapping/>
+  </p:clrMapOvr>
+</p:sld>
+</file>
+
+<file path=ppt/slides/slide11.xml><?xml version="1.0" encoding="utf-8"?>
+<p:sld xmlns:a="http://schemas.openxmlformats.org/drawingml/2006/main" xmlns:r="http://schemas.openxmlformats.org/officeDocument/2006/relationships" xmlns:p="http://schemas.openxmlformats.org/presentationml/2006/main">
+  <p:cSld>
+    <p:bg>
+      <p:bgPr>
+        <a:blipFill>
+          <a:blip r:embed="rId2"/>
+          <a:tile tx="0" ty="0" sx="100000" sy="100000" flip="none" algn="tl"/>
+        </a:blipFill>
+        <a:effectLst/>
+      </p:bgPr>
+    </p:bg>
+    <p:spTree>
+      <p:nvGrpSpPr>
+        <p:cNvPr id="1" name=""/>
+        <p:cNvGrpSpPr/>
+        <p:nvPr/>
+      </p:nvGrpSpPr>
+      <p:grpSpPr>
+        <a:xfrm>
+          <a:off x="0" y="0"/>
+          <a:ext cx="0" cy="0"/>
+          <a:chOff x="0" y="0"/>
+          <a:chExt cx="0" cy="0"/>
+        </a:xfrm>
+      </p:grpSpPr>
+      <p:sp>
+        <p:nvSpPr>
+          <p:cNvPr id="3" name="文本框 2">
+            <a:extLst>
+              <a:ext uri="{FF2B5EF4-FFF2-40B4-BE49-F238E27FC236}">
+                <a16:creationId xmlns:a16="http://schemas.microsoft.com/office/drawing/2014/main" id="{62BFC649-BF8E-2841-8EAF-47AFBF9D6671}"/>
+              </a:ext>
+            </a:extLst>
+          </p:cNvPr>
+          <p:cNvSpPr txBox="1"/>
+          <p:nvPr/>
+        </p:nvSpPr>
+        <p:spPr>
+          <a:xfrm>
+            <a:off x="2054352" y="718220"/>
+            <a:ext cx="8083296" cy="830997"/>
+          </a:xfrm>
+          <a:prstGeom prst="rect">
+            <a:avLst/>
+          </a:prstGeom>
+          <a:noFill/>
+        </p:spPr>
+        <p:txBody>
+          <a:bodyPr wrap="square" rtlCol="0">
+            <a:spAutoFit/>
+          </a:bodyPr>
+          <a:lstStyle/>
+          <a:p>
+            <a:pPr algn="ctr"/>
+            <a:r>
+              <a:rPr kumimoji="1" lang="en-US" altLang="zh-CN" sz="4800" dirty="0">
+                <a:latin typeface="Microsoft YaHei" panose="020B0503020204020204" pitchFamily="34" charset="-122"/>
+                <a:ea typeface="Microsoft YaHei" panose="020B0503020204020204" pitchFamily="34" charset="-122"/>
+              </a:rPr>
+              <a:t>3.</a:t>
+            </a:r>
+            <a:r>
+              <a:rPr kumimoji="1" lang="zh-CN" altLang="en-US" sz="4800" dirty="0">
+                <a:latin typeface="Microsoft YaHei" panose="020B0503020204020204" pitchFamily="34" charset="-122"/>
+                <a:ea typeface="Microsoft YaHei" panose="020B0503020204020204" pitchFamily="34" charset="-122"/>
+              </a:rPr>
+              <a:t>稀疏矩阵的存储结构</a:t>
+            </a:r>
+          </a:p>
+        </p:txBody>
+      </p:sp>
+      <p:pic>
+        <p:nvPicPr>
+          <p:cNvPr id="6" name="图片 5">
+            <a:extLst>
+              <a:ext uri="{FF2B5EF4-FFF2-40B4-BE49-F238E27FC236}">
+                <a16:creationId xmlns:a16="http://schemas.microsoft.com/office/drawing/2014/main" id="{EBAFCC5F-F76C-BB40-B0EE-C84ADF42220A}"/>
+              </a:ext>
+            </a:extLst>
+          </p:cNvPr>
+          <p:cNvPicPr>
+            <a:picLocks noChangeAspect="1"/>
+          </p:cNvPicPr>
+          <p:nvPr/>
+        </p:nvPicPr>
+        <p:blipFill>
+          <a:blip r:embed="rId3"/>
+          <a:stretch>
+            <a:fillRect/>
+          </a:stretch>
+        </p:blipFill>
+        <p:spPr>
+          <a:xfrm>
+            <a:off x="1803031" y="2426243"/>
+            <a:ext cx="8585938" cy="3451547"/>
+          </a:xfrm>
+          <a:prstGeom prst="rect">
+            <a:avLst/>
+          </a:prstGeom>
+        </p:spPr>
+      </p:pic>
+    </p:spTree>
+    <p:extLst>
+      <p:ext uri="{BB962C8B-B14F-4D97-AF65-F5344CB8AC3E}">
+        <p14:creationId xmlns:p14="http://schemas.microsoft.com/office/powerpoint/2010/main" val="2836535748"/>
+      </p:ext>
+    </p:extLst>
+  </p:cSld>
+  <p:clrMapOvr>
+    <a:masterClrMapping/>
+  </p:clrMapOvr>
+</p:sld>
+</file>
+
+<file path=ppt/slides/slide12.xml><?xml version="1.0" encoding="utf-8"?>
+<p:sld xmlns:a="http://schemas.openxmlformats.org/drawingml/2006/main" xmlns:r="http://schemas.openxmlformats.org/officeDocument/2006/relationships" xmlns:p="http://schemas.openxmlformats.org/presentationml/2006/main">
+  <p:cSld>
+    <p:bg>
+      <p:bgPr>
+        <a:blipFill>
+          <a:blip r:embed="rId3"/>
+          <a:tile tx="0" ty="0" sx="100000" sy="100000" flip="none" algn="tl"/>
+        </a:blipFill>
+        <a:effectLst/>
+      </p:bgPr>
+    </p:bg>
+    <p:spTree>
+      <p:nvGrpSpPr>
+        <p:cNvPr id="1" name=""/>
+        <p:cNvGrpSpPr/>
+        <p:nvPr/>
+      </p:nvGrpSpPr>
+      <p:grpSpPr>
+        <a:xfrm>
+          <a:off x="0" y="0"/>
+          <a:ext cx="0" cy="0"/>
+          <a:chOff x="0" y="0"/>
+          <a:chExt cx="0" cy="0"/>
+        </a:xfrm>
+      </p:grpSpPr>
+      <p:sp>
+        <p:nvSpPr>
+          <p:cNvPr id="3" name="文本框 2">
+            <a:extLst>
+              <a:ext uri="{FF2B5EF4-FFF2-40B4-BE49-F238E27FC236}">
+                <a16:creationId xmlns:a16="http://schemas.microsoft.com/office/drawing/2014/main" id="{62BFC649-BF8E-2841-8EAF-47AFBF9D6671}"/>
+              </a:ext>
+            </a:extLst>
+          </p:cNvPr>
+          <p:cNvSpPr txBox="1"/>
+          <p:nvPr/>
+        </p:nvSpPr>
+        <p:spPr>
+          <a:xfrm>
+            <a:off x="2054352" y="718220"/>
+            <a:ext cx="8083296" cy="830997"/>
+          </a:xfrm>
+          <a:prstGeom prst="rect">
+            <a:avLst/>
+          </a:prstGeom>
+          <a:noFill/>
+        </p:spPr>
+        <p:txBody>
+          <a:bodyPr wrap="square" rtlCol="0">
+            <a:spAutoFit/>
+          </a:bodyPr>
+          <a:lstStyle/>
+          <a:p>
+            <a:pPr algn="ctr"/>
+            <a:r>
+              <a:rPr kumimoji="1" lang="en-US" altLang="zh-CN" sz="4800" dirty="0">
+                <a:latin typeface="Microsoft YaHei" panose="020B0503020204020204" pitchFamily="34" charset="-122"/>
+                <a:ea typeface="Microsoft YaHei" panose="020B0503020204020204" pitchFamily="34" charset="-122"/>
+              </a:rPr>
+              <a:t>3.</a:t>
+            </a:r>
+            <a:r>
+              <a:rPr kumimoji="1" lang="zh-CN" altLang="en-US" sz="4800" dirty="0">
+                <a:latin typeface="Microsoft YaHei" panose="020B0503020204020204" pitchFamily="34" charset="-122"/>
+                <a:ea typeface="Microsoft YaHei" panose="020B0503020204020204" pitchFamily="34" charset="-122"/>
+              </a:rPr>
+              <a:t>稀疏矩阵的代码示例</a:t>
+            </a:r>
+          </a:p>
+        </p:txBody>
+      </p:sp>
+      <p:sp>
+        <p:nvSpPr>
+          <p:cNvPr id="5" name="文本框 4">
+            <a:extLst>
+              <a:ext uri="{FF2B5EF4-FFF2-40B4-BE49-F238E27FC236}">
+                <a16:creationId xmlns:a16="http://schemas.microsoft.com/office/drawing/2014/main" id="{72C695EC-DD41-184A-965A-C83FF64BEC6B}"/>
+              </a:ext>
+            </a:extLst>
+          </p:cNvPr>
+          <p:cNvSpPr txBox="1"/>
+          <p:nvPr/>
+        </p:nvSpPr>
+        <p:spPr>
+          <a:xfrm>
+            <a:off x="2054352" y="2125867"/>
+            <a:ext cx="8856103" cy="4893647"/>
+          </a:xfrm>
+          <a:prstGeom prst="rect">
+            <a:avLst/>
+          </a:prstGeom>
+          <a:noFill/>
+        </p:spPr>
+        <p:txBody>
+          <a:bodyPr wrap="square" rtlCol="0">
+            <a:spAutoFit/>
+          </a:bodyPr>
+          <a:lstStyle/>
+          <a:p>
+            <a:r>
+              <a:rPr kumimoji="1" lang="zh-CN" altLang="en-US" sz="2400" dirty="0">
+                <a:latin typeface="Microsoft YaHei" panose="020B0503020204020204" pitchFamily="34" charset="-122"/>
+                <a:ea typeface="Microsoft YaHei" panose="020B0503020204020204" pitchFamily="34" charset="-122"/>
+              </a:rPr>
+              <a:t>书中例子：</a:t>
+            </a:r>
+            <a:endParaRPr kumimoji="1" lang="en-US" altLang="zh-CN" sz="2400" dirty="0">
+              <a:latin typeface="Microsoft YaHei" panose="020B0503020204020204" pitchFamily="34" charset="-122"/>
+              <a:ea typeface="Microsoft YaHei" panose="020B0503020204020204" pitchFamily="34" charset="-122"/>
+            </a:endParaRPr>
+          </a:p>
+          <a:p>
+            <a:endParaRPr kumimoji="1" lang="en-US" altLang="zh-CN" sz="2400" dirty="0">
+              <a:latin typeface="Microsoft YaHei" panose="020B0503020204020204" pitchFamily="34" charset="-122"/>
+              <a:ea typeface="Microsoft YaHei" panose="020B0503020204020204" pitchFamily="34" charset="-122"/>
+            </a:endParaRPr>
+          </a:p>
+          <a:p>
+            <a:r>
+              <a:rPr kumimoji="1" lang="zh-CN" altLang="en-US" sz="2400" b="1" dirty="0">
+                <a:latin typeface="Microsoft YaHei" panose="020B0503020204020204" pitchFamily="34" charset="-122"/>
+                <a:ea typeface="Microsoft YaHei" panose="020B0503020204020204" pitchFamily="34" charset="-122"/>
+              </a:rPr>
+              <a:t>参照书中案例：矩阵转置  （</a:t>
+            </a:r>
+            <a:r>
+              <a:rPr kumimoji="1" lang="en-US" altLang="zh-CN" sz="2400" b="1" dirty="0" err="1">
+                <a:latin typeface="Microsoft YaHei" panose="020B0503020204020204" pitchFamily="34" charset="-122"/>
+                <a:ea typeface="Microsoft YaHei" panose="020B0503020204020204" pitchFamily="34" charset="-122"/>
+              </a:rPr>
+              <a:t>a</a:t>
+            </a:r>
+            <a:r>
+              <a:rPr kumimoji="1" lang="en-US" altLang="zh-CN" sz="2400" b="1" baseline="-25000" dirty="0" err="1">
+                <a:latin typeface="Microsoft YaHei" panose="020B0503020204020204" pitchFamily="34" charset="-122"/>
+                <a:ea typeface="Microsoft YaHei" panose="020B0503020204020204" pitchFamily="34" charset="-122"/>
+              </a:rPr>
+              <a:t>ij</a:t>
+            </a:r>
+            <a:r>
+              <a:rPr kumimoji="1" lang="en-US" altLang="zh-CN" sz="2400" b="1" dirty="0">
+                <a:latin typeface="Microsoft YaHei" panose="020B0503020204020204" pitchFamily="34" charset="-122"/>
+                <a:ea typeface="Microsoft YaHei" panose="020B0503020204020204" pitchFamily="34" charset="-122"/>
+              </a:rPr>
+              <a:t>  </a:t>
+            </a:r>
+            <a:r>
+              <a:rPr kumimoji="1" lang="zh-CN" altLang="en-US" sz="2400" b="1" dirty="0">
+                <a:latin typeface="Microsoft YaHei" panose="020B0503020204020204" pitchFamily="34" charset="-122"/>
+                <a:ea typeface="Microsoft YaHei" panose="020B0503020204020204" pitchFamily="34" charset="-122"/>
+              </a:rPr>
+              <a:t>和 </a:t>
+            </a:r>
+            <a:r>
+              <a:rPr kumimoji="1" lang="en-US" altLang="zh-CN" sz="2400" b="1" dirty="0" err="1">
+                <a:latin typeface="Microsoft YaHei" panose="020B0503020204020204" pitchFamily="34" charset="-122"/>
+                <a:ea typeface="Microsoft YaHei" panose="020B0503020204020204" pitchFamily="34" charset="-122"/>
+              </a:rPr>
+              <a:t>a</a:t>
+            </a:r>
+            <a:r>
+              <a:rPr kumimoji="1" lang="en-US" altLang="zh-CN" sz="2400" b="1" baseline="-25000" dirty="0" err="1">
+                <a:latin typeface="Microsoft YaHei" panose="020B0503020204020204" pitchFamily="34" charset="-122"/>
+                <a:ea typeface="Microsoft YaHei" panose="020B0503020204020204" pitchFamily="34" charset="-122"/>
+              </a:rPr>
+              <a:t>ji</a:t>
+            </a:r>
+            <a:r>
+              <a:rPr kumimoji="1" lang="zh-CN" altLang="en-US" sz="2400" b="1" dirty="0">
+                <a:latin typeface="Microsoft YaHei" panose="020B0503020204020204" pitchFamily="34" charset="-122"/>
+                <a:ea typeface="Microsoft YaHei" panose="020B0503020204020204" pitchFamily="34" charset="-122"/>
+              </a:rPr>
+              <a:t>互换），用三元组的结构进行转换。</a:t>
+            </a:r>
+          </a:p>
+          <a:p>
+            <a:endParaRPr kumimoji="1" lang="en-US" altLang="zh-CN" sz="2400" dirty="0">
+              <a:latin typeface="Microsoft YaHei" panose="020B0503020204020204" pitchFamily="34" charset="-122"/>
+              <a:ea typeface="Microsoft YaHei" panose="020B0503020204020204" pitchFamily="34" charset="-122"/>
+            </a:endParaRPr>
+          </a:p>
+          <a:p>
+            <a:endParaRPr kumimoji="1" lang="en-US" altLang="zh-CN" sz="2400" dirty="0">
+              <a:latin typeface="Microsoft YaHei" panose="020B0503020204020204" pitchFamily="34" charset="-122"/>
+              <a:ea typeface="Microsoft YaHei" panose="020B0503020204020204" pitchFamily="34" charset="-122"/>
+            </a:endParaRPr>
+          </a:p>
+          <a:p>
+            <a:r>
+              <a:rPr kumimoji="1" lang="zh-CN" altLang="en-US" sz="2400" dirty="0">
+                <a:latin typeface="Microsoft YaHei" panose="020B0503020204020204" pitchFamily="34" charset="-122"/>
+                <a:ea typeface="Microsoft YaHei" panose="020B0503020204020204" pitchFamily="34" charset="-122"/>
+              </a:rPr>
+              <a:t>算法分析： </a:t>
+            </a:r>
+            <a:endParaRPr kumimoji="1" lang="en-US" altLang="zh-CN" sz="2400" dirty="0">
+              <a:latin typeface="Microsoft YaHei" panose="020B0503020204020204" pitchFamily="34" charset="-122"/>
+              <a:ea typeface="Microsoft YaHei" panose="020B0503020204020204" pitchFamily="34" charset="-122"/>
+            </a:endParaRPr>
+          </a:p>
+          <a:p>
+            <a:endParaRPr kumimoji="1" lang="en-US" altLang="zh-CN" sz="2400" dirty="0">
+              <a:latin typeface="Microsoft YaHei" panose="020B0503020204020204" pitchFamily="34" charset="-122"/>
+              <a:ea typeface="Microsoft YaHei" panose="020B0503020204020204" pitchFamily="34" charset="-122"/>
+            </a:endParaRPr>
+          </a:p>
+          <a:p>
+            <a:pPr marL="457200" indent="-457200">
+              <a:buFont typeface="+mj-lt"/>
+              <a:buAutoNum type="arabicPeriod"/>
+            </a:pPr>
+            <a:r>
+              <a:rPr kumimoji="1" lang="zh-CN" altLang="en-US" sz="2400" dirty="0">
+                <a:latin typeface="Microsoft YaHei" panose="020B0503020204020204" pitchFamily="34" charset="-122"/>
+                <a:ea typeface="Microsoft YaHei" panose="020B0503020204020204" pitchFamily="34" charset="-122"/>
+              </a:rPr>
+              <a:t>讲矩阵行列数值互换</a:t>
+            </a:r>
+            <a:endParaRPr kumimoji="1" lang="en-US" altLang="zh-CN" sz="2400" dirty="0">
+              <a:latin typeface="Microsoft YaHei" panose="020B0503020204020204" pitchFamily="34" charset="-122"/>
+              <a:ea typeface="Microsoft YaHei" panose="020B0503020204020204" pitchFamily="34" charset="-122"/>
+            </a:endParaRPr>
+          </a:p>
+          <a:p>
+            <a:pPr marL="457200" indent="-457200">
+              <a:buFont typeface="+mj-lt"/>
+              <a:buAutoNum type="arabicPeriod"/>
+            </a:pPr>
+            <a:r>
+              <a:rPr kumimoji="1" lang="zh-CN" altLang="en-US" sz="2400" dirty="0">
+                <a:latin typeface="Microsoft YaHei" panose="020B0503020204020204" pitchFamily="34" charset="-122"/>
+                <a:ea typeface="Microsoft YaHei" panose="020B0503020204020204" pitchFamily="34" charset="-122"/>
+              </a:rPr>
+              <a:t> 每个三元组中的 </a:t>
+            </a:r>
+            <a:r>
+              <a:rPr kumimoji="1" lang="en-US" altLang="zh-CN" sz="2400" dirty="0" err="1">
+                <a:latin typeface="Microsoft YaHei" panose="020B0503020204020204" pitchFamily="34" charset="-122"/>
+                <a:ea typeface="Microsoft YaHei" panose="020B0503020204020204" pitchFamily="34" charset="-122"/>
+              </a:rPr>
+              <a:t>i,j</a:t>
+            </a:r>
+            <a:r>
+              <a:rPr kumimoji="1" lang="zh-CN" altLang="en-US" sz="2400" dirty="0">
+                <a:latin typeface="Microsoft YaHei" panose="020B0503020204020204" pitchFamily="34" charset="-122"/>
+                <a:ea typeface="Microsoft YaHei" panose="020B0503020204020204" pitchFamily="34" charset="-122"/>
+              </a:rPr>
+              <a:t>互换</a:t>
+            </a:r>
+            <a:endParaRPr kumimoji="1" lang="en-US" altLang="zh-CN" sz="2400" dirty="0">
+              <a:latin typeface="Microsoft YaHei" panose="020B0503020204020204" pitchFamily="34" charset="-122"/>
+              <a:ea typeface="Microsoft YaHei" panose="020B0503020204020204" pitchFamily="34" charset="-122"/>
+            </a:endParaRPr>
+          </a:p>
+          <a:p>
+            <a:pPr marL="457200" indent="-457200">
+              <a:buFont typeface="+mj-lt"/>
+              <a:buAutoNum type="arabicPeriod"/>
+            </a:pPr>
+            <a:r>
+              <a:rPr kumimoji="1" lang="zh-CN" altLang="en-US" sz="2400" dirty="0">
+                <a:latin typeface="Microsoft YaHei" panose="020B0503020204020204" pitchFamily="34" charset="-122"/>
+                <a:ea typeface="Microsoft YaHei" panose="020B0503020204020204" pitchFamily="34" charset="-122"/>
+              </a:rPr>
+              <a:t>重排列三元组之间的次序也可以实现矩阵的转置</a:t>
+            </a:r>
+            <a:r>
+              <a:rPr kumimoji="1" lang="en-US" altLang="zh-CN" sz="2400" dirty="0">
+                <a:latin typeface="Microsoft YaHei" panose="020B0503020204020204" pitchFamily="34" charset="-122"/>
+                <a:ea typeface="Microsoft YaHei" panose="020B0503020204020204" pitchFamily="34" charset="-122"/>
+              </a:rPr>
+              <a:t>(</a:t>
+            </a:r>
+            <a:r>
+              <a:rPr kumimoji="1" lang="zh-CN" altLang="en-US" sz="2400" dirty="0">
+                <a:latin typeface="Microsoft YaHei" panose="020B0503020204020204" pitchFamily="34" charset="-122"/>
+                <a:ea typeface="Microsoft YaHei" panose="020B0503020204020204" pitchFamily="34" charset="-122"/>
+              </a:rPr>
+              <a:t>若是保持行有限存储，那转置后也要保持行优先存储</a:t>
+            </a:r>
+            <a:r>
+              <a:rPr kumimoji="1" lang="en-US" altLang="zh-CN" sz="2400" dirty="0">
+                <a:latin typeface="Microsoft YaHei" panose="020B0503020204020204" pitchFamily="34" charset="-122"/>
+                <a:ea typeface="Microsoft YaHei" panose="020B0503020204020204" pitchFamily="34" charset="-122"/>
+              </a:rPr>
+              <a:t>)</a:t>
+            </a:r>
+          </a:p>
+          <a:p>
+            <a:pPr marL="457200" indent="-457200">
+              <a:buFont typeface="+mj-lt"/>
+              <a:buAutoNum type="arabicPeriod"/>
+            </a:pPr>
+            <a:endParaRPr kumimoji="1" lang="en-US" altLang="zh-CN" sz="2400" dirty="0">
+              <a:latin typeface="Microsoft YaHei" panose="020B0503020204020204" pitchFamily="34" charset="-122"/>
+              <a:ea typeface="Microsoft YaHei" panose="020B0503020204020204" pitchFamily="34" charset="-122"/>
+            </a:endParaRPr>
+          </a:p>
+        </p:txBody>
+      </p:sp>
+    </p:spTree>
+    <p:extLst>
+      <p:ext uri="{BB962C8B-B14F-4D97-AF65-F5344CB8AC3E}">
+        <p14:creationId xmlns:p14="http://schemas.microsoft.com/office/powerpoint/2010/main" val="1325251065"/>
+      </p:ext>
+    </p:extLst>
+  </p:cSld>
+  <p:clrMapOvr>
+    <a:masterClrMapping/>
+  </p:clrMapOvr>
+</p:sld>
+</file>
+
+<file path=ppt/slides/slide13.xml><?xml version="1.0" encoding="utf-8"?>
+<p:sld xmlns:a="http://schemas.openxmlformats.org/drawingml/2006/main" xmlns:r="http://schemas.openxmlformats.org/officeDocument/2006/relationships" xmlns:p="http://schemas.openxmlformats.org/presentationml/2006/main">
+  <p:cSld>
+    <p:bg>
+      <p:bgPr>
+        <a:blipFill>
+          <a:blip r:embed="rId3"/>
+          <a:tile tx="0" ty="0" sx="100000" sy="100000" flip="none" algn="tl"/>
+        </a:blipFill>
+        <a:effectLst/>
+      </p:bgPr>
+    </p:bg>
+    <p:spTree>
+      <p:nvGrpSpPr>
+        <p:cNvPr id="1" name=""/>
+        <p:cNvGrpSpPr/>
+        <p:nvPr/>
+      </p:nvGrpSpPr>
+      <p:grpSpPr>
+        <a:xfrm>
+          <a:off x="0" y="0"/>
+          <a:ext cx="0" cy="0"/>
+          <a:chOff x="0" y="0"/>
+          <a:chExt cx="0" cy="0"/>
+        </a:xfrm>
+      </p:grpSpPr>
+      <p:sp>
+        <p:nvSpPr>
+          <p:cNvPr id="3" name="文本框 2">
+            <a:extLst>
+              <a:ext uri="{FF2B5EF4-FFF2-40B4-BE49-F238E27FC236}">
+                <a16:creationId xmlns:a16="http://schemas.microsoft.com/office/drawing/2014/main" id="{62BFC649-BF8E-2841-8EAF-47AFBF9D6671}"/>
+              </a:ext>
+            </a:extLst>
+          </p:cNvPr>
+          <p:cNvSpPr txBox="1"/>
+          <p:nvPr/>
+        </p:nvSpPr>
+        <p:spPr>
+          <a:xfrm>
+            <a:off x="2054352" y="718220"/>
+            <a:ext cx="8083296" cy="830997"/>
+          </a:xfrm>
+          <a:prstGeom prst="rect">
+            <a:avLst/>
+          </a:prstGeom>
+          <a:noFill/>
+        </p:spPr>
+        <p:txBody>
+          <a:bodyPr wrap="square" rtlCol="0">
+            <a:spAutoFit/>
+          </a:bodyPr>
+          <a:lstStyle/>
+          <a:p>
+            <a:pPr algn="ctr"/>
+            <a:r>
+              <a:rPr kumimoji="1" lang="en-US" altLang="zh-CN" sz="4800" dirty="0">
+                <a:latin typeface="Microsoft YaHei" panose="020B0503020204020204" pitchFamily="34" charset="-122"/>
+                <a:ea typeface="Microsoft YaHei" panose="020B0503020204020204" pitchFamily="34" charset="-122"/>
+              </a:rPr>
+              <a:t>3.</a:t>
+            </a:r>
+            <a:r>
+              <a:rPr kumimoji="1" lang="zh-CN" altLang="en-US" sz="4800" dirty="0">
+                <a:latin typeface="Microsoft YaHei" panose="020B0503020204020204" pitchFamily="34" charset="-122"/>
+                <a:ea typeface="Microsoft YaHei" panose="020B0503020204020204" pitchFamily="34" charset="-122"/>
+              </a:rPr>
+              <a:t>稀疏矩阵的代码示例</a:t>
+            </a:r>
+          </a:p>
+        </p:txBody>
+      </p:sp>
+      <p:pic>
+        <p:nvPicPr>
+          <p:cNvPr id="8" name="图片 7">
+            <a:extLst>
+              <a:ext uri="{FF2B5EF4-FFF2-40B4-BE49-F238E27FC236}">
+                <a16:creationId xmlns:a16="http://schemas.microsoft.com/office/drawing/2014/main" id="{16C0738A-BB57-5943-83A5-3F0B4E40D51F}"/>
+              </a:ext>
+            </a:extLst>
+          </p:cNvPr>
+          <p:cNvPicPr>
+            <a:picLocks noChangeAspect="1"/>
+          </p:cNvPicPr>
+          <p:nvPr/>
+        </p:nvPicPr>
+        <p:blipFill>
+          <a:blip r:embed="rId4"/>
+          <a:stretch>
+            <a:fillRect/>
+          </a:stretch>
+        </p:blipFill>
+        <p:spPr>
+          <a:xfrm>
+            <a:off x="540000" y="4256438"/>
+            <a:ext cx="4114800" cy="1138687"/>
+          </a:xfrm>
+          <a:prstGeom prst="rect">
+            <a:avLst/>
+          </a:prstGeom>
+        </p:spPr>
+      </p:pic>
+      <p:pic>
+        <p:nvPicPr>
+          <p:cNvPr id="9" name="图片 8">
+            <a:extLst>
+              <a:ext uri="{FF2B5EF4-FFF2-40B4-BE49-F238E27FC236}">
+                <a16:creationId xmlns:a16="http://schemas.microsoft.com/office/drawing/2014/main" id="{90712151-9817-CA4C-94A5-348C554E638D}"/>
+              </a:ext>
+            </a:extLst>
+          </p:cNvPr>
+          <p:cNvPicPr>
+            <a:picLocks noChangeAspect="1"/>
+          </p:cNvPicPr>
+          <p:nvPr/>
+        </p:nvPicPr>
+        <p:blipFill>
+          <a:blip r:embed="rId5"/>
+          <a:stretch>
+            <a:fillRect/>
+          </a:stretch>
+        </p:blipFill>
+        <p:spPr>
+          <a:xfrm>
+            <a:off x="5512103" y="3409731"/>
+            <a:ext cx="6553200" cy="3289300"/>
+          </a:xfrm>
+          <a:prstGeom prst="rect">
+            <a:avLst/>
+          </a:prstGeom>
+        </p:spPr>
+      </p:pic>
+      <p:sp>
+        <p:nvSpPr>
+          <p:cNvPr id="10" name="文本框 9">
+            <a:extLst>
+              <a:ext uri="{FF2B5EF4-FFF2-40B4-BE49-F238E27FC236}">
+                <a16:creationId xmlns:a16="http://schemas.microsoft.com/office/drawing/2014/main" id="{07322001-2190-3149-96B0-7FB10F144AE4}"/>
+              </a:ext>
+            </a:extLst>
+          </p:cNvPr>
+          <p:cNvSpPr txBox="1"/>
+          <p:nvPr/>
+        </p:nvSpPr>
+        <p:spPr>
+          <a:xfrm>
+            <a:off x="1075021" y="5931843"/>
+            <a:ext cx="1252543" cy="400111"/>
+          </a:xfrm>
+          <a:prstGeom prst="rect">
+            <a:avLst/>
+          </a:prstGeom>
+          <a:solidFill>
+            <a:schemeClr val="accent2"/>
+          </a:solidFill>
+        </p:spPr>
+        <p:txBody>
+          <a:bodyPr wrap="square" rtlCol="0">
+            <a:spAutoFit/>
+          </a:bodyPr>
+          <a:lstStyle/>
+          <a:p>
+            <a:r>
+              <a:rPr kumimoji="1" lang="zh-CN" altLang="en-US" sz="2000" dirty="0">
+                <a:solidFill>
+                  <a:schemeClr val="bg1"/>
+                </a:solidFill>
+                <a:latin typeface="Microsoft YaHei" panose="020B0503020204020204" pitchFamily="34" charset="-122"/>
+                <a:ea typeface="Microsoft YaHei" panose="020B0503020204020204" pitchFamily="34" charset="-122"/>
+              </a:rPr>
+              <a:t>普通方式</a:t>
+            </a:r>
+          </a:p>
+        </p:txBody>
+      </p:sp>
+      <p:sp>
+        <p:nvSpPr>
+          <p:cNvPr id="11" name="文本框 10">
+            <a:extLst>
+              <a:ext uri="{FF2B5EF4-FFF2-40B4-BE49-F238E27FC236}">
+                <a16:creationId xmlns:a16="http://schemas.microsoft.com/office/drawing/2014/main" id="{E85192AC-D6CB-364A-A04D-CF932C130E81}"/>
+              </a:ext>
+            </a:extLst>
+          </p:cNvPr>
+          <p:cNvSpPr txBox="1"/>
+          <p:nvPr/>
+        </p:nvSpPr>
+        <p:spPr>
+          <a:xfrm>
+            <a:off x="3288449" y="5939725"/>
+            <a:ext cx="1595799" cy="400110"/>
+          </a:xfrm>
+          <a:prstGeom prst="rect">
+            <a:avLst/>
+          </a:prstGeom>
+          <a:solidFill>
+            <a:schemeClr val="accent2"/>
+          </a:solidFill>
+        </p:spPr>
+        <p:txBody>
+          <a:bodyPr wrap="square" rtlCol="0">
+            <a:spAutoFit/>
+          </a:bodyPr>
+          <a:lstStyle/>
+          <a:p>
+            <a:r>
+              <a:rPr kumimoji="1" lang="zh-CN" altLang="en-US" sz="2000" dirty="0">
+                <a:solidFill>
+                  <a:schemeClr val="bg1"/>
+                </a:solidFill>
+                <a:latin typeface="Microsoft YaHei" panose="020B0503020204020204" pitchFamily="34" charset="-122"/>
+                <a:ea typeface="Microsoft YaHei" panose="020B0503020204020204" pitchFamily="34" charset="-122"/>
+              </a:rPr>
+              <a:t>三元组方式</a:t>
+            </a:r>
+          </a:p>
+        </p:txBody>
+      </p:sp>
+      <p:sp>
+        <p:nvSpPr>
+          <p:cNvPr id="12" name="右箭头 11">
+            <a:extLst>
+              <a:ext uri="{FF2B5EF4-FFF2-40B4-BE49-F238E27FC236}">
+                <a16:creationId xmlns:a16="http://schemas.microsoft.com/office/drawing/2014/main" id="{C80A4515-096D-A14B-BCA3-C78D737B2432}"/>
+              </a:ext>
+            </a:extLst>
+          </p:cNvPr>
+          <p:cNvSpPr/>
+          <p:nvPr/>
+        </p:nvSpPr>
+        <p:spPr>
+          <a:xfrm>
+            <a:off x="5049982" y="6048770"/>
+            <a:ext cx="290945" cy="200056"/>
+          </a:xfrm>
+          <a:prstGeom prst="rightArrow">
+            <a:avLst/>
+          </a:prstGeom>
+        </p:spPr>
+        <p:style>
+          <a:lnRef idx="2">
+            <a:schemeClr val="accent1">
+              <a:shade val="50000"/>
+            </a:schemeClr>
+          </a:lnRef>
+          <a:fillRef idx="1">
+            <a:schemeClr val="accent1"/>
+          </a:fillRef>
+          <a:effectRef idx="0">
+            <a:schemeClr val="accent1"/>
+          </a:effectRef>
+          <a:fontRef idx="minor">
+            <a:schemeClr val="lt1"/>
+          </a:fontRef>
+        </p:style>
+        <p:txBody>
+          <a:bodyPr rtlCol="0" anchor="ctr"/>
+          <a:lstStyle/>
+          <a:p>
+            <a:pPr algn="ctr"/>
+            <a:endParaRPr kumimoji="1" lang="zh-CN" altLang="en-US"/>
+          </a:p>
+        </p:txBody>
+      </p:sp>
+      <p:sp>
+        <p:nvSpPr>
+          <p:cNvPr id="13" name="上箭头 12">
+            <a:extLst>
+              <a:ext uri="{FF2B5EF4-FFF2-40B4-BE49-F238E27FC236}">
+                <a16:creationId xmlns:a16="http://schemas.microsoft.com/office/drawing/2014/main" id="{9F78F1D7-A212-B84B-8BC7-B20A1CE88837}"/>
+              </a:ext>
+            </a:extLst>
+          </p:cNvPr>
+          <p:cNvSpPr/>
+          <p:nvPr/>
+        </p:nvSpPr>
+        <p:spPr>
+          <a:xfrm>
+            <a:off x="1610043" y="5436689"/>
+            <a:ext cx="177194" cy="400111"/>
+          </a:xfrm>
+          <a:prstGeom prst="upArrow">
+            <a:avLst/>
+          </a:prstGeom>
+        </p:spPr>
+        <p:style>
+          <a:lnRef idx="2">
+            <a:schemeClr val="accent1">
+              <a:shade val="50000"/>
+            </a:schemeClr>
+          </a:lnRef>
+          <a:fillRef idx="1">
+            <a:schemeClr val="accent1"/>
+          </a:fillRef>
+          <a:effectRef idx="0">
+            <a:schemeClr val="accent1"/>
+          </a:effectRef>
+          <a:fontRef idx="minor">
+            <a:schemeClr val="lt1"/>
+          </a:fontRef>
+        </p:style>
+        <p:txBody>
+          <a:bodyPr rtlCol="0" anchor="ctr"/>
+          <a:lstStyle/>
+          <a:p>
+            <a:pPr algn="ctr"/>
+            <a:endParaRPr kumimoji="1" lang="zh-CN" altLang="en-US"/>
+          </a:p>
+        </p:txBody>
+      </p:sp>
+      <p:sp>
+        <p:nvSpPr>
+          <p:cNvPr id="14" name="文本框 13">
+            <a:extLst>
+              <a:ext uri="{FF2B5EF4-FFF2-40B4-BE49-F238E27FC236}">
+                <a16:creationId xmlns:a16="http://schemas.microsoft.com/office/drawing/2014/main" id="{8B909BCD-922F-E148-9490-E76F8F6D08D7}"/>
+              </a:ext>
+            </a:extLst>
+          </p:cNvPr>
+          <p:cNvSpPr txBox="1"/>
+          <p:nvPr/>
+        </p:nvSpPr>
+        <p:spPr>
+          <a:xfrm>
+            <a:off x="5799169" y="2232860"/>
+            <a:ext cx="4030631" cy="923330"/>
+          </a:xfrm>
+          <a:prstGeom prst="rect">
+            <a:avLst/>
+          </a:prstGeom>
+          <a:solidFill>
+            <a:schemeClr val="accent2"/>
+          </a:solidFill>
+        </p:spPr>
+        <p:txBody>
+          <a:bodyPr wrap="square" rtlCol="0">
+            <a:spAutoFit/>
+          </a:bodyPr>
+          <a:lstStyle/>
+          <a:p>
+            <a:r>
+              <a:rPr kumimoji="1" lang="zh-CN" altLang="en-US" dirty="0">
+                <a:solidFill>
+                  <a:schemeClr val="bg1"/>
+                </a:solidFill>
+              </a:rPr>
+              <a:t>三元组以行序为主序存储</a:t>
+            </a:r>
+            <a:endParaRPr kumimoji="1" lang="en-US" altLang="zh-CN" dirty="0">
+              <a:solidFill>
+                <a:schemeClr val="bg1"/>
+              </a:solidFill>
+            </a:endParaRPr>
+          </a:p>
+          <a:p>
+            <a:r>
+              <a:rPr kumimoji="1" lang="zh-CN" altLang="en-US" dirty="0">
+                <a:solidFill>
+                  <a:schemeClr val="bg1"/>
+                </a:solidFill>
+              </a:rPr>
+              <a:t>时间复杂度上，若</a:t>
+            </a:r>
+            <a:r>
+              <a:rPr kumimoji="1" lang="en-US" altLang="zh-CN" dirty="0" err="1">
+                <a:solidFill>
+                  <a:schemeClr val="bg1"/>
+                </a:solidFill>
+              </a:rPr>
+              <a:t>tu</a:t>
+            </a:r>
+            <a:r>
+              <a:rPr kumimoji="1" lang="zh-CN" altLang="en-US" dirty="0">
+                <a:solidFill>
+                  <a:schemeClr val="bg1"/>
+                </a:solidFill>
+              </a:rPr>
+              <a:t>比较小，那右边的算法是有时间优势的</a:t>
+            </a:r>
+          </a:p>
+        </p:txBody>
+      </p:sp>
+    </p:spTree>
+    <p:extLst>
+      <p:ext uri="{BB962C8B-B14F-4D97-AF65-F5344CB8AC3E}">
+        <p14:creationId xmlns:p14="http://schemas.microsoft.com/office/powerpoint/2010/main" val="3804763627"/>
+      </p:ext>
+    </p:extLst>
+  </p:cSld>
+  <p:clrMapOvr>
+    <a:masterClrMapping/>
+  </p:clrMapOvr>
+</p:sld>
+</file>
+
+<file path=ppt/slides/slide14.xml><?xml version="1.0" encoding="utf-8"?>
+<p:sld xmlns:a="http://schemas.openxmlformats.org/drawingml/2006/main" xmlns:r="http://schemas.openxmlformats.org/officeDocument/2006/relationships" xmlns:p="http://schemas.openxmlformats.org/presentationml/2006/main">
+  <p:cSld>
+    <p:bg>
+      <p:bgPr>
+        <a:blipFill>
+          <a:blip r:embed="rId3"/>
+          <a:tile tx="0" ty="0" sx="100000" sy="100000" flip="none" algn="tl"/>
+        </a:blipFill>
+        <a:effectLst/>
+      </p:bgPr>
+    </p:bg>
+    <p:spTree>
+      <p:nvGrpSpPr>
+        <p:cNvPr id="1" name=""/>
+        <p:cNvGrpSpPr/>
+        <p:nvPr/>
+      </p:nvGrpSpPr>
+      <p:grpSpPr>
+        <a:xfrm>
+          <a:off x="0" y="0"/>
+          <a:ext cx="0" cy="0"/>
+          <a:chOff x="0" y="0"/>
+          <a:chExt cx="0" cy="0"/>
+        </a:xfrm>
+      </p:grpSpPr>
+      <p:sp>
+        <p:nvSpPr>
+          <p:cNvPr id="3" name="文本框 2">
+            <a:extLst>
+              <a:ext uri="{FF2B5EF4-FFF2-40B4-BE49-F238E27FC236}">
+                <a16:creationId xmlns:a16="http://schemas.microsoft.com/office/drawing/2014/main" id="{62BFC649-BF8E-2841-8EAF-47AFBF9D6671}"/>
+              </a:ext>
+            </a:extLst>
+          </p:cNvPr>
+          <p:cNvSpPr txBox="1"/>
+          <p:nvPr/>
+        </p:nvSpPr>
+        <p:spPr>
+          <a:xfrm>
+            <a:off x="2054352" y="718220"/>
+            <a:ext cx="8083296" cy="830997"/>
+          </a:xfrm>
+          <a:prstGeom prst="rect">
+            <a:avLst/>
+          </a:prstGeom>
+          <a:noFill/>
+        </p:spPr>
+        <p:txBody>
+          <a:bodyPr wrap="square" rtlCol="0">
+            <a:spAutoFit/>
+          </a:bodyPr>
+          <a:lstStyle/>
+          <a:p>
+            <a:pPr algn="ctr"/>
+            <a:r>
+              <a:rPr kumimoji="1" lang="en-US" altLang="zh-CN" sz="4800" dirty="0">
+                <a:latin typeface="Microsoft YaHei" panose="020B0503020204020204" pitchFamily="34" charset="-122"/>
+                <a:ea typeface="Microsoft YaHei" panose="020B0503020204020204" pitchFamily="34" charset="-122"/>
+              </a:rPr>
+              <a:t>4.</a:t>
+            </a:r>
+            <a:r>
+              <a:rPr kumimoji="1" lang="zh-CN" altLang="en-US" sz="4800" dirty="0">
+                <a:latin typeface="Microsoft YaHei" panose="020B0503020204020204" pitchFamily="34" charset="-122"/>
+                <a:ea typeface="Microsoft YaHei" panose="020B0503020204020204" pitchFamily="34" charset="-122"/>
+              </a:rPr>
+              <a:t>广义表</a:t>
+            </a:r>
+          </a:p>
+        </p:txBody>
+      </p:sp>
+      <p:sp>
+        <p:nvSpPr>
+          <p:cNvPr id="2" name="文本框 1">
+            <a:extLst>
+              <a:ext uri="{FF2B5EF4-FFF2-40B4-BE49-F238E27FC236}">
+                <a16:creationId xmlns:a16="http://schemas.microsoft.com/office/drawing/2014/main" id="{E9DE8AEE-0F45-714A-B649-B888A96B400F}"/>
+              </a:ext>
+            </a:extLst>
+          </p:cNvPr>
+          <p:cNvSpPr txBox="1"/>
+          <p:nvPr/>
+        </p:nvSpPr>
+        <p:spPr>
+          <a:xfrm>
+            <a:off x="1579418" y="2182091"/>
+            <a:ext cx="9601200" cy="1569660"/>
+          </a:xfrm>
+          <a:prstGeom prst="rect">
+            <a:avLst/>
+          </a:prstGeom>
+          <a:noFill/>
+        </p:spPr>
+        <p:txBody>
+          <a:bodyPr wrap="square" rtlCol="0">
+            <a:spAutoFit/>
+          </a:bodyPr>
+          <a:lstStyle/>
+          <a:p>
+            <a:r>
+              <a:rPr kumimoji="1" lang="zh-CN" altLang="en-US" sz="2400" dirty="0">
+                <a:latin typeface="Microsoft YaHei" panose="020B0503020204020204" pitchFamily="34" charset="-122"/>
+                <a:ea typeface="Microsoft YaHei" panose="020B0503020204020204" pitchFamily="34" charset="-122"/>
+              </a:rPr>
+              <a:t>广义表简单理解为：</a:t>
+            </a:r>
+            <a:endParaRPr kumimoji="1" lang="en-US" altLang="zh-CN" sz="2400" dirty="0">
+              <a:latin typeface="Microsoft YaHei" panose="020B0503020204020204" pitchFamily="34" charset="-122"/>
+              <a:ea typeface="Microsoft YaHei" panose="020B0503020204020204" pitchFamily="34" charset="-122"/>
+            </a:endParaRPr>
+          </a:p>
+          <a:p>
+            <a:r>
+              <a:rPr kumimoji="1" lang="en-US" altLang="zh-CN" sz="2400" dirty="0">
+                <a:latin typeface="Microsoft YaHei" panose="020B0503020204020204" pitchFamily="34" charset="-122"/>
+                <a:ea typeface="Microsoft YaHei" panose="020B0503020204020204" pitchFamily="34" charset="-122"/>
+              </a:rPr>
+              <a:t>1.</a:t>
+            </a:r>
+            <a:r>
+              <a:rPr kumimoji="1" lang="zh-CN" altLang="en-US" sz="2400" dirty="0">
+                <a:latin typeface="Microsoft YaHei" panose="020B0503020204020204" pitchFamily="34" charset="-122"/>
+                <a:ea typeface="Microsoft YaHei" panose="020B0503020204020204" pitchFamily="34" charset="-122"/>
+              </a:rPr>
+              <a:t> 成员包含：类型，数值 和 </a:t>
+            </a:r>
+            <a:r>
+              <a:rPr kumimoji="1" lang="en-US" altLang="zh-CN" sz="2400" dirty="0">
+                <a:latin typeface="Microsoft YaHei" panose="020B0503020204020204" pitchFamily="34" charset="-122"/>
+                <a:ea typeface="Microsoft YaHei" panose="020B0503020204020204" pitchFamily="34" charset="-122"/>
+              </a:rPr>
+              <a:t>next</a:t>
+            </a:r>
+            <a:r>
+              <a:rPr kumimoji="1" lang="zh-CN" altLang="en-US" sz="2400" dirty="0">
+                <a:latin typeface="Microsoft YaHei" panose="020B0503020204020204" pitchFamily="34" charset="-122"/>
+                <a:ea typeface="Microsoft YaHei" panose="020B0503020204020204" pitchFamily="34" charset="-122"/>
+              </a:rPr>
+              <a:t>指针</a:t>
+            </a:r>
+            <a:endParaRPr kumimoji="1" lang="en-US" altLang="zh-CN" sz="2400" dirty="0">
+              <a:latin typeface="Microsoft YaHei" panose="020B0503020204020204" pitchFamily="34" charset="-122"/>
+              <a:ea typeface="Microsoft YaHei" panose="020B0503020204020204" pitchFamily="34" charset="-122"/>
+            </a:endParaRPr>
+          </a:p>
+          <a:p>
+            <a:r>
+              <a:rPr kumimoji="1" lang="en-US" altLang="zh-CN" sz="2400" dirty="0">
+                <a:latin typeface="Microsoft YaHei" panose="020B0503020204020204" pitchFamily="34" charset="-122"/>
+                <a:ea typeface="Microsoft YaHei" panose="020B0503020204020204" pitchFamily="34" charset="-122"/>
+              </a:rPr>
+              <a:t>2.</a:t>
+            </a:r>
+            <a:r>
+              <a:rPr kumimoji="1" lang="zh-CN" altLang="en-US" sz="2400" dirty="0">
+                <a:latin typeface="Microsoft YaHei" panose="020B0503020204020204" pitchFamily="34" charset="-122"/>
+                <a:ea typeface="Microsoft YaHei" panose="020B0503020204020204" pitchFamily="34" charset="-122"/>
+              </a:rPr>
+              <a:t> 数值有</a:t>
+            </a:r>
+            <a:r>
+              <a:rPr kumimoji="1" lang="en-US" altLang="zh-CN" sz="2400" dirty="0">
+                <a:latin typeface="Microsoft YaHei" panose="020B0503020204020204" pitchFamily="34" charset="-122"/>
+                <a:ea typeface="Microsoft YaHei" panose="020B0503020204020204" pitchFamily="34" charset="-122"/>
+              </a:rPr>
+              <a:t>2</a:t>
+            </a:r>
+            <a:r>
+              <a:rPr kumimoji="1" lang="zh-CN" altLang="en-US" sz="2400" dirty="0">
+                <a:latin typeface="Microsoft YaHei" panose="020B0503020204020204" pitchFamily="34" charset="-122"/>
+                <a:ea typeface="Microsoft YaHei" panose="020B0503020204020204" pitchFamily="34" charset="-122"/>
+              </a:rPr>
+              <a:t>种类型   </a:t>
+            </a:r>
+            <a:r>
+              <a:rPr kumimoji="1" lang="en-US" altLang="zh-CN" sz="2400" dirty="0">
+                <a:latin typeface="Microsoft YaHei" panose="020B0503020204020204" pitchFamily="34" charset="-122"/>
+                <a:ea typeface="Microsoft YaHei" panose="020B0503020204020204" pitchFamily="34" charset="-122"/>
+              </a:rPr>
+              <a:t>0:</a:t>
+            </a:r>
+            <a:r>
+              <a:rPr kumimoji="1" lang="zh-CN" altLang="en-US" sz="2400" dirty="0">
+                <a:latin typeface="Microsoft YaHei" panose="020B0503020204020204" pitchFamily="34" charset="-122"/>
+                <a:ea typeface="Microsoft YaHei" panose="020B0503020204020204" pitchFamily="34" charset="-122"/>
+              </a:rPr>
+              <a:t> 存储数值的具体节点</a:t>
+            </a:r>
+            <a:r>
+              <a:rPr kumimoji="1" lang="en-US" altLang="zh-CN" sz="2400" dirty="0">
+                <a:latin typeface="Microsoft YaHei" panose="020B0503020204020204" pitchFamily="34" charset="-122"/>
+                <a:ea typeface="Microsoft YaHei" panose="020B0503020204020204" pitchFamily="34" charset="-122"/>
+              </a:rPr>
+              <a:t>;</a:t>
+            </a:r>
+            <a:r>
+              <a:rPr kumimoji="1" lang="zh-CN" altLang="en-US" sz="2400" dirty="0">
+                <a:latin typeface="Microsoft YaHei" panose="020B0503020204020204" pitchFamily="34" charset="-122"/>
+                <a:ea typeface="Microsoft YaHei" panose="020B0503020204020204" pitchFamily="34" charset="-122"/>
+              </a:rPr>
+              <a:t>  </a:t>
+            </a:r>
+            <a:r>
+              <a:rPr kumimoji="1" lang="en-US" altLang="zh-CN" sz="2400" dirty="0">
+                <a:latin typeface="Microsoft YaHei" panose="020B0503020204020204" pitchFamily="34" charset="-122"/>
+                <a:ea typeface="Microsoft YaHei" panose="020B0503020204020204" pitchFamily="34" charset="-122"/>
+              </a:rPr>
+              <a:t>1:</a:t>
+            </a:r>
+            <a:r>
+              <a:rPr kumimoji="1" lang="zh-CN" altLang="en-US" sz="2400" dirty="0">
+                <a:latin typeface="Microsoft YaHei" panose="020B0503020204020204" pitchFamily="34" charset="-122"/>
+                <a:ea typeface="Microsoft YaHei" panose="020B0503020204020204" pitchFamily="34" charset="-122"/>
+              </a:rPr>
+              <a:t>指向另一条广义表。</a:t>
+            </a:r>
+            <a:endParaRPr kumimoji="1" lang="en-US" altLang="zh-CN" sz="2400" dirty="0">
+              <a:latin typeface="Microsoft YaHei" panose="020B0503020204020204" pitchFamily="34" charset="-122"/>
+              <a:ea typeface="Microsoft YaHei" panose="020B0503020204020204" pitchFamily="34" charset="-122"/>
+            </a:endParaRPr>
+          </a:p>
+          <a:p>
+            <a:endParaRPr kumimoji="1" lang="en-US" altLang="zh-CN" sz="2400" dirty="0">
+              <a:latin typeface="Microsoft YaHei" panose="020B0503020204020204" pitchFamily="34" charset="-122"/>
+              <a:ea typeface="Microsoft YaHei" panose="020B0503020204020204" pitchFamily="34" charset="-122"/>
+            </a:endParaRPr>
+          </a:p>
+        </p:txBody>
+      </p:sp>
+      <p:pic>
+        <p:nvPicPr>
+          <p:cNvPr id="4" name="图片 3">
+            <a:extLst>
+              <a:ext uri="{FF2B5EF4-FFF2-40B4-BE49-F238E27FC236}">
+                <a16:creationId xmlns:a16="http://schemas.microsoft.com/office/drawing/2014/main" id="{A01FA0F1-5579-0440-B128-51CCAD869722}"/>
+              </a:ext>
+            </a:extLst>
+          </p:cNvPr>
+          <p:cNvPicPr>
+            <a:picLocks noChangeAspect="1"/>
+          </p:cNvPicPr>
+          <p:nvPr/>
+        </p:nvPicPr>
+        <p:blipFill>
+          <a:blip r:embed="rId4"/>
+          <a:stretch>
+            <a:fillRect/>
+          </a:stretch>
+        </p:blipFill>
+        <p:spPr>
+          <a:xfrm>
+            <a:off x="2365663" y="3536224"/>
+            <a:ext cx="7460673" cy="3321776"/>
+          </a:xfrm>
+          <a:prstGeom prst="rect">
+            <a:avLst/>
+          </a:prstGeom>
+        </p:spPr>
+      </p:pic>
+    </p:spTree>
+    <p:extLst>
+      <p:ext uri="{BB962C8B-B14F-4D97-AF65-F5344CB8AC3E}">
+        <p14:creationId xmlns:p14="http://schemas.microsoft.com/office/powerpoint/2010/main" val="2620135021"/>
+      </p:ext>
+    </p:extLst>
+  </p:cSld>
+  <p:clrMapOvr>
+    <a:masterClrMapping/>
+  </p:clrMapOvr>
+</p:sld>
+</file>
+
+<file path=ppt/slides/slide15.xml><?xml version="1.0" encoding="utf-8"?>
+<p:sld xmlns:a="http://schemas.openxmlformats.org/drawingml/2006/main" xmlns:r="http://schemas.openxmlformats.org/officeDocument/2006/relationships" xmlns:p="http://schemas.openxmlformats.org/presentationml/2006/main">
+  <p:cSld>
+    <p:bg>
+      <p:bgPr>
+        <a:blipFill>
+          <a:blip r:embed="rId3"/>
+          <a:tile tx="0" ty="0" sx="100000" sy="100000" flip="none" algn="tl"/>
+        </a:blipFill>
+        <a:effectLst/>
+      </p:bgPr>
+    </p:bg>
+    <p:spTree>
+      <p:nvGrpSpPr>
+        <p:cNvPr id="1" name=""/>
+        <p:cNvGrpSpPr/>
+        <p:nvPr/>
+      </p:nvGrpSpPr>
+      <p:grpSpPr>
+        <a:xfrm>
+          <a:off x="0" y="0"/>
+          <a:ext cx="0" cy="0"/>
+          <a:chOff x="0" y="0"/>
+          <a:chExt cx="0" cy="0"/>
+        </a:xfrm>
+      </p:grpSpPr>
+      <p:sp>
+        <p:nvSpPr>
+          <p:cNvPr id="2" name="文本框 1">
+            <a:extLst>
+              <a:ext uri="{FF2B5EF4-FFF2-40B4-BE49-F238E27FC236}">
+                <a16:creationId xmlns:a16="http://schemas.microsoft.com/office/drawing/2014/main" id="{12AA8BCC-7B15-4842-80C2-48C079429338}"/>
+              </a:ext>
+            </a:extLst>
+          </p:cNvPr>
+          <p:cNvSpPr txBox="1"/>
+          <p:nvPr/>
+        </p:nvSpPr>
+        <p:spPr>
+          <a:xfrm>
+            <a:off x="2228088" y="2921168"/>
+            <a:ext cx="7735824" cy="1015663"/>
+          </a:xfrm>
+          <a:prstGeom prst="rect">
+            <a:avLst/>
+          </a:prstGeom>
+          <a:noFill/>
+        </p:spPr>
+        <p:txBody>
+          <a:bodyPr wrap="square" rtlCol="0">
+            <a:spAutoFit/>
+          </a:bodyPr>
+          <a:lstStyle/>
+          <a:p>
+            <a:pPr algn="ctr"/>
+            <a:r>
+              <a:rPr kumimoji="1" lang="zh-CN" altLang="en-US" sz="6000" dirty="0">
+                <a:latin typeface="Microsoft YaHei" panose="020B0503020204020204" pitchFamily="34" charset="-122"/>
+                <a:ea typeface="Microsoft YaHei" panose="020B0503020204020204" pitchFamily="34" charset="-122"/>
+              </a:rPr>
+              <a:t>这堂课我们学了啥？</a:t>
+            </a:r>
+          </a:p>
+        </p:txBody>
+      </p:sp>
+    </p:spTree>
+    <p:extLst>
+      <p:ext uri="{BB962C8B-B14F-4D97-AF65-F5344CB8AC3E}">
+        <p14:creationId xmlns:p14="http://schemas.microsoft.com/office/powerpoint/2010/main" val="885256044"/>
+      </p:ext>
+    </p:extLst>
+  </p:cSld>
+  <p:clrMapOvr>
+    <a:masterClrMapping/>
+  </p:clrMapOvr>
+</p:sld>
+</file>
+
+<file path=ppt/slides/slide16.xml><?xml version="1.0" encoding="utf-8"?>
+<p:sld xmlns:a="http://schemas.openxmlformats.org/drawingml/2006/main" xmlns:r="http://schemas.openxmlformats.org/officeDocument/2006/relationships" xmlns:p="http://schemas.openxmlformats.org/presentationml/2006/main">
+  <p:cSld>
+    <p:bg>
+      <p:bgPr>
         <a:blipFill dpi="0" rotWithShape="1">
           <a:blip r:embed="rId3">
             <a:lum/>
           </a:blip>
           <a:srcRect/>
           <a:stretch>
-            <a:fillRect/>
+            <a:fillRect l="-2000" r="-2000"/>
           </a:stretch>
         </a:blipFill>
         <a:effectLst/>
@@ -4147,7 +5799,7 @@
     </p:spTree>
     <p:extLst>
       <p:ext uri="{BB962C8B-B14F-4D97-AF65-F5344CB8AC3E}">
-        <p14:creationId xmlns:p14="http://schemas.microsoft.com/office/powerpoint/2010/main" val="721635264"/>
+        <p14:creationId xmlns:p14="http://schemas.microsoft.com/office/powerpoint/2010/main" val="4062917305"/>
       </p:ext>
     </p:extLst>
   </p:cSld>
@@ -4237,7 +5889,7 @@
         <p:spPr>
           <a:xfrm>
             <a:off x="2118840" y="1550997"/>
-            <a:ext cx="8538144" cy="5695058"/>
+            <a:ext cx="8538144" cy="4402396"/>
           </a:xfrm>
           <a:prstGeom prst="rect">
             <a:avLst/>
@@ -4262,27 +5914,7 @@
                 <a:latin typeface="Microsoft YaHei" panose="020B0503020204020204" pitchFamily="34" charset="-122"/>
                 <a:ea typeface="Microsoft YaHei" panose="020B0503020204020204" pitchFamily="34" charset="-122"/>
               </a:rPr>
-              <a:t>什么是串</a:t>
-            </a:r>
-            <a:endParaRPr kumimoji="1" lang="en-US" altLang="zh-CN" sz="2800" dirty="0">
-              <a:latin typeface="Microsoft YaHei" panose="020B0503020204020204" pitchFamily="34" charset="-122"/>
-              <a:ea typeface="Microsoft YaHei" panose="020B0503020204020204" pitchFamily="34" charset="-122"/>
-            </a:endParaRPr>
-          </a:p>
-          <a:p>
-            <a:pPr marL="571500" indent="-571500">
-              <a:lnSpc>
-                <a:spcPct val="150000"/>
-              </a:lnSpc>
-              <a:buFont typeface="Wingdings" pitchFamily="2" charset="2"/>
-              <a:buChar char="Ø"/>
-            </a:pPr>
-            <a:r>
-              <a:rPr kumimoji="1" lang="zh-CN" altLang="en-US" sz="2800" dirty="0">
-                <a:latin typeface="Microsoft YaHei" panose="020B0503020204020204" pitchFamily="34" charset="-122"/>
-                <a:ea typeface="Microsoft YaHei" panose="020B0503020204020204" pitchFamily="34" charset="-122"/>
-              </a:rPr>
-              <a:t>串的抽象数据类型</a:t>
+              <a:t>数组及顺序存储</a:t>
             </a:r>
             <a:endParaRPr kumimoji="1" lang="en-US" altLang="zh-CN" sz="2800" dirty="0">
               <a:latin typeface="Microsoft YaHei" panose="020B0503020204020204" pitchFamily="34" charset="-122"/>
@@ -4305,21 +5937,7 @@
                 <a:latin typeface="Microsoft YaHei" panose="020B0503020204020204" pitchFamily="34" charset="-122"/>
                 <a:ea typeface="Microsoft YaHei" panose="020B0503020204020204" pitchFamily="34" charset="-122"/>
               </a:rPr>
-              <a:t>串的存储结构</a:t>
-            </a:r>
-            <a:r>
-              <a:rPr kumimoji="1" lang="en-US" altLang="zh-CN" sz="2800" dirty="0">
-                <a:latin typeface="Microsoft YaHei" panose="020B0503020204020204" pitchFamily="34" charset="-122"/>
-                <a:ea typeface="Microsoft YaHei" panose="020B0503020204020204" pitchFamily="34" charset="-122"/>
-              </a:rPr>
-              <a:t>---</a:t>
-            </a:r>
-            <a:r>
-              <a:rPr kumimoji="1" lang="zh-CN" altLang="en-US" sz="2800" dirty="0">
-                <a:latin typeface="Microsoft YaHei" panose="020B0503020204020204" pitchFamily="34" charset="-122"/>
-                <a:ea typeface="Microsoft YaHei" panose="020B0503020204020204" pitchFamily="34" charset="-122"/>
-              </a:rPr>
-              <a:t>顺序存储和链式存储</a:t>
+              <a:t>数组的压缩存储</a:t>
             </a:r>
           </a:p>
           <a:p>
@@ -4335,34 +5953,7 @@
                 <a:latin typeface="Microsoft YaHei" panose="020B0503020204020204" pitchFamily="34" charset="-122"/>
                 <a:ea typeface="Microsoft YaHei" panose="020B0503020204020204" pitchFamily="34" charset="-122"/>
               </a:rPr>
-              <a:t>朴素的匹配算法</a:t>
-            </a:r>
-            <a:endParaRPr kumimoji="1" lang="en-US" altLang="zh-CN" sz="2800" dirty="0">
-              <a:latin typeface="Microsoft YaHei" panose="020B0503020204020204" pitchFamily="34" charset="-122"/>
-              <a:ea typeface="Microsoft YaHei" panose="020B0503020204020204" pitchFamily="34" charset="-122"/>
-            </a:endParaRPr>
-          </a:p>
-          <a:p>
-            <a:pPr marL="571500" indent="-571500">
-              <a:lnSpc>
-                <a:spcPct val="150000"/>
-              </a:lnSpc>
-              <a:buFont typeface="Wingdings" pitchFamily="2" charset="2"/>
-              <a:buChar char="Ø"/>
-            </a:pPr>
-            <a:r>
-              <a:rPr kumimoji="1" lang="en-US" altLang="zh-CN" sz="2800" dirty="0">
-                <a:latin typeface="Microsoft YaHei" panose="020B0503020204020204" pitchFamily="34" charset="-122"/>
-                <a:ea typeface="Microsoft YaHei" panose="020B0503020204020204" pitchFamily="34" charset="-122"/>
-              </a:rPr>
-              <a:t>KMP</a:t>
-            </a:r>
-            <a:r>
-              <a:rPr kumimoji="1" lang="zh-CN" altLang="en-US" sz="2800" dirty="0">
-                <a:latin typeface="Microsoft YaHei" panose="020B0503020204020204" pitchFamily="34" charset="-122"/>
-                <a:ea typeface="Microsoft YaHei" panose="020B0503020204020204" pitchFamily="34" charset="-122"/>
-              </a:rPr>
-              <a:t>模式匹配算法</a:t>
+              <a:t>广义表</a:t>
             </a:r>
             <a:endParaRPr kumimoji="1" lang="en-US" altLang="zh-CN" sz="2800" dirty="0">
               <a:latin typeface="Microsoft YaHei" panose="020B0503020204020204" pitchFamily="34" charset="-122"/>
@@ -4470,45 +6061,7 @@
                 <a:latin typeface="Microsoft YaHei" panose="020B0503020204020204" pitchFamily="34" charset="-122"/>
                 <a:ea typeface="Microsoft YaHei" panose="020B0503020204020204" pitchFamily="34" charset="-122"/>
               </a:rPr>
-              <a:t>什么是串</a:t>
-            </a:r>
-          </a:p>
-        </p:txBody>
-      </p:sp>
-      <p:sp>
-        <p:nvSpPr>
-          <p:cNvPr id="8" name="文本框 7">
-            <a:extLst>
-              <a:ext uri="{FF2B5EF4-FFF2-40B4-BE49-F238E27FC236}">
-                <a16:creationId xmlns:a16="http://schemas.microsoft.com/office/drawing/2014/main" id="{75D7D6ED-43A8-DC4B-84B6-AB03F6270117}"/>
-              </a:ext>
-            </a:extLst>
-          </p:cNvPr>
-          <p:cNvSpPr txBox="1"/>
-          <p:nvPr/>
-        </p:nvSpPr>
-        <p:spPr>
-          <a:xfrm>
-            <a:off x="1610042" y="2601758"/>
-            <a:ext cx="6609588" cy="523220"/>
-          </a:xfrm>
-          <a:prstGeom prst="rect">
-            <a:avLst/>
-          </a:prstGeom>
-          <a:noFill/>
-        </p:spPr>
-        <p:txBody>
-          <a:bodyPr wrap="square" rtlCol="0">
-            <a:spAutoFit/>
-          </a:bodyPr>
-          <a:lstStyle/>
-          <a:p>
-            <a:r>
-              <a:rPr kumimoji="1" lang="zh-CN" altLang="en-US" sz="2800" dirty="0">
-                <a:latin typeface="微软雅黑" panose="020B0503020204020204" pitchFamily="34" charset="-122"/>
-                <a:ea typeface="Microsoft YaHei" panose="020B0503020204020204" pitchFamily="34" charset="-122"/>
-              </a:rPr>
-              <a:t>零个或者多个元素的有限序列</a:t>
+              <a:t>数组</a:t>
             </a:r>
           </a:p>
         </p:txBody>
@@ -4558,10 +6111,10 @@
       </p:sp>
       <p:sp>
         <p:nvSpPr>
-          <p:cNvPr id="7" name="文本框 6">
-            <a:extLst>
-              <a:ext uri="{FF2B5EF4-FFF2-40B4-BE49-F238E27FC236}">
-                <a16:creationId xmlns:a16="http://schemas.microsoft.com/office/drawing/2014/main" id="{E3DBEB63-A536-3344-AA3A-239CDFC4361D}"/>
+          <p:cNvPr id="2" name="文本框 1">
+            <a:extLst>
+              <a:ext uri="{FF2B5EF4-FFF2-40B4-BE49-F238E27FC236}">
+                <a16:creationId xmlns:a16="http://schemas.microsoft.com/office/drawing/2014/main" id="{153F8E16-9A47-E448-A048-431C15C4AE6F}"/>
               </a:ext>
             </a:extLst>
           </p:cNvPr>
@@ -4570,51 +6123,8 @@
         </p:nvSpPr>
         <p:spPr>
           <a:xfrm>
-            <a:off x="540000" y="3960000"/>
-            <a:ext cx="1070042" cy="542675"/>
-          </a:xfrm>
-          <a:prstGeom prst="rect">
-            <a:avLst/>
-          </a:prstGeom>
-          <a:solidFill>
-            <a:schemeClr val="accent2"/>
-          </a:solidFill>
-        </p:spPr>
-        <p:txBody>
-          <a:bodyPr wrap="square" rtlCol="0">
-            <a:spAutoFit/>
-          </a:bodyPr>
-          <a:lstStyle/>
-          <a:p>
-            <a:r>
-              <a:rPr kumimoji="1" lang="zh-CN" altLang="en-US" sz="2800" dirty="0">
-                <a:solidFill>
-                  <a:schemeClr val="bg1"/>
-                </a:solidFill>
-                <a:latin typeface="Microsoft YaHei" panose="020B0503020204020204" pitchFamily="34" charset="-122"/>
-                <a:ea typeface="Microsoft YaHei" panose="020B0503020204020204" pitchFamily="34" charset="-122"/>
-              </a:rPr>
-              <a:t>例子</a:t>
-            </a:r>
-          </a:p>
-        </p:txBody>
-      </p:sp>
-      <p:sp>
-        <p:nvSpPr>
-          <p:cNvPr id="9" name="文本框 8">
-            <a:extLst>
-              <a:ext uri="{FF2B5EF4-FFF2-40B4-BE49-F238E27FC236}">
-                <a16:creationId xmlns:a16="http://schemas.microsoft.com/office/drawing/2014/main" id="{EA0C047A-A5B2-374F-BD04-7B639430470F}"/>
-              </a:ext>
-            </a:extLst>
-          </p:cNvPr>
-          <p:cNvSpPr txBox="1"/>
-          <p:nvPr/>
-        </p:nvSpPr>
-        <p:spPr>
-          <a:xfrm>
-            <a:off x="1610042" y="5337697"/>
-            <a:ext cx="6609588" cy="523220"/>
+            <a:off x="1610042" y="2576945"/>
+            <a:ext cx="9009467" cy="2677656"/>
           </a:xfrm>
           <a:prstGeom prst="rect">
             <a:avLst/>
@@ -4627,13 +6137,72 @@
           </a:bodyPr>
           <a:lstStyle/>
           <a:p>
+            <a:pPr marL="457200" indent="-457200">
+              <a:buFont typeface="Arial" panose="020B0604020202020204" pitchFamily="34" charset="0"/>
+              <a:buChar char="•"/>
+            </a:pPr>
             <a:r>
               <a:rPr kumimoji="1" lang="zh-CN" altLang="en-US" sz="2800" dirty="0">
-                <a:latin typeface="微软雅黑" panose="020B0503020204020204" pitchFamily="34" charset="-122"/>
-                <a:ea typeface="Microsoft YaHei" panose="020B0503020204020204" pitchFamily="34" charset="-122"/>
-              </a:rPr>
-              <a:t>排队</a:t>
-            </a:r>
+                <a:latin typeface="Microsoft YaHei" panose="020B0503020204020204" pitchFamily="34" charset="-122"/>
+                <a:ea typeface="Microsoft YaHei" panose="020B0503020204020204" pitchFamily="34" charset="-122"/>
+              </a:rPr>
+              <a:t>数据结构中的数组的定义和</a:t>
+            </a:r>
+            <a:r>
+              <a:rPr kumimoji="1" lang="en-US" altLang="zh-CN" sz="2800" dirty="0">
+                <a:latin typeface="Microsoft YaHei" panose="020B0503020204020204" pitchFamily="34" charset="-122"/>
+                <a:ea typeface="Microsoft YaHei" panose="020B0503020204020204" pitchFamily="34" charset="-122"/>
+              </a:rPr>
+              <a:t>Java</a:t>
+            </a:r>
+            <a:r>
+              <a:rPr kumimoji="1" lang="zh-CN" altLang="en-US" sz="2800" dirty="0">
+                <a:latin typeface="Microsoft YaHei" panose="020B0503020204020204" pitchFamily="34" charset="-122"/>
+                <a:ea typeface="Microsoft YaHei" panose="020B0503020204020204" pitchFamily="34" charset="-122"/>
+              </a:rPr>
+              <a:t>中的定义一样，在这里不再展开，可以参照书中的精确定义。平时常用的一维，二维数组，学会用这</a:t>
+            </a:r>
+            <a:r>
+              <a:rPr kumimoji="1" lang="en-US" altLang="zh-CN" sz="2800" dirty="0">
+                <a:latin typeface="Microsoft YaHei" panose="020B0503020204020204" pitchFamily="34" charset="-122"/>
+                <a:ea typeface="Microsoft YaHei" panose="020B0503020204020204" pitchFamily="34" charset="-122"/>
+              </a:rPr>
+              <a:t>2</a:t>
+            </a:r>
+            <a:r>
+              <a:rPr kumimoji="1" lang="zh-CN" altLang="en-US" sz="2800" dirty="0">
+                <a:latin typeface="Microsoft YaHei" panose="020B0503020204020204" pitchFamily="34" charset="-122"/>
+                <a:ea typeface="Microsoft YaHei" panose="020B0503020204020204" pitchFamily="34" charset="-122"/>
+              </a:rPr>
+              <a:t>类数组暂且足够了。</a:t>
+            </a:r>
+            <a:endParaRPr kumimoji="1" lang="en-US" altLang="zh-CN" sz="2800" dirty="0">
+              <a:latin typeface="Microsoft YaHei" panose="020B0503020204020204" pitchFamily="34" charset="-122"/>
+              <a:ea typeface="Microsoft YaHei" panose="020B0503020204020204" pitchFamily="34" charset="-122"/>
+            </a:endParaRPr>
+          </a:p>
+          <a:p>
+            <a:endParaRPr kumimoji="1" lang="en-US" altLang="zh-CN" sz="2800" dirty="0">
+              <a:latin typeface="Microsoft YaHei" panose="020B0503020204020204" pitchFamily="34" charset="-122"/>
+              <a:ea typeface="Microsoft YaHei" panose="020B0503020204020204" pitchFamily="34" charset="-122"/>
+            </a:endParaRPr>
+          </a:p>
+          <a:p>
+            <a:pPr marL="457200" indent="-457200">
+              <a:buFont typeface="Arial" panose="020B0604020202020204" pitchFamily="34" charset="0"/>
+              <a:buChar char="•"/>
+            </a:pPr>
+            <a:r>
+              <a:rPr kumimoji="1" lang="zh-CN" altLang="en-US" sz="2800" dirty="0">
+                <a:latin typeface="Microsoft YaHei" panose="020B0503020204020204" pitchFamily="34" charset="-122"/>
+                <a:ea typeface="Microsoft YaHei" panose="020B0503020204020204" pitchFamily="34" charset="-122"/>
+              </a:rPr>
+              <a:t>矩阵是用是数学工程上的概念，在编程的时候是用二维数组来表示的，可以认为就是二维数组。</a:t>
+            </a:r>
+            <a:endParaRPr kumimoji="1" lang="en-US" altLang="zh-CN" sz="2800" dirty="0">
+              <a:latin typeface="Microsoft YaHei" panose="020B0503020204020204" pitchFamily="34" charset="-122"/>
+              <a:ea typeface="Microsoft YaHei" panose="020B0503020204020204" pitchFamily="34" charset="-122"/>
+            </a:endParaRPr>
           </a:p>
         </p:txBody>
       </p:sp>
@@ -4676,58 +6245,42 @@
           <a:chExt cx="0" cy="0"/>
         </a:xfrm>
       </p:grpSpPr>
-      <p:sp>
-        <p:nvSpPr>
-          <p:cNvPr id="3" name="文本框 2">
-            <a:extLst>
-              <a:ext uri="{FF2B5EF4-FFF2-40B4-BE49-F238E27FC236}">
-                <a16:creationId xmlns:a16="http://schemas.microsoft.com/office/drawing/2014/main" id="{62BFC649-BF8E-2841-8EAF-47AFBF9D6671}"/>
-              </a:ext>
-            </a:extLst>
-          </p:cNvPr>
-          <p:cNvSpPr txBox="1"/>
+      <p:pic>
+        <p:nvPicPr>
+          <p:cNvPr id="4" name="图片 3">
+            <a:extLst>
+              <a:ext uri="{FF2B5EF4-FFF2-40B4-BE49-F238E27FC236}">
+                <a16:creationId xmlns:a16="http://schemas.microsoft.com/office/drawing/2014/main" id="{145F4F07-F32E-1E47-BA7C-1570A86A6F25}"/>
+              </a:ext>
+            </a:extLst>
+          </p:cNvPr>
+          <p:cNvPicPr>
+            <a:picLocks noChangeAspect="1"/>
+          </p:cNvPicPr>
           <p:nvPr/>
-        </p:nvSpPr>
+        </p:nvPicPr>
+        <p:blipFill>
+          <a:blip r:embed="rId3"/>
+          <a:stretch>
+            <a:fillRect/>
+          </a:stretch>
+        </p:blipFill>
         <p:spPr>
           <a:xfrm>
-            <a:off x="2054352" y="630545"/>
-            <a:ext cx="8083296" cy="830997"/>
+            <a:off x="1216890" y="689531"/>
+            <a:ext cx="7264400" cy="5854700"/>
           </a:xfrm>
           <a:prstGeom prst="rect">
             <a:avLst/>
           </a:prstGeom>
-          <a:noFill/>
         </p:spPr>
-        <p:txBody>
-          <a:bodyPr wrap="square" rtlCol="0">
-            <a:spAutoFit/>
-          </a:bodyPr>
-          <a:lstStyle/>
-          <a:p>
-            <a:pPr algn="ctr"/>
-            <a:r>
-              <a:rPr kumimoji="1" lang="en-US" altLang="zh-CN" sz="4800" dirty="0">
-                <a:latin typeface="Microsoft YaHei" panose="020B0503020204020204" pitchFamily="34" charset="-122"/>
-                <a:ea typeface="Microsoft YaHei" panose="020B0503020204020204" pitchFamily="34" charset="-122"/>
-              </a:rPr>
-              <a:t>2.</a:t>
-            </a:r>
-            <a:r>
-              <a:rPr kumimoji="1" lang="zh-CN" altLang="en-US" sz="4800" dirty="0">
-                <a:latin typeface="Microsoft YaHei" panose="020B0503020204020204" pitchFamily="34" charset="-122"/>
-                <a:ea typeface="Microsoft YaHei" panose="020B0503020204020204" pitchFamily="34" charset="-122"/>
-              </a:rPr>
-              <a:t>串的抽象数据类型</a:t>
-            </a:r>
-          </a:p>
-        </p:txBody>
-      </p:sp>
-      <p:sp>
-        <p:nvSpPr>
-          <p:cNvPr id="8" name="文本框 7">
-            <a:extLst>
-              <a:ext uri="{FF2B5EF4-FFF2-40B4-BE49-F238E27FC236}">
-                <a16:creationId xmlns:a16="http://schemas.microsoft.com/office/drawing/2014/main" id="{75D7D6ED-43A8-DC4B-84B6-AB03F6270117}"/>
+      </p:pic>
+      <p:sp>
+        <p:nvSpPr>
+          <p:cNvPr id="5" name="文本框 4">
+            <a:extLst>
+              <a:ext uri="{FF2B5EF4-FFF2-40B4-BE49-F238E27FC236}">
+                <a16:creationId xmlns:a16="http://schemas.microsoft.com/office/drawing/2014/main" id="{6A879D28-0DCD-A64A-827E-7AA6C49EDF2E}"/>
               </a:ext>
             </a:extLst>
           </p:cNvPr>
@@ -4736,50 +6289,8 @@
         </p:nvSpPr>
         <p:spPr>
           <a:xfrm>
-            <a:off x="1610042" y="2575710"/>
-            <a:ext cx="6609588" cy="954107"/>
-          </a:xfrm>
-          <a:prstGeom prst="rect">
-            <a:avLst/>
-          </a:prstGeom>
-          <a:noFill/>
-        </p:spPr>
-        <p:txBody>
-          <a:bodyPr wrap="square" rtlCol="0">
-            <a:spAutoFit/>
-          </a:bodyPr>
-          <a:lstStyle/>
-          <a:p>
-            <a:r>
-              <a:rPr kumimoji="1" lang="zh-CN" altLang="en-US" sz="2800" dirty="0">
-                <a:latin typeface="Microsoft YaHei" panose="020B0503020204020204" pitchFamily="34" charset="-122"/>
-                <a:ea typeface="Microsoft YaHei" panose="020B0503020204020204" pitchFamily="34" charset="-122"/>
-              </a:rPr>
-              <a:t>用一段地址连续的存储单元依次存储线性表的数据元素</a:t>
-            </a:r>
-            <a:endParaRPr kumimoji="1" lang="zh-CN" altLang="en-US" sz="2800" dirty="0">
-              <a:latin typeface="微软雅黑" panose="020B0503020204020204" pitchFamily="34" charset="-122"/>
-              <a:ea typeface="Microsoft YaHei" panose="020B0503020204020204" pitchFamily="34" charset="-122"/>
-            </a:endParaRPr>
-          </a:p>
-        </p:txBody>
-      </p:sp>
-      <p:sp>
-        <p:nvSpPr>
-          <p:cNvPr id="9" name="文本框 8">
-            <a:extLst>
-              <a:ext uri="{FF2B5EF4-FFF2-40B4-BE49-F238E27FC236}">
-                <a16:creationId xmlns:a16="http://schemas.microsoft.com/office/drawing/2014/main" id="{ED9B93DC-5880-9D4B-AD03-2A9ADCF8E4D4}"/>
-              </a:ext>
-            </a:extLst>
-          </p:cNvPr>
-          <p:cNvSpPr txBox="1"/>
-          <p:nvPr/>
-        </p:nvSpPr>
-        <p:spPr>
-          <a:xfrm>
-            <a:off x="540000" y="1800000"/>
-            <a:ext cx="1070042" cy="542675"/>
+            <a:off x="9081654" y="3034145"/>
+            <a:ext cx="2618509" cy="461665"/>
           </a:xfrm>
           <a:prstGeom prst="rect">
             <a:avLst/>
@@ -4795,113 +6306,19 @@
           <a:lstStyle/>
           <a:p>
             <a:r>
-              <a:rPr kumimoji="1" lang="zh-CN" altLang="en-US" sz="2800" dirty="0">
+              <a:rPr kumimoji="1" lang="zh-CN" altLang="en-US" sz="2400" dirty="0">
                 <a:solidFill>
                   <a:schemeClr val="bg1"/>
                 </a:solidFill>
                 <a:latin typeface="Microsoft YaHei" panose="020B0503020204020204" pitchFamily="34" charset="-122"/>
                 <a:ea typeface="Microsoft YaHei" panose="020B0503020204020204" pitchFamily="34" charset="-122"/>
               </a:rPr>
-              <a:t>定义</a:t>
-            </a:r>
-          </a:p>
-        </p:txBody>
-      </p:sp>
-      <p:sp>
-        <p:nvSpPr>
-          <p:cNvPr id="10" name="文本框 9">
-            <a:extLst>
-              <a:ext uri="{FF2B5EF4-FFF2-40B4-BE49-F238E27FC236}">
-                <a16:creationId xmlns:a16="http://schemas.microsoft.com/office/drawing/2014/main" id="{5732DAF2-E38B-774A-9902-B765D16F0ED3}"/>
-              </a:ext>
-            </a:extLst>
-          </p:cNvPr>
-          <p:cNvSpPr txBox="1"/>
-          <p:nvPr/>
-        </p:nvSpPr>
-        <p:spPr>
-          <a:xfrm>
-            <a:off x="540000" y="3960000"/>
-            <a:ext cx="1070042" cy="542675"/>
-          </a:xfrm>
-          <a:prstGeom prst="rect">
-            <a:avLst/>
-          </a:prstGeom>
-          <a:solidFill>
-            <a:schemeClr val="accent2"/>
-          </a:solidFill>
-        </p:spPr>
-        <p:txBody>
-          <a:bodyPr wrap="square" rtlCol="0">
-            <a:spAutoFit/>
-          </a:bodyPr>
-          <a:lstStyle/>
-          <a:p>
-            <a:r>
-              <a:rPr kumimoji="1" lang="zh-CN" altLang="en-US" sz="2800" dirty="0">
-                <a:solidFill>
-                  <a:schemeClr val="bg1"/>
-                </a:solidFill>
-                <a:latin typeface="Microsoft YaHei" panose="020B0503020204020204" pitchFamily="34" charset="-122"/>
-                <a:ea typeface="Microsoft YaHei" panose="020B0503020204020204" pitchFamily="34" charset="-122"/>
-              </a:rPr>
-              <a:t>例子</a:t>
-            </a:r>
-          </a:p>
-        </p:txBody>
-      </p:sp>
-      <p:sp>
-        <p:nvSpPr>
-          <p:cNvPr id="11" name="文本框 10">
-            <a:extLst>
-              <a:ext uri="{FF2B5EF4-FFF2-40B4-BE49-F238E27FC236}">
-                <a16:creationId xmlns:a16="http://schemas.microsoft.com/office/drawing/2014/main" id="{EEAB9724-EED2-8C47-965D-0BB8BCC390D8}"/>
-              </a:ext>
-            </a:extLst>
-          </p:cNvPr>
-          <p:cNvSpPr txBox="1"/>
-          <p:nvPr/>
-        </p:nvSpPr>
-        <p:spPr>
-          <a:xfrm>
-            <a:off x="1610042" y="4932858"/>
-            <a:ext cx="6609588" cy="523220"/>
-          </a:xfrm>
-          <a:prstGeom prst="rect">
-            <a:avLst/>
-          </a:prstGeom>
-          <a:noFill/>
-        </p:spPr>
-        <p:txBody>
-          <a:bodyPr wrap="square" rtlCol="0">
-            <a:spAutoFit/>
-          </a:bodyPr>
-          <a:lstStyle/>
-          <a:p>
-            <a:r>
-              <a:rPr kumimoji="1" lang="zh-CN" altLang="en-US" sz="2800" dirty="0">
-                <a:latin typeface="Microsoft YaHei" panose="020B0503020204020204" pitchFamily="34" charset="-122"/>
-                <a:ea typeface="Microsoft YaHei" panose="020B0503020204020204" pitchFamily="34" charset="-122"/>
-              </a:rPr>
-              <a:t>宿舍</a:t>
-            </a:r>
-            <a:r>
-              <a:rPr kumimoji="1" lang="en-US" altLang="zh-CN" sz="2800" dirty="0">
-                <a:latin typeface="Microsoft YaHei" panose="020B0503020204020204" pitchFamily="34" charset="-122"/>
-                <a:ea typeface="Microsoft YaHei" panose="020B0503020204020204" pitchFamily="34" charset="-122"/>
-              </a:rPr>
-              <a:t>/</a:t>
-            </a:r>
-            <a:r>
-              <a:rPr kumimoji="1" lang="zh-CN" altLang="en-US" sz="2800" dirty="0">
-                <a:latin typeface="Microsoft YaHei" panose="020B0503020204020204" pitchFamily="34" charset="-122"/>
-                <a:ea typeface="Microsoft YaHei" panose="020B0503020204020204" pitchFamily="34" charset="-122"/>
-              </a:rPr>
-              <a:t>教室 分布</a:t>
-            </a:r>
-            <a:endParaRPr kumimoji="1" lang="zh-CN" altLang="en-US" sz="2800" dirty="0">
-              <a:latin typeface="微软雅黑" panose="020B0503020204020204" pitchFamily="34" charset="-122"/>
-              <a:ea typeface="Microsoft YaHei" panose="020B0503020204020204" pitchFamily="34" charset="-122"/>
+              <a:t>数组的抽象结构</a:t>
+            </a:r>
+            <a:endParaRPr kumimoji="1" lang="zh-CN" altLang="en-US" sz="2400" dirty="0">
+              <a:solidFill>
+                <a:schemeClr val="bg1"/>
+              </a:solidFill>
             </a:endParaRPr>
           </a:p>
         </p:txBody>
@@ -4909,7 +6326,7 @@
     </p:spTree>
     <p:extLst>
       <p:ext uri="{BB962C8B-B14F-4D97-AF65-F5344CB8AC3E}">
-        <p14:creationId xmlns:p14="http://schemas.microsoft.com/office/powerpoint/2010/main" val="1022283620"/>
+        <p14:creationId xmlns:p14="http://schemas.microsoft.com/office/powerpoint/2010/main" val="2224576715"/>
       </p:ext>
     </p:extLst>
   </p:cSld>
@@ -4979,14 +6396,28 @@
                 <a:latin typeface="Microsoft YaHei" panose="020B0503020204020204" pitchFamily="34" charset="-122"/>
                 <a:ea typeface="Microsoft YaHei" panose="020B0503020204020204" pitchFamily="34" charset="-122"/>
               </a:rPr>
-              <a:t>3.</a:t>
+              <a:t>1.</a:t>
             </a:r>
             <a:r>
               <a:rPr kumimoji="1" lang="zh-CN" altLang="en-US" sz="4800" dirty="0">
                 <a:latin typeface="Microsoft YaHei" panose="020B0503020204020204" pitchFamily="34" charset="-122"/>
                 <a:ea typeface="Microsoft YaHei" panose="020B0503020204020204" pitchFamily="34" charset="-122"/>
               </a:rPr>
-              <a:t>队列的顺序存储和链式存储。</a:t>
+              <a:t>数组 </a:t>
+            </a:r>
+            <a:r>
+              <a:rPr kumimoji="1" lang="en-US" altLang="zh-CN" sz="4800" dirty="0">
+                <a:latin typeface="Microsoft YaHei" panose="020B0503020204020204" pitchFamily="34" charset="-122"/>
+                <a:ea typeface="Microsoft YaHei" panose="020B0503020204020204" pitchFamily="34" charset="-122"/>
+              </a:rPr>
+              <a:t>---</a:t>
+            </a:r>
+            <a:r>
+              <a:rPr kumimoji="1" lang="zh-CN" altLang="en-US" sz="4800" dirty="0">
+                <a:latin typeface="Microsoft YaHei" panose="020B0503020204020204" pitchFamily="34" charset="-122"/>
+                <a:ea typeface="Microsoft YaHei" panose="020B0503020204020204" pitchFamily="34" charset="-122"/>
+              </a:rPr>
+              <a:t> 顺序存储</a:t>
             </a:r>
           </a:p>
         </p:txBody>
@@ -5005,8 +6436,8 @@
         </p:nvSpPr>
         <p:spPr>
           <a:xfrm>
-            <a:off x="1610041" y="2576591"/>
-            <a:ext cx="9873121" cy="954107"/>
+            <a:off x="1736739" y="2680854"/>
+            <a:ext cx="8718522" cy="2246769"/>
           </a:xfrm>
           <a:prstGeom prst="rect">
             <a:avLst/>
@@ -5021,96 +6452,85 @@
           <a:p>
             <a:r>
               <a:rPr kumimoji="1" lang="zh-CN" altLang="en-US" sz="2800" dirty="0">
+                <a:latin typeface="Microsoft YaHei" panose="020B0503020204020204" pitchFamily="34" charset="-122"/>
+                <a:ea typeface="Microsoft YaHei" panose="020B0503020204020204" pitchFamily="34" charset="-122"/>
+              </a:rPr>
+              <a:t>顺序存储的数组关键的几个数值</a:t>
+            </a:r>
+            <a:endParaRPr kumimoji="1" lang="en-US" altLang="zh-CN" sz="2800" dirty="0">
+              <a:latin typeface="Microsoft YaHei" panose="020B0503020204020204" pitchFamily="34" charset="-122"/>
+              <a:ea typeface="Microsoft YaHei" panose="020B0503020204020204" pitchFamily="34" charset="-122"/>
+            </a:endParaRPr>
+          </a:p>
+          <a:p>
+            <a:pPr marL="514350" indent="-514350">
+              <a:buFont typeface="+mj-lt"/>
+              <a:buAutoNum type="arabicPeriod"/>
+            </a:pPr>
+            <a:r>
+              <a:rPr kumimoji="1" lang="zh-CN" altLang="en-US" sz="2800" dirty="0">
+                <a:latin typeface="Microsoft YaHei" panose="020B0503020204020204" pitchFamily="34" charset="-122"/>
+                <a:ea typeface="Microsoft YaHei" panose="020B0503020204020204" pitchFamily="34" charset="-122"/>
+              </a:rPr>
+              <a:t>起始地址</a:t>
+            </a:r>
+            <a:endParaRPr kumimoji="1" lang="en-US" altLang="zh-CN" sz="2800" dirty="0">
+              <a:latin typeface="Microsoft YaHei" panose="020B0503020204020204" pitchFamily="34" charset="-122"/>
+              <a:ea typeface="Microsoft YaHei" panose="020B0503020204020204" pitchFamily="34" charset="-122"/>
+            </a:endParaRPr>
+          </a:p>
+          <a:p>
+            <a:pPr marL="514350" indent="-514350">
+              <a:buFont typeface="+mj-lt"/>
+              <a:buAutoNum type="arabicPeriod"/>
+            </a:pPr>
+            <a:r>
+              <a:rPr kumimoji="1" lang="zh-CN" altLang="en-US" sz="2800" dirty="0">
                 <a:latin typeface="微软雅黑" panose="020B0503020204020204" pitchFamily="34" charset="-122"/>
                 <a:ea typeface="Microsoft YaHei" panose="020B0503020204020204" pitchFamily="34" charset="-122"/>
               </a:rPr>
-              <a:t>每个数据单元不止有数据，还包含指向下一个数据地址的信息，由此数据单元串联起来的方式叫链式存储</a:t>
-            </a:r>
-          </a:p>
-        </p:txBody>
-      </p:sp>
-      <p:sp>
-        <p:nvSpPr>
-          <p:cNvPr id="9" name="文本框 8">
-            <a:extLst>
-              <a:ext uri="{FF2B5EF4-FFF2-40B4-BE49-F238E27FC236}">
-                <a16:creationId xmlns:a16="http://schemas.microsoft.com/office/drawing/2014/main" id="{ED9B93DC-5880-9D4B-AD03-2A9ADCF8E4D4}"/>
-              </a:ext>
-            </a:extLst>
-          </p:cNvPr>
-          <p:cNvSpPr txBox="1"/>
-          <p:nvPr/>
-        </p:nvSpPr>
-        <p:spPr>
-          <a:xfrm>
-            <a:off x="540000" y="1800000"/>
-            <a:ext cx="1070042" cy="542675"/>
-          </a:xfrm>
-          <a:prstGeom prst="rect">
-            <a:avLst/>
-          </a:prstGeom>
-          <a:solidFill>
-            <a:schemeClr val="accent2"/>
-          </a:solidFill>
-        </p:spPr>
-        <p:txBody>
-          <a:bodyPr wrap="square" rtlCol="0">
-            <a:spAutoFit/>
-          </a:bodyPr>
-          <a:lstStyle/>
+              <a:t>元素个数</a:t>
+            </a:r>
+            <a:endParaRPr kumimoji="1" lang="en-US" altLang="zh-CN" sz="2800" dirty="0">
+              <a:latin typeface="微软雅黑" panose="020B0503020204020204" pitchFamily="34" charset="-122"/>
+              <a:ea typeface="Microsoft YaHei" panose="020B0503020204020204" pitchFamily="34" charset="-122"/>
+            </a:endParaRPr>
+          </a:p>
           <a:p>
             <a:r>
               <a:rPr kumimoji="1" lang="zh-CN" altLang="en-US" sz="2800" dirty="0">
-                <a:solidFill>
-                  <a:schemeClr val="bg1"/>
-                </a:solidFill>
-                <a:latin typeface="Microsoft YaHei" panose="020B0503020204020204" pitchFamily="34" charset="-122"/>
-                <a:ea typeface="Microsoft YaHei" panose="020B0503020204020204" pitchFamily="34" charset="-122"/>
-              </a:rPr>
-              <a:t>定义</a:t>
-            </a:r>
-          </a:p>
-        </p:txBody>
-      </p:sp>
-      <p:sp>
-        <p:nvSpPr>
-          <p:cNvPr id="10" name="文本框 9">
-            <a:extLst>
-              <a:ext uri="{FF2B5EF4-FFF2-40B4-BE49-F238E27FC236}">
-                <a16:creationId xmlns:a16="http://schemas.microsoft.com/office/drawing/2014/main" id="{5732DAF2-E38B-774A-9902-B765D16F0ED3}"/>
-              </a:ext>
-            </a:extLst>
-          </p:cNvPr>
-          <p:cNvSpPr txBox="1"/>
-          <p:nvPr/>
-        </p:nvSpPr>
-        <p:spPr>
-          <a:xfrm>
-            <a:off x="540000" y="3960000"/>
-            <a:ext cx="1070042" cy="542675"/>
-          </a:xfrm>
-          <a:prstGeom prst="rect">
-            <a:avLst/>
-          </a:prstGeom>
-          <a:solidFill>
-            <a:schemeClr val="accent2"/>
-          </a:solidFill>
-        </p:spPr>
-        <p:txBody>
-          <a:bodyPr wrap="square" rtlCol="0">
-            <a:spAutoFit/>
-          </a:bodyPr>
-          <a:lstStyle/>
-          <a:p>
+                <a:latin typeface="微软雅黑" panose="020B0503020204020204" pitchFamily="34" charset="-122"/>
+                <a:ea typeface="Microsoft YaHei" panose="020B0503020204020204" pitchFamily="34" charset="-122"/>
+              </a:rPr>
+              <a:t>在</a:t>
+            </a:r>
+            <a:r>
+              <a:rPr kumimoji="1" lang="en-US" altLang="zh-CN" sz="2800" dirty="0">
+                <a:latin typeface="微软雅黑" panose="020B0503020204020204" pitchFamily="34" charset="-122"/>
+                <a:ea typeface="Microsoft YaHei" panose="020B0503020204020204" pitchFamily="34" charset="-122"/>
+              </a:rPr>
+              <a:t>java</a:t>
+            </a:r>
             <a:r>
               <a:rPr kumimoji="1" lang="zh-CN" altLang="en-US" sz="2800" dirty="0">
-                <a:solidFill>
-                  <a:schemeClr val="bg1"/>
-                </a:solidFill>
-                <a:latin typeface="Microsoft YaHei" panose="020B0503020204020204" pitchFamily="34" charset="-122"/>
-                <a:ea typeface="Microsoft YaHei" panose="020B0503020204020204" pitchFamily="34" charset="-122"/>
-              </a:rPr>
-              <a:t>例子</a:t>
+                <a:latin typeface="微软雅黑" panose="020B0503020204020204" pitchFamily="34" charset="-122"/>
+                <a:ea typeface="Microsoft YaHei" panose="020B0503020204020204" pitchFamily="34" charset="-122"/>
+              </a:rPr>
+              <a:t>课程中已经讲过数组的这些知识，请参照</a:t>
+            </a:r>
+            <a:r>
+              <a:rPr kumimoji="1" lang="en-US" altLang="zh-CN" sz="2800" dirty="0">
+                <a:latin typeface="微软雅黑" panose="020B0503020204020204" pitchFamily="34" charset="-122"/>
+                <a:ea typeface="Microsoft YaHei" panose="020B0503020204020204" pitchFamily="34" charset="-122"/>
+              </a:rPr>
+              <a:t>java</a:t>
+            </a:r>
+            <a:r>
+              <a:rPr kumimoji="1" lang="zh-CN" altLang="en-US" sz="2800" dirty="0">
+                <a:latin typeface="微软雅黑" panose="020B0503020204020204" pitchFamily="34" charset="-122"/>
+                <a:ea typeface="Microsoft YaHei" panose="020B0503020204020204" pitchFamily="34" charset="-122"/>
+              </a:rPr>
+              <a:t>课程中的 数组章节</a:t>
             </a:r>
           </a:p>
         </p:txBody>
@@ -5118,7 +6538,7 @@
     </p:spTree>
     <p:extLst>
       <p:ext uri="{BB962C8B-B14F-4D97-AF65-F5344CB8AC3E}">
-        <p14:creationId xmlns:p14="http://schemas.microsoft.com/office/powerpoint/2010/main" val="2691737872"/>
+        <p14:creationId xmlns:p14="http://schemas.microsoft.com/office/powerpoint/2010/main" val="1022283620"/>
       </p:ext>
     </p:extLst>
   </p:cSld>
@@ -5168,7 +6588,7 @@
         </p:nvSpPr>
         <p:spPr>
           <a:xfrm>
-            <a:off x="2054352" y="655874"/>
+            <a:off x="2054352" y="630545"/>
             <a:ext cx="8083296" cy="830997"/>
           </a:xfrm>
           <a:prstGeom prst="rect">
@@ -5188,14 +6608,123 @@
                 <a:latin typeface="Microsoft YaHei" panose="020B0503020204020204" pitchFamily="34" charset="-122"/>
                 <a:ea typeface="Microsoft YaHei" panose="020B0503020204020204" pitchFamily="34" charset="-122"/>
               </a:rPr>
-              <a:t>4.</a:t>
+              <a:t>2.</a:t>
             </a:r>
             <a:r>
               <a:rPr kumimoji="1" lang="zh-CN" altLang="en-US" sz="4800" dirty="0">
                 <a:latin typeface="Microsoft YaHei" panose="020B0503020204020204" pitchFamily="34" charset="-122"/>
                 <a:ea typeface="Microsoft YaHei" panose="020B0503020204020204" pitchFamily="34" charset="-122"/>
               </a:rPr>
-              <a:t>朴素模式匹配算法</a:t>
+              <a:t>数组的压缩存储</a:t>
+            </a:r>
+          </a:p>
+        </p:txBody>
+      </p:sp>
+      <p:sp>
+        <p:nvSpPr>
+          <p:cNvPr id="8" name="文本框 7">
+            <a:extLst>
+              <a:ext uri="{FF2B5EF4-FFF2-40B4-BE49-F238E27FC236}">
+                <a16:creationId xmlns:a16="http://schemas.microsoft.com/office/drawing/2014/main" id="{75D7D6ED-43A8-DC4B-84B6-AB03F6270117}"/>
+              </a:ext>
+            </a:extLst>
+          </p:cNvPr>
+          <p:cNvSpPr txBox="1"/>
+          <p:nvPr/>
+        </p:nvSpPr>
+        <p:spPr>
+          <a:xfrm>
+            <a:off x="1610041" y="2576591"/>
+            <a:ext cx="9873121" cy="1384995"/>
+          </a:xfrm>
+          <a:prstGeom prst="rect">
+            <a:avLst/>
+          </a:prstGeom>
+          <a:noFill/>
+        </p:spPr>
+        <p:txBody>
+          <a:bodyPr wrap="square" rtlCol="0">
+            <a:spAutoFit/>
+          </a:bodyPr>
+          <a:lstStyle/>
+          <a:p>
+            <a:r>
+              <a:rPr kumimoji="1" lang="zh-CN" altLang="en-US" sz="2800" dirty="0">
+                <a:latin typeface="微软雅黑" panose="020B0503020204020204" pitchFamily="34" charset="-122"/>
+                <a:ea typeface="Microsoft YaHei" panose="020B0503020204020204" pitchFamily="34" charset="-122"/>
+              </a:rPr>
+              <a:t>在大数组中，若里面许多数值是相同的或者是</a:t>
+            </a:r>
+            <a:r>
+              <a:rPr kumimoji="1" lang="en-US" altLang="zh-CN" sz="2800" dirty="0">
+                <a:latin typeface="微软雅黑" panose="020B0503020204020204" pitchFamily="34" charset="-122"/>
+                <a:ea typeface="Microsoft YaHei" panose="020B0503020204020204" pitchFamily="34" charset="-122"/>
+              </a:rPr>
+              <a:t>0</a:t>
+            </a:r>
+            <a:r>
+              <a:rPr kumimoji="1" lang="zh-CN" altLang="en-US" sz="2800" dirty="0">
+                <a:latin typeface="微软雅黑" panose="020B0503020204020204" pitchFamily="34" charset="-122"/>
+                <a:ea typeface="Microsoft YaHei" panose="020B0503020204020204" pitchFamily="34" charset="-122"/>
+              </a:rPr>
+              <a:t>，有时为了节省存储空间，对这类数组进行压缩存储。所谓的压缩，是指为多个相同元素只分配一个空间，对</a:t>
+            </a:r>
+            <a:r>
+              <a:rPr kumimoji="1" lang="en-US" altLang="zh-CN" sz="2800" dirty="0">
+                <a:latin typeface="微软雅黑" panose="020B0503020204020204" pitchFamily="34" charset="-122"/>
+                <a:ea typeface="Microsoft YaHei" panose="020B0503020204020204" pitchFamily="34" charset="-122"/>
+              </a:rPr>
+              <a:t>0</a:t>
+            </a:r>
+            <a:r>
+              <a:rPr kumimoji="1" lang="zh-CN" altLang="en-US" sz="2800" dirty="0">
+                <a:latin typeface="微软雅黑" panose="020B0503020204020204" pitchFamily="34" charset="-122"/>
+                <a:ea typeface="Microsoft YaHei" panose="020B0503020204020204" pitchFamily="34" charset="-122"/>
+              </a:rPr>
+              <a:t>元素不分配空间。</a:t>
+            </a:r>
+          </a:p>
+        </p:txBody>
+      </p:sp>
+      <p:sp>
+        <p:nvSpPr>
+          <p:cNvPr id="9" name="文本框 8">
+            <a:extLst>
+              <a:ext uri="{FF2B5EF4-FFF2-40B4-BE49-F238E27FC236}">
+                <a16:creationId xmlns:a16="http://schemas.microsoft.com/office/drawing/2014/main" id="{ED9B93DC-5880-9D4B-AD03-2A9ADCF8E4D4}"/>
+              </a:ext>
+            </a:extLst>
+          </p:cNvPr>
+          <p:cNvSpPr txBox="1"/>
+          <p:nvPr/>
+        </p:nvSpPr>
+        <p:spPr>
+          <a:xfrm>
+            <a:off x="540000" y="1800000"/>
+            <a:ext cx="1070042" cy="542675"/>
+          </a:xfrm>
+          <a:prstGeom prst="rect">
+            <a:avLst/>
+          </a:prstGeom>
+          <a:solidFill>
+            <a:schemeClr val="accent2"/>
+          </a:solidFill>
+        </p:spPr>
+        <p:txBody>
+          <a:bodyPr wrap="square" rtlCol="0">
+            <a:spAutoFit/>
+          </a:bodyPr>
+          <a:lstStyle/>
+          <a:p>
+            <a:r>
+              <a:rPr kumimoji="1" lang="zh-CN" altLang="en-US" sz="2800" dirty="0">
+                <a:solidFill>
+                  <a:schemeClr val="bg1"/>
+                </a:solidFill>
+                <a:latin typeface="Microsoft YaHei" panose="020B0503020204020204" pitchFamily="34" charset="-122"/>
+                <a:ea typeface="Microsoft YaHei" panose="020B0503020204020204" pitchFamily="34" charset="-122"/>
+              </a:rPr>
+              <a:t>定义</a:t>
             </a:r>
           </a:p>
         </p:txBody>
@@ -5203,7 +6732,7 @@
     </p:spTree>
     <p:extLst>
       <p:ext uri="{BB962C8B-B14F-4D97-AF65-F5344CB8AC3E}">
-        <p14:creationId xmlns:p14="http://schemas.microsoft.com/office/powerpoint/2010/main" val="1981531383"/>
+        <p14:creationId xmlns:p14="http://schemas.microsoft.com/office/powerpoint/2010/main" val="2691737872"/>
       </p:ext>
     </p:extLst>
   </p:cSld>
@@ -5253,7 +6782,7 @@
         </p:nvSpPr>
         <p:spPr>
           <a:xfrm>
-            <a:off x="2054352" y="718220"/>
+            <a:off x="2054352" y="655874"/>
             <a:ext cx="8083296" cy="830997"/>
           </a:xfrm>
           <a:prstGeom prst="rect">
@@ -5273,24 +6802,24 @@
                 <a:latin typeface="Microsoft YaHei" panose="020B0503020204020204" pitchFamily="34" charset="-122"/>
                 <a:ea typeface="Microsoft YaHei" panose="020B0503020204020204" pitchFamily="34" charset="-122"/>
               </a:rPr>
-              <a:t>5.KMP</a:t>
+              <a:t>2.</a:t>
             </a:r>
             <a:r>
               <a:rPr kumimoji="1" lang="zh-CN" altLang="en-US" sz="4800" dirty="0">
                 <a:latin typeface="Microsoft YaHei" panose="020B0503020204020204" pitchFamily="34" charset="-122"/>
                 <a:ea typeface="Microsoft YaHei" panose="020B0503020204020204" pitchFamily="34" charset="-122"/>
               </a:rPr>
-              <a:t>模式匹配算法</a:t>
-            </a:r>
-          </a:p>
-        </p:txBody>
-      </p:sp>
-      <p:sp>
-        <p:nvSpPr>
-          <p:cNvPr id="2" name="文本框 1">
-            <a:extLst>
-              <a:ext uri="{FF2B5EF4-FFF2-40B4-BE49-F238E27FC236}">
-                <a16:creationId xmlns:a16="http://schemas.microsoft.com/office/drawing/2014/main" id="{2348A353-F74A-F749-85B3-0743B6EAB0EF}"/>
+              <a:t> 特殊矩阵之 对称矩阵</a:t>
+            </a:r>
+          </a:p>
+        </p:txBody>
+      </p:sp>
+      <p:sp>
+        <p:nvSpPr>
+          <p:cNvPr id="4" name="文本框 3">
+            <a:extLst>
+              <a:ext uri="{FF2B5EF4-FFF2-40B4-BE49-F238E27FC236}">
+                <a16:creationId xmlns:a16="http://schemas.microsoft.com/office/drawing/2014/main" id="{3275013F-1E50-5746-9477-18108EB5C9A8}"/>
               </a:ext>
             </a:extLst>
           </p:cNvPr>
@@ -5299,8 +6828,8 @@
         </p:nvSpPr>
         <p:spPr>
           <a:xfrm>
-            <a:off x="2466753" y="2445488"/>
-            <a:ext cx="6039294" cy="523220"/>
+            <a:off x="2279073" y="1673105"/>
+            <a:ext cx="9912927" cy="954107"/>
           </a:xfrm>
           <a:prstGeom prst="rect">
             <a:avLst/>
@@ -5314,16 +6843,153 @@
           <a:lstStyle/>
           <a:p>
             <a:r>
-              <a:rPr kumimoji="1" lang="zh-CN" altLang="en-US" sz="2800" dirty="0"/>
-              <a:t>基于单链表的基础，增加循环的功能</a:t>
-            </a:r>
-          </a:p>
-        </p:txBody>
-      </p:sp>
+              <a:rPr kumimoji="1" lang="zh-CN" altLang="en-US" sz="2800" dirty="0">
+                <a:latin typeface="Microsoft YaHei" panose="020B0503020204020204" pitchFamily="34" charset="-122"/>
+                <a:ea typeface="Microsoft YaHei" panose="020B0503020204020204" pitchFamily="34" charset="-122"/>
+              </a:rPr>
+              <a:t>对称矩阵 ，</a:t>
+            </a:r>
+            <a:r>
+              <a:rPr kumimoji="1" lang="en-US" altLang="zh-CN" sz="2800" dirty="0" err="1">
+                <a:latin typeface="Microsoft YaHei" panose="020B0503020204020204" pitchFamily="34" charset="-122"/>
+                <a:ea typeface="Microsoft YaHei" panose="020B0503020204020204" pitchFamily="34" charset="-122"/>
+              </a:rPr>
+              <a:t>a</a:t>
+            </a:r>
+            <a:r>
+              <a:rPr kumimoji="1" lang="en-US" altLang="zh-CN" sz="2800" baseline="-25000" dirty="0" err="1">
+                <a:latin typeface="Microsoft YaHei" panose="020B0503020204020204" pitchFamily="34" charset="-122"/>
+                <a:ea typeface="Microsoft YaHei" panose="020B0503020204020204" pitchFamily="34" charset="-122"/>
+              </a:rPr>
+              <a:t>ij</a:t>
+            </a:r>
+            <a:r>
+              <a:rPr kumimoji="1" lang="zh-CN" altLang="en-US" sz="2800" dirty="0">
+                <a:latin typeface="Microsoft YaHei" panose="020B0503020204020204" pitchFamily="34" charset="-122"/>
+                <a:ea typeface="Microsoft YaHei" panose="020B0503020204020204" pitchFamily="34" charset="-122"/>
+              </a:rPr>
+              <a:t> </a:t>
+            </a:r>
+            <a:r>
+              <a:rPr kumimoji="1" lang="en-US" altLang="zh-CN" sz="2800" dirty="0">
+                <a:latin typeface="Microsoft YaHei" panose="020B0503020204020204" pitchFamily="34" charset="-122"/>
+                <a:ea typeface="Microsoft YaHei" panose="020B0503020204020204" pitchFamily="34" charset="-122"/>
+              </a:rPr>
+              <a:t>=</a:t>
+            </a:r>
+            <a:r>
+              <a:rPr kumimoji="1" lang="zh-CN" altLang="en-US" sz="2800" dirty="0">
+                <a:latin typeface="Microsoft YaHei" panose="020B0503020204020204" pitchFamily="34" charset="-122"/>
+                <a:ea typeface="Microsoft YaHei" panose="020B0503020204020204" pitchFamily="34" charset="-122"/>
+              </a:rPr>
+              <a:t> </a:t>
+            </a:r>
+            <a:r>
+              <a:rPr kumimoji="1" lang="en-US" altLang="zh-CN" sz="2800" dirty="0" err="1">
+                <a:latin typeface="Microsoft YaHei" panose="020B0503020204020204" pitchFamily="34" charset="-122"/>
+                <a:ea typeface="Microsoft YaHei" panose="020B0503020204020204" pitchFamily="34" charset="-122"/>
+              </a:rPr>
+              <a:t>a</a:t>
+            </a:r>
+            <a:r>
+              <a:rPr kumimoji="1" lang="en-US" altLang="zh-CN" sz="2800" baseline="-25000" dirty="0" err="1">
+                <a:latin typeface="Microsoft YaHei" panose="020B0503020204020204" pitchFamily="34" charset="-122"/>
+                <a:ea typeface="Microsoft YaHei" panose="020B0503020204020204" pitchFamily="34" charset="-122"/>
+              </a:rPr>
+              <a:t>ji</a:t>
+            </a:r>
+            <a:r>
+              <a:rPr kumimoji="1" lang="zh-CN" altLang="en-US" sz="2800" dirty="0">
+                <a:latin typeface="Microsoft YaHei" panose="020B0503020204020204" pitchFamily="34" charset="-122"/>
+                <a:ea typeface="Microsoft YaHei" panose="020B0503020204020204" pitchFamily="34" charset="-122"/>
+              </a:rPr>
+              <a:t> （其中 </a:t>
+            </a:r>
+            <a:r>
+              <a:rPr kumimoji="1" lang="en-US" altLang="zh-CN" sz="2800" dirty="0" err="1">
+                <a:latin typeface="Microsoft YaHei" panose="020B0503020204020204" pitchFamily="34" charset="-122"/>
+                <a:ea typeface="Microsoft YaHei" panose="020B0503020204020204" pitchFamily="34" charset="-122"/>
+              </a:rPr>
+              <a:t>i</a:t>
+            </a:r>
+            <a:r>
+              <a:rPr kumimoji="1" lang="en-US" altLang="zh-CN" sz="2800" dirty="0">
+                <a:latin typeface="Microsoft YaHei" panose="020B0503020204020204" pitchFamily="34" charset="-122"/>
+                <a:ea typeface="Microsoft YaHei" panose="020B0503020204020204" pitchFamily="34" charset="-122"/>
+              </a:rPr>
+              <a:t>,</a:t>
+            </a:r>
+            <a:r>
+              <a:rPr kumimoji="1" lang="zh-CN" altLang="en-US" sz="2800" dirty="0">
+                <a:latin typeface="Microsoft YaHei" panose="020B0503020204020204" pitchFamily="34" charset="-122"/>
+                <a:ea typeface="Microsoft YaHei" panose="020B0503020204020204" pitchFamily="34" charset="-122"/>
+              </a:rPr>
+              <a:t> </a:t>
+            </a:r>
+            <a:r>
+              <a:rPr kumimoji="1" lang="en-US" altLang="zh-CN" sz="2800" dirty="0">
+                <a:latin typeface="Microsoft YaHei" panose="020B0503020204020204" pitchFamily="34" charset="-122"/>
+                <a:ea typeface="Microsoft YaHei" panose="020B0503020204020204" pitchFamily="34" charset="-122"/>
+              </a:rPr>
+              <a:t>j</a:t>
+            </a:r>
+            <a:r>
+              <a:rPr kumimoji="1" lang="zh-CN" altLang="en-US" sz="2800" dirty="0">
+                <a:latin typeface="Microsoft YaHei" panose="020B0503020204020204" pitchFamily="34" charset="-122"/>
+                <a:ea typeface="Microsoft YaHei" panose="020B0503020204020204" pitchFamily="34" charset="-122"/>
+              </a:rPr>
+              <a:t>是二维矩阵中的下标）</a:t>
+            </a:r>
+            <a:endParaRPr kumimoji="1" lang="en-US" altLang="zh-CN" sz="2800" dirty="0">
+              <a:latin typeface="Microsoft YaHei" panose="020B0503020204020204" pitchFamily="34" charset="-122"/>
+              <a:ea typeface="Microsoft YaHei" panose="020B0503020204020204" pitchFamily="34" charset="-122"/>
+            </a:endParaRPr>
+          </a:p>
+          <a:p>
+            <a:r>
+              <a:rPr kumimoji="1" lang="zh-CN" altLang="en-US" sz="2800" dirty="0">
+                <a:latin typeface="Microsoft YaHei" panose="020B0503020204020204" pitchFamily="34" charset="-122"/>
+                <a:ea typeface="Microsoft YaHei" panose="020B0503020204020204" pitchFamily="34" charset="-122"/>
+              </a:rPr>
+              <a:t>可以如下存储， 这样节省了一半的空间</a:t>
+            </a:r>
+          </a:p>
+        </p:txBody>
+      </p:sp>
+      <p:pic>
+        <p:nvPicPr>
+          <p:cNvPr id="5" name="图片 4">
+            <a:extLst>
+              <a:ext uri="{FF2B5EF4-FFF2-40B4-BE49-F238E27FC236}">
+                <a16:creationId xmlns:a16="http://schemas.microsoft.com/office/drawing/2014/main" id="{FDE6C929-7BA9-CB4E-B425-B481E21ADEBB}"/>
+              </a:ext>
+            </a:extLst>
+          </p:cNvPr>
+          <p:cNvPicPr>
+            <a:picLocks noChangeAspect="1"/>
+          </p:cNvPicPr>
+          <p:nvPr/>
+        </p:nvPicPr>
+        <p:blipFill>
+          <a:blip r:embed="rId3"/>
+          <a:stretch>
+            <a:fillRect/>
+          </a:stretch>
+        </p:blipFill>
+        <p:spPr>
+          <a:xfrm>
+            <a:off x="1222660" y="3880807"/>
+            <a:ext cx="10579679" cy="1520933"/>
+          </a:xfrm>
+          <a:prstGeom prst="rect">
+            <a:avLst/>
+          </a:prstGeom>
+        </p:spPr>
+      </p:pic>
     </p:spTree>
     <p:extLst>
       <p:ext uri="{BB962C8B-B14F-4D97-AF65-F5344CB8AC3E}">
-        <p14:creationId xmlns:p14="http://schemas.microsoft.com/office/powerpoint/2010/main" val="1742615019"/>
+        <p14:creationId xmlns:p14="http://schemas.microsoft.com/office/powerpoint/2010/main" val="1981531383"/>
       </p:ext>
     </p:extLst>
   </p:cSld>
@@ -5339,7 +7005,7 @@
     <p:bg>
       <p:bgPr>
         <a:blipFill>
-          <a:blip r:embed="rId3"/>
+          <a:blip r:embed="rId2"/>
           <a:tile tx="0" ty="0" sx="100000" sy="100000" flip="none" algn="tl"/>
         </a:blipFill>
         <a:effectLst/>
@@ -5361,10 +7027,10 @@
       </p:grpSpPr>
       <p:sp>
         <p:nvSpPr>
-          <p:cNvPr id="2" name="文本框 1">
-            <a:extLst>
-              <a:ext uri="{FF2B5EF4-FFF2-40B4-BE49-F238E27FC236}">
-                <a16:creationId xmlns:a16="http://schemas.microsoft.com/office/drawing/2014/main" id="{12AA8BCC-7B15-4842-80C2-48C079429338}"/>
+          <p:cNvPr id="3" name="文本框 2">
+            <a:extLst>
+              <a:ext uri="{FF2B5EF4-FFF2-40B4-BE49-F238E27FC236}">
+                <a16:creationId xmlns:a16="http://schemas.microsoft.com/office/drawing/2014/main" id="{62BFC649-BF8E-2841-8EAF-47AFBF9D6671}"/>
               </a:ext>
             </a:extLst>
           </p:cNvPr>
@@ -5373,8 +7039,8 @@
         </p:nvSpPr>
         <p:spPr>
           <a:xfrm>
-            <a:off x="2228088" y="2921168"/>
-            <a:ext cx="7735824" cy="1015663"/>
+            <a:off x="2054352" y="655874"/>
+            <a:ext cx="8083296" cy="830997"/>
           </a:xfrm>
           <a:prstGeom prst="rect">
             <a:avLst/>
@@ -5389,19 +7055,339 @@
           <a:p>
             <a:pPr algn="ctr"/>
             <a:r>
-              <a:rPr kumimoji="1" lang="zh-CN" altLang="en-US" sz="6000" dirty="0">
-                <a:latin typeface="Microsoft YaHei" panose="020B0503020204020204" pitchFamily="34" charset="-122"/>
-                <a:ea typeface="Microsoft YaHei" panose="020B0503020204020204" pitchFamily="34" charset="-122"/>
-              </a:rPr>
-              <a:t>这堂课我们学了撒？</a:t>
-            </a:r>
+              <a:rPr kumimoji="1" lang="en-US" altLang="zh-CN" sz="4800" dirty="0">
+                <a:latin typeface="Microsoft YaHei" panose="020B0503020204020204" pitchFamily="34" charset="-122"/>
+                <a:ea typeface="Microsoft YaHei" panose="020B0503020204020204" pitchFamily="34" charset="-122"/>
+              </a:rPr>
+              <a:t>2.</a:t>
+            </a:r>
+            <a:r>
+              <a:rPr kumimoji="1" lang="zh-CN" altLang="en-US" sz="4800" dirty="0">
+                <a:latin typeface="Microsoft YaHei" panose="020B0503020204020204" pitchFamily="34" charset="-122"/>
+                <a:ea typeface="Microsoft YaHei" panose="020B0503020204020204" pitchFamily="34" charset="-122"/>
+              </a:rPr>
+              <a:t> 特殊矩阵之单位矩阵</a:t>
+            </a:r>
+          </a:p>
+        </p:txBody>
+      </p:sp>
+      <p:sp>
+        <p:nvSpPr>
+          <p:cNvPr id="4" name="文本框 3">
+            <a:extLst>
+              <a:ext uri="{FF2B5EF4-FFF2-40B4-BE49-F238E27FC236}">
+                <a16:creationId xmlns:a16="http://schemas.microsoft.com/office/drawing/2014/main" id="{3275013F-1E50-5746-9477-18108EB5C9A8}"/>
+              </a:ext>
+            </a:extLst>
+          </p:cNvPr>
+          <p:cNvSpPr txBox="1"/>
+          <p:nvPr/>
+        </p:nvSpPr>
+        <p:spPr>
+          <a:xfrm>
+            <a:off x="2279073" y="1673105"/>
+            <a:ext cx="9912927" cy="523220"/>
+          </a:xfrm>
+          <a:prstGeom prst="rect">
+            <a:avLst/>
+          </a:prstGeom>
+          <a:noFill/>
+        </p:spPr>
+        <p:txBody>
+          <a:bodyPr wrap="square" rtlCol="0">
+            <a:spAutoFit/>
+          </a:bodyPr>
+          <a:lstStyle/>
+          <a:p>
+            <a:r>
+              <a:rPr kumimoji="1" lang="en-US" altLang="zh-CN" sz="2800" dirty="0" err="1">
+                <a:latin typeface="Microsoft YaHei" panose="020B0503020204020204" pitchFamily="34" charset="-122"/>
+                <a:ea typeface="Microsoft YaHei" panose="020B0503020204020204" pitchFamily="34" charset="-122"/>
+              </a:rPr>
+              <a:t>a</a:t>
+            </a:r>
+            <a:r>
+              <a:rPr kumimoji="1" lang="en-US" altLang="zh-CN" sz="2800" baseline="-25000" dirty="0" err="1">
+                <a:latin typeface="Microsoft YaHei" panose="020B0503020204020204" pitchFamily="34" charset="-122"/>
+                <a:ea typeface="Microsoft YaHei" panose="020B0503020204020204" pitchFamily="34" charset="-122"/>
+              </a:rPr>
+              <a:t>ii</a:t>
+            </a:r>
+            <a:r>
+              <a:rPr kumimoji="1" lang="zh-CN" altLang="en-US" sz="2800" dirty="0">
+                <a:latin typeface="Microsoft YaHei" panose="020B0503020204020204" pitchFamily="34" charset="-122"/>
+                <a:ea typeface="Microsoft YaHei" panose="020B0503020204020204" pitchFamily="34" charset="-122"/>
+              </a:rPr>
+              <a:t> </a:t>
+            </a:r>
+            <a:r>
+              <a:rPr kumimoji="1" lang="en-US" altLang="zh-CN" sz="2800" dirty="0">
+                <a:latin typeface="Microsoft YaHei" panose="020B0503020204020204" pitchFamily="34" charset="-122"/>
+                <a:ea typeface="Microsoft YaHei" panose="020B0503020204020204" pitchFamily="34" charset="-122"/>
+              </a:rPr>
+              <a:t>=</a:t>
+            </a:r>
+            <a:r>
+              <a:rPr kumimoji="1" lang="zh-CN" altLang="en-US" sz="2800" dirty="0">
+                <a:latin typeface="Microsoft YaHei" panose="020B0503020204020204" pitchFamily="34" charset="-122"/>
+                <a:ea typeface="Microsoft YaHei" panose="020B0503020204020204" pitchFamily="34" charset="-122"/>
+              </a:rPr>
+              <a:t> </a:t>
+            </a:r>
+            <a:r>
+              <a:rPr kumimoji="1" lang="en-US" altLang="zh-CN" sz="2800" dirty="0">
+                <a:latin typeface="Microsoft YaHei" panose="020B0503020204020204" pitchFamily="34" charset="-122"/>
+                <a:ea typeface="Microsoft YaHei" panose="020B0503020204020204" pitchFamily="34" charset="-122"/>
+              </a:rPr>
+              <a:t>1</a:t>
+            </a:r>
+            <a:r>
+              <a:rPr kumimoji="1" lang="zh-CN" altLang="en-US" sz="2800" dirty="0">
+                <a:latin typeface="Microsoft YaHei" panose="020B0503020204020204" pitchFamily="34" charset="-122"/>
+                <a:ea typeface="Microsoft YaHei" panose="020B0503020204020204" pitchFamily="34" charset="-122"/>
+              </a:rPr>
+              <a:t>，其他都是</a:t>
+            </a:r>
+            <a:r>
+              <a:rPr kumimoji="1" lang="en-US" altLang="zh-CN" sz="2800" dirty="0">
+                <a:latin typeface="Microsoft YaHei" panose="020B0503020204020204" pitchFamily="34" charset="-122"/>
+                <a:ea typeface="Microsoft YaHei" panose="020B0503020204020204" pitchFamily="34" charset="-122"/>
+              </a:rPr>
+              <a:t>0</a:t>
+            </a:r>
+            <a:r>
+              <a:rPr kumimoji="1" lang="zh-CN" altLang="en-US" sz="2800" dirty="0">
+                <a:latin typeface="Microsoft YaHei" panose="020B0503020204020204" pitchFamily="34" charset="-122"/>
+                <a:ea typeface="Microsoft YaHei" panose="020B0503020204020204" pitchFamily="34" charset="-122"/>
+              </a:rPr>
+              <a:t>，其中行数等于列数，</a:t>
+            </a:r>
+            <a:endParaRPr kumimoji="1" lang="en-US" altLang="zh-CN" sz="2800" dirty="0">
+              <a:latin typeface="Microsoft YaHei" panose="020B0503020204020204" pitchFamily="34" charset="-122"/>
+              <a:ea typeface="Microsoft YaHei" panose="020B0503020204020204" pitchFamily="34" charset="-122"/>
+            </a:endParaRPr>
+          </a:p>
+        </p:txBody>
+      </p:sp>
+      <p:pic>
+        <p:nvPicPr>
+          <p:cNvPr id="7" name="图片 6">
+            <a:extLst>
+              <a:ext uri="{FF2B5EF4-FFF2-40B4-BE49-F238E27FC236}">
+                <a16:creationId xmlns:a16="http://schemas.microsoft.com/office/drawing/2014/main" id="{EB3A5F99-F68D-BF48-9418-3A7AAE4ADC5B}"/>
+              </a:ext>
+            </a:extLst>
+          </p:cNvPr>
+          <p:cNvPicPr>
+            <a:picLocks noChangeAspect="1"/>
+          </p:cNvPicPr>
+          <p:nvPr/>
+        </p:nvPicPr>
+        <p:blipFill>
+          <a:blip r:embed="rId3"/>
+          <a:stretch>
+            <a:fillRect/>
+          </a:stretch>
+        </p:blipFill>
+        <p:spPr>
+          <a:xfrm>
+            <a:off x="2445327" y="2696153"/>
+            <a:ext cx="6443519" cy="1465693"/>
+          </a:xfrm>
+          <a:prstGeom prst="rect">
+            <a:avLst/>
+          </a:prstGeom>
+        </p:spPr>
+      </p:pic>
+      <p:sp>
+        <p:nvSpPr>
+          <p:cNvPr id="8" name="文本框 7">
+            <a:extLst>
+              <a:ext uri="{FF2B5EF4-FFF2-40B4-BE49-F238E27FC236}">
+                <a16:creationId xmlns:a16="http://schemas.microsoft.com/office/drawing/2014/main" id="{4C73AC15-86FD-5A4C-8BA8-73923814A7BF}"/>
+              </a:ext>
+            </a:extLst>
+          </p:cNvPr>
+          <p:cNvSpPr txBox="1"/>
+          <p:nvPr/>
+        </p:nvSpPr>
+        <p:spPr>
+          <a:xfrm>
+            <a:off x="2279073" y="4613564"/>
+            <a:ext cx="8153400" cy="2677656"/>
+          </a:xfrm>
+          <a:prstGeom prst="rect">
+            <a:avLst/>
+          </a:prstGeom>
+          <a:noFill/>
+        </p:spPr>
+        <p:txBody>
+          <a:bodyPr wrap="square" rtlCol="0">
+            <a:spAutoFit/>
+          </a:bodyPr>
+          <a:lstStyle/>
+          <a:p>
+            <a:pPr marL="514350" indent="-514350">
+              <a:buFont typeface="+mj-lt"/>
+              <a:buAutoNum type="arabicPeriod"/>
+            </a:pPr>
+            <a:r>
+              <a:rPr kumimoji="1" lang="zh-CN" altLang="en-US" sz="2800" dirty="0">
+                <a:latin typeface="Microsoft YaHei" panose="020B0503020204020204" pitchFamily="34" charset="-122"/>
+                <a:ea typeface="Microsoft YaHei" panose="020B0503020204020204" pitchFamily="34" charset="-122"/>
+              </a:rPr>
+              <a:t>可以将 </a:t>
+            </a:r>
+            <a:r>
+              <a:rPr kumimoji="1" lang="en-US" altLang="zh-CN" sz="2800" dirty="0">
+                <a:latin typeface="Microsoft YaHei" panose="020B0503020204020204" pitchFamily="34" charset="-122"/>
+                <a:ea typeface="Microsoft YaHei" panose="020B0503020204020204" pitchFamily="34" charset="-122"/>
+              </a:rPr>
+              <a:t>n</a:t>
+            </a:r>
+            <a:r>
+              <a:rPr kumimoji="1" lang="zh-CN" altLang="en-US" sz="2800" dirty="0">
+                <a:latin typeface="Microsoft YaHei" panose="020B0503020204020204" pitchFamily="34" charset="-122"/>
+                <a:ea typeface="Microsoft YaHei" panose="020B0503020204020204" pitchFamily="34" charset="-122"/>
+              </a:rPr>
+              <a:t>*</a:t>
+            </a:r>
+            <a:r>
+              <a:rPr kumimoji="1" lang="en-US" altLang="zh-CN" sz="2800" dirty="0">
+                <a:latin typeface="Microsoft YaHei" panose="020B0503020204020204" pitchFamily="34" charset="-122"/>
+                <a:ea typeface="Microsoft YaHei" panose="020B0503020204020204" pitchFamily="34" charset="-122"/>
+              </a:rPr>
+              <a:t>n</a:t>
+            </a:r>
+            <a:r>
+              <a:rPr kumimoji="1" lang="zh-CN" altLang="en-US" sz="2800" dirty="0">
+                <a:latin typeface="Microsoft YaHei" panose="020B0503020204020204" pitchFamily="34" charset="-122"/>
+                <a:ea typeface="Microsoft YaHei" panose="020B0503020204020204" pitchFamily="34" charset="-122"/>
+              </a:rPr>
+              <a:t>的二维数组降维到一维数组</a:t>
+            </a:r>
+            <a:endParaRPr kumimoji="1" lang="en-US" altLang="zh-CN" sz="2800" dirty="0">
+              <a:latin typeface="Microsoft YaHei" panose="020B0503020204020204" pitchFamily="34" charset="-122"/>
+              <a:ea typeface="Microsoft YaHei" panose="020B0503020204020204" pitchFamily="34" charset="-122"/>
+            </a:endParaRPr>
+          </a:p>
+          <a:p>
+            <a:r>
+              <a:rPr kumimoji="1" lang="zh-CN" altLang="en-US" sz="2800" dirty="0">
+                <a:latin typeface="Microsoft YaHei" panose="020B0503020204020204" pitchFamily="34" charset="-122"/>
+                <a:ea typeface="Microsoft YaHei" panose="020B0503020204020204" pitchFamily="34" charset="-122"/>
+              </a:rPr>
+              <a:t>    </a:t>
+            </a:r>
+            <a:r>
+              <a:rPr kumimoji="1" lang="en-US" altLang="zh-CN" sz="2800" dirty="0">
+                <a:latin typeface="Microsoft YaHei" panose="020B0503020204020204" pitchFamily="34" charset="-122"/>
+                <a:ea typeface="Microsoft YaHei" panose="020B0503020204020204" pitchFamily="34" charset="-122"/>
+              </a:rPr>
+              <a:t>{1,1,1…}</a:t>
+            </a:r>
+            <a:r>
+              <a:rPr kumimoji="1" lang="zh-CN" altLang="en-US" sz="2800" dirty="0">
+                <a:latin typeface="Microsoft YaHei" panose="020B0503020204020204" pitchFamily="34" charset="-122"/>
+                <a:ea typeface="Microsoft YaHei" panose="020B0503020204020204" pitchFamily="34" charset="-122"/>
+              </a:rPr>
+              <a:t> 只要行下标和列下标相同，就是</a:t>
+            </a:r>
+            <a:r>
+              <a:rPr kumimoji="1" lang="en-US" altLang="zh-CN" sz="2800" dirty="0">
+                <a:latin typeface="Microsoft YaHei" panose="020B0503020204020204" pitchFamily="34" charset="-122"/>
+                <a:ea typeface="Microsoft YaHei" panose="020B0503020204020204" pitchFamily="34" charset="-122"/>
+              </a:rPr>
+              <a:t>1</a:t>
+            </a:r>
+            <a:r>
+              <a:rPr kumimoji="1" lang="zh-CN" altLang="en-US" sz="2800" dirty="0">
+                <a:latin typeface="Microsoft YaHei" panose="020B0503020204020204" pitchFamily="34" charset="-122"/>
+                <a:ea typeface="Microsoft YaHei" panose="020B0503020204020204" pitchFamily="34" charset="-122"/>
+              </a:rPr>
+              <a:t>，否        则是</a:t>
+            </a:r>
+            <a:r>
+              <a:rPr kumimoji="1" lang="en-US" altLang="zh-CN" sz="2800" dirty="0">
+                <a:latin typeface="Microsoft YaHei" panose="020B0503020204020204" pitchFamily="34" charset="-122"/>
+                <a:ea typeface="Microsoft YaHei" panose="020B0503020204020204" pitchFamily="34" charset="-122"/>
+              </a:rPr>
+              <a:t>0</a:t>
+            </a:r>
+          </a:p>
+          <a:p>
+            <a:r>
+              <a:rPr kumimoji="1" lang="en-US" altLang="zh-CN" sz="2800" dirty="0">
+                <a:latin typeface="Microsoft YaHei" panose="020B0503020204020204" pitchFamily="34" charset="-122"/>
+                <a:ea typeface="Microsoft YaHei" panose="020B0503020204020204" pitchFamily="34" charset="-122"/>
+              </a:rPr>
+              <a:t>2.</a:t>
+            </a:r>
+            <a:r>
+              <a:rPr kumimoji="1" lang="zh-CN" altLang="en-US" sz="2800" dirty="0">
+                <a:latin typeface="Microsoft YaHei" panose="020B0503020204020204" pitchFamily="34" charset="-122"/>
+                <a:ea typeface="Microsoft YaHei" panose="020B0503020204020204" pitchFamily="34" charset="-122"/>
+              </a:rPr>
+              <a:t> 再进一步降维，只要</a:t>
+            </a:r>
+            <a:r>
+              <a:rPr kumimoji="1" lang="en-US" altLang="zh-CN" sz="2800" dirty="0">
+                <a:latin typeface="Microsoft YaHei" panose="020B0503020204020204" pitchFamily="34" charset="-122"/>
+                <a:ea typeface="Microsoft YaHei" panose="020B0503020204020204" pitchFamily="34" charset="-122"/>
+              </a:rPr>
+              <a:t>2</a:t>
+            </a:r>
+            <a:r>
+              <a:rPr kumimoji="1" lang="zh-CN" altLang="en-US" sz="2800" dirty="0">
+                <a:latin typeface="Microsoft YaHei" panose="020B0503020204020204" pitchFamily="34" charset="-122"/>
+                <a:ea typeface="Microsoft YaHei" panose="020B0503020204020204" pitchFamily="34" charset="-122"/>
+              </a:rPr>
+              <a:t>个数值长度的数组</a:t>
+            </a:r>
+            <a:endParaRPr kumimoji="1" lang="en-US" altLang="zh-CN" sz="2800" dirty="0">
+              <a:latin typeface="Microsoft YaHei" panose="020B0503020204020204" pitchFamily="34" charset="-122"/>
+              <a:ea typeface="Microsoft YaHei" panose="020B0503020204020204" pitchFamily="34" charset="-122"/>
+            </a:endParaRPr>
+          </a:p>
+          <a:p>
+            <a:r>
+              <a:rPr kumimoji="1" lang="zh-CN" altLang="en-US" sz="2800" dirty="0">
+                <a:latin typeface="Microsoft YaHei" panose="020B0503020204020204" pitchFamily="34" charset="-122"/>
+                <a:ea typeface="Microsoft YaHei" panose="020B0503020204020204" pitchFamily="34" charset="-122"/>
+              </a:rPr>
+              <a:t>   </a:t>
+            </a:r>
+            <a:r>
+              <a:rPr kumimoji="1" lang="en-US" altLang="zh-CN" sz="2800" dirty="0">
+                <a:latin typeface="Microsoft YaHei" panose="020B0503020204020204" pitchFamily="34" charset="-122"/>
+                <a:ea typeface="Microsoft YaHei" panose="020B0503020204020204" pitchFamily="34" charset="-122"/>
+              </a:rPr>
+              <a:t>{1,0},</a:t>
+            </a:r>
+            <a:r>
+              <a:rPr kumimoji="1" lang="zh-CN" altLang="en-US" sz="2800" dirty="0">
+                <a:latin typeface="Microsoft YaHei" panose="020B0503020204020204" pitchFamily="34" charset="-122"/>
+                <a:ea typeface="Microsoft YaHei" panose="020B0503020204020204" pitchFamily="34" charset="-122"/>
+              </a:rPr>
+              <a:t> 判断条件一样。</a:t>
+            </a:r>
+            <a:endParaRPr kumimoji="1" lang="en-US" altLang="zh-CN" sz="2800" dirty="0">
+              <a:latin typeface="Microsoft YaHei" panose="020B0503020204020204" pitchFamily="34" charset="-122"/>
+              <a:ea typeface="Microsoft YaHei" panose="020B0503020204020204" pitchFamily="34" charset="-122"/>
+            </a:endParaRPr>
+          </a:p>
+          <a:p>
+            <a:endParaRPr kumimoji="1" lang="zh-CN" altLang="en-US" sz="2800" dirty="0">
+              <a:latin typeface="Microsoft YaHei" panose="020B0503020204020204" pitchFamily="34" charset="-122"/>
+              <a:ea typeface="Microsoft YaHei" panose="020B0503020204020204" pitchFamily="34" charset="-122"/>
+            </a:endParaRPr>
           </a:p>
         </p:txBody>
       </p:sp>
     </p:spTree>
     <p:extLst>
       <p:ext uri="{BB962C8B-B14F-4D97-AF65-F5344CB8AC3E}">
-        <p14:creationId xmlns:p14="http://schemas.microsoft.com/office/powerpoint/2010/main" val="3338372476"/>
+        <p14:creationId xmlns:p14="http://schemas.microsoft.com/office/powerpoint/2010/main" val="3888324883"/>
       </p:ext>
     </p:extLst>
   </p:cSld>
@@ -5417,7 +7403,7 @@
     <p:bg>
       <p:bgPr>
         <a:blipFill>
-          <a:blip r:embed="rId3"/>
+          <a:blip r:embed="rId2"/>
           <a:tile tx="0" ty="0" sx="100000" sy="100000" flip="none" algn="tl"/>
         </a:blipFill>
         <a:effectLst/>
@@ -5451,8 +7437,8 @@
         </p:nvSpPr>
         <p:spPr>
           <a:xfrm>
-            <a:off x="914400" y="581161"/>
-            <a:ext cx="10363200" cy="830997"/>
+            <a:off x="2054352" y="718220"/>
+            <a:ext cx="8083296" cy="830997"/>
           </a:xfrm>
           <a:prstGeom prst="rect">
             <a:avLst/>
@@ -5467,25 +7453,28 @@
           <a:p>
             <a:pPr algn="ctr"/>
             <a:r>
+              <a:rPr kumimoji="1" lang="en-US" altLang="zh-CN" sz="4800" dirty="0">
+                <a:latin typeface="Microsoft YaHei" panose="020B0503020204020204" pitchFamily="34" charset="-122"/>
+                <a:ea typeface="Microsoft YaHei" panose="020B0503020204020204" pitchFamily="34" charset="-122"/>
+              </a:rPr>
+              <a:t>3.</a:t>
+            </a:r>
+            <a:r>
               <a:rPr kumimoji="1" lang="zh-CN" altLang="en-US" sz="4800" dirty="0">
                 <a:latin typeface="Microsoft YaHei" panose="020B0503020204020204" pitchFamily="34" charset="-122"/>
                 <a:ea typeface="Microsoft YaHei" panose="020B0503020204020204" pitchFamily="34" charset="-122"/>
               </a:rPr>
-              <a:t>总结</a:t>
-            </a:r>
-            <a:endParaRPr kumimoji="1" lang="en-US" altLang="zh-CN" sz="4800" dirty="0">
-              <a:latin typeface="Microsoft YaHei" panose="020B0503020204020204" pitchFamily="34" charset="-122"/>
-              <a:ea typeface="Microsoft YaHei" panose="020B0503020204020204" pitchFamily="34" charset="-122"/>
-            </a:endParaRPr>
-          </a:p>
-        </p:txBody>
-      </p:sp>
-      <p:sp>
-        <p:nvSpPr>
-          <p:cNvPr id="5" name="文本框 4">
-            <a:extLst>
-              <a:ext uri="{FF2B5EF4-FFF2-40B4-BE49-F238E27FC236}">
-                <a16:creationId xmlns:a16="http://schemas.microsoft.com/office/drawing/2014/main" id="{70A8FD9E-655D-F742-ACDB-18BF84BE05B3}"/>
+              <a:t>稀疏矩阵</a:t>
+            </a:r>
+          </a:p>
+        </p:txBody>
+      </p:sp>
+      <p:sp>
+        <p:nvSpPr>
+          <p:cNvPr id="2" name="文本框 1">
+            <a:extLst>
+              <a:ext uri="{FF2B5EF4-FFF2-40B4-BE49-F238E27FC236}">
+                <a16:creationId xmlns:a16="http://schemas.microsoft.com/office/drawing/2014/main" id="{2348A353-F74A-F749-85B3-0743B6EAB0EF}"/>
               </a:ext>
             </a:extLst>
           </p:cNvPr>
@@ -5494,8 +7483,8 @@
         </p:nvSpPr>
         <p:spPr>
           <a:xfrm>
-            <a:off x="765810" y="2785730"/>
-            <a:ext cx="9037409" cy="523220"/>
+            <a:off x="1610042" y="2701636"/>
+            <a:ext cx="8988685" cy="1419861"/>
           </a:xfrm>
           <a:prstGeom prst="rect">
             <a:avLst/>
@@ -5509,30 +7498,161 @@
           <a:lstStyle/>
           <a:p>
             <a:r>
+              <a:rPr kumimoji="1" lang="zh-CN" altLang="en-US" sz="2800" dirty="0"/>
+              <a:t>假设在</a:t>
+            </a:r>
+            <a:r>
+              <a:rPr kumimoji="1" lang="en-US" altLang="zh-CN" sz="2800" dirty="0"/>
+              <a:t>m</a:t>
+            </a:r>
+            <a:r>
+              <a:rPr kumimoji="1" lang="zh-CN" altLang="en-US" sz="2800" dirty="0"/>
+              <a:t>*</a:t>
+            </a:r>
+            <a:r>
+              <a:rPr kumimoji="1" lang="en-US" altLang="zh-CN" sz="2800" dirty="0"/>
+              <a:t>n</a:t>
+            </a:r>
+            <a:r>
+              <a:rPr kumimoji="1" lang="zh-CN" altLang="en-US" sz="2800" dirty="0"/>
+              <a:t>的矩阵中，有</a:t>
+            </a:r>
+            <a:r>
+              <a:rPr kumimoji="1" lang="en-US" altLang="zh-CN" sz="2800" dirty="0"/>
+              <a:t>t</a:t>
+            </a:r>
+            <a:r>
+              <a:rPr kumimoji="1" lang="zh-CN" altLang="en-US" sz="2800" dirty="0"/>
+              <a:t>个元素不为</a:t>
+            </a:r>
+            <a:r>
+              <a:rPr kumimoji="1" lang="en-US" altLang="zh-CN" sz="2800" dirty="0"/>
+              <a:t>0</a:t>
+            </a:r>
+            <a:r>
+              <a:rPr kumimoji="1" lang="zh-CN" altLang="en-US" sz="2800" dirty="0"/>
+              <a:t>，令</a:t>
+            </a:r>
+            <a:r>
+              <a:rPr kumimoji="1" lang="en-US" altLang="zh-CN" sz="2800" dirty="0"/>
+              <a:t>α</a:t>
+            </a:r>
+            <a:r>
+              <a:rPr kumimoji="1" lang="zh-CN" altLang="en-US" sz="2800" dirty="0"/>
+              <a:t> </a:t>
+            </a:r>
+            <a:r>
+              <a:rPr kumimoji="1" lang="en-US" altLang="zh-CN" sz="2800" dirty="0"/>
+              <a:t>=</a:t>
+            </a:r>
+            <a:r>
+              <a:rPr kumimoji="1" lang="zh-CN" altLang="en-US" sz="2800" dirty="0"/>
+              <a:t> </a:t>
+            </a:r>
+            <a:r>
+              <a:rPr kumimoji="1" lang="en-US" altLang="zh-CN" sz="2800" dirty="0"/>
+              <a:t>t/(m</a:t>
+            </a:r>
+            <a:r>
+              <a:rPr kumimoji="1" lang="zh-CN" altLang="en-US" sz="2800" dirty="0"/>
+              <a:t>*</a:t>
+            </a:r>
+            <a:r>
+              <a:rPr kumimoji="1" lang="en-US" altLang="zh-CN" sz="2800" dirty="0"/>
+              <a:t>n)</a:t>
+            </a:r>
+            <a:r>
+              <a:rPr kumimoji="1" lang="zh-CN" altLang="en-US" sz="2800" dirty="0"/>
+              <a:t> 为矩阵的稀疏因子。通常认为，</a:t>
+            </a:r>
+            <a:r>
+              <a:rPr kumimoji="1" lang="en-US" altLang="zh-CN" sz="2800" dirty="0"/>
+              <a:t>α≤0.05</a:t>
+            </a:r>
+            <a:r>
+              <a:rPr kumimoji="1" lang="zh-CN" altLang="en-US" sz="2800" dirty="0"/>
+              <a:t>的时候成为稀疏矩阵。</a:t>
+            </a:r>
+          </a:p>
+        </p:txBody>
+      </p:sp>
+      <p:sp>
+        <p:nvSpPr>
+          <p:cNvPr id="4" name="文本框 3">
+            <a:extLst>
+              <a:ext uri="{FF2B5EF4-FFF2-40B4-BE49-F238E27FC236}">
+                <a16:creationId xmlns:a16="http://schemas.microsoft.com/office/drawing/2014/main" id="{2AAFB269-7076-7448-92B5-5A2E650021D7}"/>
+              </a:ext>
+            </a:extLst>
+          </p:cNvPr>
+          <p:cNvSpPr txBox="1"/>
+          <p:nvPr/>
+        </p:nvSpPr>
+        <p:spPr>
+          <a:xfrm>
+            <a:off x="540000" y="1800000"/>
+            <a:ext cx="1070042" cy="542675"/>
+          </a:xfrm>
+          <a:prstGeom prst="rect">
+            <a:avLst/>
+          </a:prstGeom>
+          <a:solidFill>
+            <a:schemeClr val="accent2"/>
+          </a:solidFill>
+        </p:spPr>
+        <p:txBody>
+          <a:bodyPr wrap="square" rtlCol="0">
+            <a:spAutoFit/>
+          </a:bodyPr>
+          <a:lstStyle/>
+          <a:p>
+            <a:r>
               <a:rPr kumimoji="1" lang="zh-CN" altLang="en-US" sz="2800" dirty="0">
-                <a:latin typeface="Microsoft YaHei" panose="020B0503020204020204" pitchFamily="34" charset="-122"/>
-                <a:ea typeface="Microsoft YaHei" panose="020B0503020204020204" pitchFamily="34" charset="-122"/>
-              </a:rPr>
-              <a:t>重点： 两种存储方式 以及它们对应的</a:t>
-            </a:r>
-            <a:r>
-              <a:rPr kumimoji="1" lang="en-US" altLang="zh-CN" sz="2800" dirty="0">
-                <a:latin typeface="Microsoft YaHei" panose="020B0503020204020204" pitchFamily="34" charset="-122"/>
-                <a:ea typeface="Microsoft YaHei" panose="020B0503020204020204" pitchFamily="34" charset="-122"/>
-              </a:rPr>
-              <a:t>crud</a:t>
-            </a:r>
-            <a:endParaRPr kumimoji="1" lang="zh-CN" altLang="en-US" sz="2800" dirty="0">
-              <a:latin typeface="Microsoft YaHei" panose="020B0503020204020204" pitchFamily="34" charset="-122"/>
-              <a:ea typeface="Microsoft YaHei" panose="020B0503020204020204" pitchFamily="34" charset="-122"/>
-            </a:endParaRPr>
-          </a:p>
-        </p:txBody>
-      </p:sp>
+                <a:solidFill>
+                  <a:schemeClr val="bg1"/>
+                </a:solidFill>
+                <a:latin typeface="Microsoft YaHei" panose="020B0503020204020204" pitchFamily="34" charset="-122"/>
+                <a:ea typeface="Microsoft YaHei" panose="020B0503020204020204" pitchFamily="34" charset="-122"/>
+              </a:rPr>
+              <a:t>定义</a:t>
+            </a:r>
+          </a:p>
+        </p:txBody>
+      </p:sp>
+      <p:pic>
+        <p:nvPicPr>
+          <p:cNvPr id="5" name="图片 4">
+            <a:extLst>
+              <a:ext uri="{FF2B5EF4-FFF2-40B4-BE49-F238E27FC236}">
+                <a16:creationId xmlns:a16="http://schemas.microsoft.com/office/drawing/2014/main" id="{7FFE7B75-EDE6-B846-AA58-A86EA4BD8A87}"/>
+              </a:ext>
+            </a:extLst>
+          </p:cNvPr>
+          <p:cNvPicPr>
+            <a:picLocks noChangeAspect="1"/>
+          </p:cNvPicPr>
+          <p:nvPr/>
+        </p:nvPicPr>
+        <p:blipFill>
+          <a:blip r:embed="rId3"/>
+          <a:stretch>
+            <a:fillRect/>
+          </a:stretch>
+        </p:blipFill>
+        <p:spPr>
+          <a:xfrm>
+            <a:off x="4453659" y="4218019"/>
+            <a:ext cx="3284682" cy="2496358"/>
+          </a:xfrm>
+          <a:prstGeom prst="rect">
+            <a:avLst/>
+          </a:prstGeom>
+        </p:spPr>
+      </p:pic>
     </p:spTree>
     <p:extLst>
       <p:ext uri="{BB962C8B-B14F-4D97-AF65-F5344CB8AC3E}">
-        <p14:creationId xmlns:p14="http://schemas.microsoft.com/office/powerpoint/2010/main" val="4062917305"/>
+        <p14:creationId xmlns:p14="http://schemas.microsoft.com/office/powerpoint/2010/main" val="1742615019"/>
       </p:ext>
     </p:extLst>
   </p:cSld>

--- a/ppt/5.数组和广义表.pptx
+++ b/ppt/5.数组和广义表.pptx
@@ -5,7 +5,7 @@
     <p:sldMasterId id="2147483648" r:id="rId1"/>
   </p:sldMasterIdLst>
   <p:notesMasterIdLst>
-    <p:notesMasterId r:id="rId18"/>
+    <p:notesMasterId r:id="rId22"/>
   </p:notesMasterIdLst>
   <p:sldIdLst>
     <p:sldId id="258" r:id="rId2"/>
@@ -19,11 +19,15 @@
     <p:sldId id="283" r:id="rId10"/>
     <p:sldId id="291" r:id="rId11"/>
     <p:sldId id="294" r:id="rId12"/>
-    <p:sldId id="296" r:id="rId13"/>
-    <p:sldId id="295" r:id="rId14"/>
-    <p:sldId id="297" r:id="rId15"/>
-    <p:sldId id="292" r:id="rId16"/>
-    <p:sldId id="288" r:id="rId17"/>
+    <p:sldId id="295" r:id="rId13"/>
+    <p:sldId id="299" r:id="rId14"/>
+    <p:sldId id="298" r:id="rId15"/>
+    <p:sldId id="296" r:id="rId16"/>
+    <p:sldId id="301" r:id="rId17"/>
+    <p:sldId id="300" r:id="rId18"/>
+    <p:sldId id="302" r:id="rId19"/>
+    <p:sldId id="292" r:id="rId20"/>
+    <p:sldId id="288" r:id="rId21"/>
   </p:sldIdLst>
   <p:sldSz cx="12192000" cy="6858000"/>
   <p:notesSz cx="6858000" cy="9144000"/>
@@ -142,9 +146,13 @@
             <p14:sldId id="283"/>
             <p14:sldId id="291"/>
             <p14:sldId id="294"/>
+            <p14:sldId id="295"/>
+            <p14:sldId id="299"/>
+            <p14:sldId id="298"/>
             <p14:sldId id="296"/>
-            <p14:sldId id="295"/>
-            <p14:sldId id="297"/>
+            <p14:sldId id="301"/>
+            <p14:sldId id="300"/>
+            <p14:sldId id="302"/>
             <p14:sldId id="292"/>
             <p14:sldId id="288"/>
           </p14:sldIdLst>
@@ -240,7 +248,7 @@
           <a:p>
             <a:fld id="{66C3546E-20F6-7649-A9A4-4E4A245D3E82}" type="datetimeFigureOut">
               <a:rPr kumimoji="1" lang="zh-CN" altLang="en-US" smtClean="0"/>
-              <a:t>2020/3/5</a:t>
+              <a:t>2020/4/11</a:t>
             </a:fld>
             <a:endParaRPr kumimoji="1" lang="zh-CN" altLang="en-US"/>
           </a:p>
@@ -584,7 +592,7 @@
     </p:spTree>
     <p:extLst>
       <p:ext uri="{BB962C8B-B14F-4D97-AF65-F5344CB8AC3E}">
-        <p14:creationId xmlns:p14="http://schemas.microsoft.com/office/powerpoint/2010/main" val="441079160"/>
+        <p14:creationId xmlns:p14="http://schemas.microsoft.com/office/powerpoint/2010/main" val="1592844804"/>
       </p:ext>
     </p:extLst>
   </p:cSld>
@@ -671,7 +679,7 @@
     </p:spTree>
     <p:extLst>
       <p:ext uri="{BB962C8B-B14F-4D97-AF65-F5344CB8AC3E}">
-        <p14:creationId xmlns:p14="http://schemas.microsoft.com/office/powerpoint/2010/main" val="1592844804"/>
+        <p14:creationId xmlns:p14="http://schemas.microsoft.com/office/powerpoint/2010/main" val="3232010651"/>
       </p:ext>
     </p:extLst>
   </p:cSld>
@@ -758,7 +766,7 @@
     </p:spTree>
     <p:extLst>
       <p:ext uri="{BB962C8B-B14F-4D97-AF65-F5344CB8AC3E}">
-        <p14:creationId xmlns:p14="http://schemas.microsoft.com/office/powerpoint/2010/main" val="4174004877"/>
+        <p14:creationId xmlns:p14="http://schemas.microsoft.com/office/powerpoint/2010/main" val="1379038787"/>
       </p:ext>
     </p:extLst>
   </p:cSld>
@@ -812,7 +820,10 @@
           <a:bodyPr/>
           <a:lstStyle/>
           <a:p>
-            <a:endParaRPr kumimoji="1" lang="zh-CN" altLang="en-US" dirty="0"/>
+            <a:r>
+              <a:rPr kumimoji="1" lang="zh-CN" altLang="en-US" dirty="0"/>
+              <a:t>三元组的元素以行序为主序存储</a:t>
+            </a:r>
           </a:p>
         </p:txBody>
       </p:sp>
@@ -842,7 +853,7 @@
     </p:spTree>
     <p:extLst>
       <p:ext uri="{BB962C8B-B14F-4D97-AF65-F5344CB8AC3E}">
-        <p14:creationId xmlns:p14="http://schemas.microsoft.com/office/powerpoint/2010/main" val="2575856176"/>
+        <p14:creationId xmlns:p14="http://schemas.microsoft.com/office/powerpoint/2010/main" val="441079160"/>
       </p:ext>
     </p:extLst>
   </p:cSld>
@@ -896,7 +907,7 @@
           <a:bodyPr/>
           <a:lstStyle/>
           <a:p>
-            <a:endParaRPr kumimoji="1" lang="zh-CN" altLang="en-US"/>
+            <a:endParaRPr kumimoji="1" lang="zh-CN" altLang="en-US" dirty="0"/>
           </a:p>
         </p:txBody>
       </p:sp>
@@ -918,6 +929,342 @@
             <a:fld id="{0F8E57A1-C481-6944-857F-EAC8E932B5ED}" type="slidenum">
               <a:rPr kumimoji="1" lang="zh-CN" altLang="en-US" smtClean="0"/>
               <a:t>16</a:t>
+            </a:fld>
+            <a:endParaRPr kumimoji="1" lang="zh-CN" altLang="en-US"/>
+          </a:p>
+        </p:txBody>
+      </p:sp>
+    </p:spTree>
+    <p:extLst>
+      <p:ext uri="{BB962C8B-B14F-4D97-AF65-F5344CB8AC3E}">
+        <p14:creationId xmlns:p14="http://schemas.microsoft.com/office/powerpoint/2010/main" val="4068015744"/>
+      </p:ext>
+    </p:extLst>
+  </p:cSld>
+  <p:clrMapOvr>
+    <a:masterClrMapping/>
+  </p:clrMapOvr>
+</p:notes>
+</file>
+
+<file path=ppt/notesSlides/notesSlide6.xml><?xml version="1.0" encoding="utf-8"?>
+<p:notes xmlns:a="http://schemas.openxmlformats.org/drawingml/2006/main" xmlns:r="http://schemas.openxmlformats.org/officeDocument/2006/relationships" xmlns:p="http://schemas.openxmlformats.org/presentationml/2006/main">
+  <p:cSld>
+    <p:spTree>
+      <p:nvGrpSpPr>
+        <p:cNvPr id="1" name=""/>
+        <p:cNvGrpSpPr/>
+        <p:nvPr/>
+      </p:nvGrpSpPr>
+      <p:grpSpPr>
+        <a:xfrm>
+          <a:off x="0" y="0"/>
+          <a:ext cx="0" cy="0"/>
+          <a:chOff x="0" y="0"/>
+          <a:chExt cx="0" cy="0"/>
+        </a:xfrm>
+      </p:grpSpPr>
+      <p:sp>
+        <p:nvSpPr>
+          <p:cNvPr id="2" name="幻灯片图像占位符 1"/>
+          <p:cNvSpPr>
+            <a:spLocks noGrp="1" noRot="1" noChangeAspect="1"/>
+          </p:cNvSpPr>
+          <p:nvPr>
+            <p:ph type="sldImg"/>
+          </p:nvPr>
+        </p:nvSpPr>
+        <p:spPr/>
+      </p:sp>
+      <p:sp>
+        <p:nvSpPr>
+          <p:cNvPr id="3" name="备注占位符 2"/>
+          <p:cNvSpPr>
+            <a:spLocks noGrp="1"/>
+          </p:cNvSpPr>
+          <p:nvPr>
+            <p:ph type="body" idx="1"/>
+          </p:nvPr>
+        </p:nvSpPr>
+        <p:spPr/>
+        <p:txBody>
+          <a:bodyPr/>
+          <a:lstStyle/>
+          <a:p>
+            <a:endParaRPr kumimoji="1" lang="zh-CN" altLang="en-US" dirty="0"/>
+          </a:p>
+        </p:txBody>
+      </p:sp>
+      <p:sp>
+        <p:nvSpPr>
+          <p:cNvPr id="4" name="灯片编号占位符 3"/>
+          <p:cNvSpPr>
+            <a:spLocks noGrp="1"/>
+          </p:cNvSpPr>
+          <p:nvPr>
+            <p:ph type="sldNum" sz="quarter" idx="5"/>
+          </p:nvPr>
+        </p:nvSpPr>
+        <p:spPr/>
+        <p:txBody>
+          <a:bodyPr/>
+          <a:lstStyle/>
+          <a:p>
+            <a:fld id="{0F8E57A1-C481-6944-857F-EAC8E932B5ED}" type="slidenum">
+              <a:rPr kumimoji="1" lang="zh-CN" altLang="en-US" smtClean="0"/>
+              <a:t>17</a:t>
+            </a:fld>
+            <a:endParaRPr kumimoji="1" lang="zh-CN" altLang="en-US"/>
+          </a:p>
+        </p:txBody>
+      </p:sp>
+    </p:spTree>
+    <p:extLst>
+      <p:ext uri="{BB962C8B-B14F-4D97-AF65-F5344CB8AC3E}">
+        <p14:creationId xmlns:p14="http://schemas.microsoft.com/office/powerpoint/2010/main" val="1491287727"/>
+      </p:ext>
+    </p:extLst>
+  </p:cSld>
+  <p:clrMapOvr>
+    <a:masterClrMapping/>
+  </p:clrMapOvr>
+</p:notes>
+</file>
+
+<file path=ppt/notesSlides/notesSlide7.xml><?xml version="1.0" encoding="utf-8"?>
+<p:notes xmlns:a="http://schemas.openxmlformats.org/drawingml/2006/main" xmlns:r="http://schemas.openxmlformats.org/officeDocument/2006/relationships" xmlns:p="http://schemas.openxmlformats.org/presentationml/2006/main">
+  <p:cSld>
+    <p:spTree>
+      <p:nvGrpSpPr>
+        <p:cNvPr id="1" name=""/>
+        <p:cNvGrpSpPr/>
+        <p:nvPr/>
+      </p:nvGrpSpPr>
+      <p:grpSpPr>
+        <a:xfrm>
+          <a:off x="0" y="0"/>
+          <a:ext cx="0" cy="0"/>
+          <a:chOff x="0" y="0"/>
+          <a:chExt cx="0" cy="0"/>
+        </a:xfrm>
+      </p:grpSpPr>
+      <p:sp>
+        <p:nvSpPr>
+          <p:cNvPr id="2" name="幻灯片图像占位符 1"/>
+          <p:cNvSpPr>
+            <a:spLocks noGrp="1" noRot="1" noChangeAspect="1"/>
+          </p:cNvSpPr>
+          <p:nvPr>
+            <p:ph type="sldImg"/>
+          </p:nvPr>
+        </p:nvSpPr>
+        <p:spPr/>
+      </p:sp>
+      <p:sp>
+        <p:nvSpPr>
+          <p:cNvPr id="3" name="备注占位符 2"/>
+          <p:cNvSpPr>
+            <a:spLocks noGrp="1"/>
+          </p:cNvSpPr>
+          <p:nvPr>
+            <p:ph type="body" idx="1"/>
+          </p:nvPr>
+        </p:nvSpPr>
+        <p:spPr/>
+        <p:txBody>
+          <a:bodyPr/>
+          <a:lstStyle/>
+          <a:p>
+            <a:endParaRPr kumimoji="1" lang="zh-CN" altLang="en-US" dirty="0"/>
+          </a:p>
+        </p:txBody>
+      </p:sp>
+      <p:sp>
+        <p:nvSpPr>
+          <p:cNvPr id="4" name="灯片编号占位符 3"/>
+          <p:cNvSpPr>
+            <a:spLocks noGrp="1"/>
+          </p:cNvSpPr>
+          <p:nvPr>
+            <p:ph type="sldNum" sz="quarter" idx="5"/>
+          </p:nvPr>
+        </p:nvSpPr>
+        <p:spPr/>
+        <p:txBody>
+          <a:bodyPr/>
+          <a:lstStyle/>
+          <a:p>
+            <a:fld id="{0F8E57A1-C481-6944-857F-EAC8E932B5ED}" type="slidenum">
+              <a:rPr kumimoji="1" lang="zh-CN" altLang="en-US" smtClean="0"/>
+              <a:t>18</a:t>
+            </a:fld>
+            <a:endParaRPr kumimoji="1" lang="zh-CN" altLang="en-US"/>
+          </a:p>
+        </p:txBody>
+      </p:sp>
+    </p:spTree>
+    <p:extLst>
+      <p:ext uri="{BB962C8B-B14F-4D97-AF65-F5344CB8AC3E}">
+        <p14:creationId xmlns:p14="http://schemas.microsoft.com/office/powerpoint/2010/main" val="3764812374"/>
+      </p:ext>
+    </p:extLst>
+  </p:cSld>
+  <p:clrMapOvr>
+    <a:masterClrMapping/>
+  </p:clrMapOvr>
+</p:notes>
+</file>
+
+<file path=ppt/notesSlides/notesSlide8.xml><?xml version="1.0" encoding="utf-8"?>
+<p:notes xmlns:a="http://schemas.openxmlformats.org/drawingml/2006/main" xmlns:r="http://schemas.openxmlformats.org/officeDocument/2006/relationships" xmlns:p="http://schemas.openxmlformats.org/presentationml/2006/main">
+  <p:cSld>
+    <p:spTree>
+      <p:nvGrpSpPr>
+        <p:cNvPr id="1" name=""/>
+        <p:cNvGrpSpPr/>
+        <p:nvPr/>
+      </p:nvGrpSpPr>
+      <p:grpSpPr>
+        <a:xfrm>
+          <a:off x="0" y="0"/>
+          <a:ext cx="0" cy="0"/>
+          <a:chOff x="0" y="0"/>
+          <a:chExt cx="0" cy="0"/>
+        </a:xfrm>
+      </p:grpSpPr>
+      <p:sp>
+        <p:nvSpPr>
+          <p:cNvPr id="2" name="幻灯片图像占位符 1"/>
+          <p:cNvSpPr>
+            <a:spLocks noGrp="1" noRot="1" noChangeAspect="1"/>
+          </p:cNvSpPr>
+          <p:nvPr>
+            <p:ph type="sldImg"/>
+          </p:nvPr>
+        </p:nvSpPr>
+        <p:spPr/>
+      </p:sp>
+      <p:sp>
+        <p:nvSpPr>
+          <p:cNvPr id="3" name="备注占位符 2"/>
+          <p:cNvSpPr>
+            <a:spLocks noGrp="1"/>
+          </p:cNvSpPr>
+          <p:nvPr>
+            <p:ph type="body" idx="1"/>
+          </p:nvPr>
+        </p:nvSpPr>
+        <p:spPr/>
+        <p:txBody>
+          <a:bodyPr/>
+          <a:lstStyle/>
+          <a:p>
+            <a:endParaRPr kumimoji="1" lang="zh-CN" altLang="en-US" dirty="0"/>
+          </a:p>
+        </p:txBody>
+      </p:sp>
+      <p:sp>
+        <p:nvSpPr>
+          <p:cNvPr id="4" name="灯片编号占位符 3"/>
+          <p:cNvSpPr>
+            <a:spLocks noGrp="1"/>
+          </p:cNvSpPr>
+          <p:nvPr>
+            <p:ph type="sldNum" sz="quarter" idx="5"/>
+          </p:nvPr>
+        </p:nvSpPr>
+        <p:spPr/>
+        <p:txBody>
+          <a:bodyPr/>
+          <a:lstStyle/>
+          <a:p>
+            <a:fld id="{0F8E57A1-C481-6944-857F-EAC8E932B5ED}" type="slidenum">
+              <a:rPr kumimoji="1" lang="zh-CN" altLang="en-US" smtClean="0"/>
+              <a:t>19</a:t>
+            </a:fld>
+            <a:endParaRPr kumimoji="1" lang="zh-CN" altLang="en-US"/>
+          </a:p>
+        </p:txBody>
+      </p:sp>
+    </p:spTree>
+    <p:extLst>
+      <p:ext uri="{BB962C8B-B14F-4D97-AF65-F5344CB8AC3E}">
+        <p14:creationId xmlns:p14="http://schemas.microsoft.com/office/powerpoint/2010/main" val="2575856176"/>
+      </p:ext>
+    </p:extLst>
+  </p:cSld>
+  <p:clrMapOvr>
+    <a:masterClrMapping/>
+  </p:clrMapOvr>
+</p:notes>
+</file>
+
+<file path=ppt/notesSlides/notesSlide9.xml><?xml version="1.0" encoding="utf-8"?>
+<p:notes xmlns:a="http://schemas.openxmlformats.org/drawingml/2006/main" xmlns:r="http://schemas.openxmlformats.org/officeDocument/2006/relationships" xmlns:p="http://schemas.openxmlformats.org/presentationml/2006/main">
+  <p:cSld>
+    <p:spTree>
+      <p:nvGrpSpPr>
+        <p:cNvPr id="1" name=""/>
+        <p:cNvGrpSpPr/>
+        <p:nvPr/>
+      </p:nvGrpSpPr>
+      <p:grpSpPr>
+        <a:xfrm>
+          <a:off x="0" y="0"/>
+          <a:ext cx="0" cy="0"/>
+          <a:chOff x="0" y="0"/>
+          <a:chExt cx="0" cy="0"/>
+        </a:xfrm>
+      </p:grpSpPr>
+      <p:sp>
+        <p:nvSpPr>
+          <p:cNvPr id="2" name="幻灯片图像占位符 1"/>
+          <p:cNvSpPr>
+            <a:spLocks noGrp="1" noRot="1" noChangeAspect="1"/>
+          </p:cNvSpPr>
+          <p:nvPr>
+            <p:ph type="sldImg"/>
+          </p:nvPr>
+        </p:nvSpPr>
+        <p:spPr/>
+      </p:sp>
+      <p:sp>
+        <p:nvSpPr>
+          <p:cNvPr id="3" name="备注占位符 2"/>
+          <p:cNvSpPr>
+            <a:spLocks noGrp="1"/>
+          </p:cNvSpPr>
+          <p:nvPr>
+            <p:ph type="body" idx="1"/>
+          </p:nvPr>
+        </p:nvSpPr>
+        <p:spPr/>
+        <p:txBody>
+          <a:bodyPr/>
+          <a:lstStyle/>
+          <a:p>
+            <a:endParaRPr kumimoji="1" lang="zh-CN" altLang="en-US"/>
+          </a:p>
+        </p:txBody>
+      </p:sp>
+      <p:sp>
+        <p:nvSpPr>
+          <p:cNvPr id="4" name="灯片编号占位符 3"/>
+          <p:cNvSpPr>
+            <a:spLocks noGrp="1"/>
+          </p:cNvSpPr>
+          <p:nvPr>
+            <p:ph type="sldNum" sz="quarter" idx="5"/>
+          </p:nvPr>
+        </p:nvSpPr>
+        <p:spPr/>
+        <p:txBody>
+          <a:bodyPr/>
+          <a:lstStyle/>
+          <a:p>
+            <a:fld id="{0F8E57A1-C481-6944-857F-EAC8E932B5ED}" type="slidenum">
+              <a:rPr kumimoji="1" lang="zh-CN" altLang="en-US" smtClean="0"/>
+              <a:t>20</a:t>
             </a:fld>
             <a:endParaRPr kumimoji="1" lang="zh-CN" altLang="en-US"/>
           </a:p>
@@ -1083,7 +1430,7 @@
           <a:p>
             <a:fld id="{1C49BB65-7B3F-4D4E-A397-BBFD82890A5A}" type="datetimeFigureOut">
               <a:rPr kumimoji="1" lang="zh-CN" altLang="en-US" smtClean="0"/>
-              <a:t>2020/3/5</a:t>
+              <a:t>2020/4/11</a:t>
             </a:fld>
             <a:endParaRPr kumimoji="1" lang="zh-CN" altLang="en-US"/>
           </a:p>
@@ -1281,7 +1628,7 @@
           <a:p>
             <a:fld id="{1C49BB65-7B3F-4D4E-A397-BBFD82890A5A}" type="datetimeFigureOut">
               <a:rPr kumimoji="1" lang="zh-CN" altLang="en-US" smtClean="0"/>
-              <a:t>2020/3/5</a:t>
+              <a:t>2020/4/11</a:t>
             </a:fld>
             <a:endParaRPr kumimoji="1" lang="zh-CN" altLang="en-US"/>
           </a:p>
@@ -1489,7 +1836,7 @@
           <a:p>
             <a:fld id="{1C49BB65-7B3F-4D4E-A397-BBFD82890A5A}" type="datetimeFigureOut">
               <a:rPr kumimoji="1" lang="zh-CN" altLang="en-US" smtClean="0"/>
-              <a:t>2020/3/5</a:t>
+              <a:t>2020/4/11</a:t>
             </a:fld>
             <a:endParaRPr kumimoji="1" lang="zh-CN" altLang="en-US"/>
           </a:p>
@@ -1687,7 +2034,7 @@
           <a:p>
             <a:fld id="{1C49BB65-7B3F-4D4E-A397-BBFD82890A5A}" type="datetimeFigureOut">
               <a:rPr kumimoji="1" lang="zh-CN" altLang="en-US" smtClean="0"/>
-              <a:t>2020/3/5</a:t>
+              <a:t>2020/4/11</a:t>
             </a:fld>
             <a:endParaRPr kumimoji="1" lang="zh-CN" altLang="en-US"/>
           </a:p>
@@ -1962,7 +2309,7 @@
           <a:p>
             <a:fld id="{1C49BB65-7B3F-4D4E-A397-BBFD82890A5A}" type="datetimeFigureOut">
               <a:rPr kumimoji="1" lang="zh-CN" altLang="en-US" smtClean="0"/>
-              <a:t>2020/3/5</a:t>
+              <a:t>2020/4/11</a:t>
             </a:fld>
             <a:endParaRPr kumimoji="1" lang="zh-CN" altLang="en-US"/>
           </a:p>
@@ -2227,7 +2574,7 @@
           <a:p>
             <a:fld id="{1C49BB65-7B3F-4D4E-A397-BBFD82890A5A}" type="datetimeFigureOut">
               <a:rPr kumimoji="1" lang="zh-CN" altLang="en-US" smtClean="0"/>
-              <a:t>2020/3/5</a:t>
+              <a:t>2020/4/11</a:t>
             </a:fld>
             <a:endParaRPr kumimoji="1" lang="zh-CN" altLang="en-US"/>
           </a:p>
@@ -2639,7 +2986,7 @@
           <a:p>
             <a:fld id="{1C49BB65-7B3F-4D4E-A397-BBFD82890A5A}" type="datetimeFigureOut">
               <a:rPr kumimoji="1" lang="zh-CN" altLang="en-US" smtClean="0"/>
-              <a:t>2020/3/5</a:t>
+              <a:t>2020/4/11</a:t>
             </a:fld>
             <a:endParaRPr kumimoji="1" lang="zh-CN" altLang="en-US"/>
           </a:p>
@@ -2780,7 +3127,7 @@
           <a:p>
             <a:fld id="{1C49BB65-7B3F-4D4E-A397-BBFD82890A5A}" type="datetimeFigureOut">
               <a:rPr kumimoji="1" lang="zh-CN" altLang="en-US" smtClean="0"/>
-              <a:t>2020/3/5</a:t>
+              <a:t>2020/4/11</a:t>
             </a:fld>
             <a:endParaRPr kumimoji="1" lang="zh-CN" altLang="en-US"/>
           </a:p>
@@ -3150,7 +3497,7 @@
           <a:p>
             <a:fld id="{1C49BB65-7B3F-4D4E-A397-BBFD82890A5A}" type="datetimeFigureOut">
               <a:rPr kumimoji="1" lang="zh-CN" altLang="en-US" smtClean="0"/>
-              <a:t>2020/3/5</a:t>
+              <a:t>2020/4/11</a:t>
             </a:fld>
             <a:endParaRPr kumimoji="1" lang="zh-CN" altLang="en-US"/>
           </a:p>
@@ -3438,7 +3785,7 @@
           <a:p>
             <a:fld id="{1C49BB65-7B3F-4D4E-A397-BBFD82890A5A}" type="datetimeFigureOut">
               <a:rPr kumimoji="1" lang="zh-CN" altLang="en-US" smtClean="0"/>
-              <a:t>2020/3/5</a:t>
+              <a:t>2020/4/11</a:t>
             </a:fld>
             <a:endParaRPr kumimoji="1" lang="zh-CN" altLang="en-US"/>
           </a:p>
@@ -3679,7 +4026,7 @@
           <a:p>
             <a:fld id="{1C49BB65-7B3F-4D4E-A397-BBFD82890A5A}" type="datetimeFigureOut">
               <a:rPr kumimoji="1" lang="zh-CN" altLang="en-US" smtClean="0"/>
-              <a:t>2020/3/5</a:t>
+              <a:t>2020/4/11</a:t>
             </a:fld>
             <a:endParaRPr kumimoji="1" lang="zh-CN" altLang="en-US"/>
           </a:p>
@@ -4772,17 +5119,61 @@
                 <a:latin typeface="Microsoft YaHei" panose="020B0503020204020204" pitchFamily="34" charset="-122"/>
                 <a:ea typeface="Microsoft YaHei" panose="020B0503020204020204" pitchFamily="34" charset="-122"/>
               </a:rPr>
-              <a:t>稀疏矩阵的代码示例</a:t>
-            </a:r>
-          </a:p>
-        </p:txBody>
-      </p:sp>
-      <p:sp>
-        <p:nvSpPr>
-          <p:cNvPr id="5" name="文本框 4">
-            <a:extLst>
-              <a:ext uri="{FF2B5EF4-FFF2-40B4-BE49-F238E27FC236}">
-                <a16:creationId xmlns:a16="http://schemas.microsoft.com/office/drawing/2014/main" id="{72C695EC-DD41-184A-965A-C83FF64BEC6B}"/>
+              <a:t>稀疏矩阵转置</a:t>
+            </a:r>
+            <a:r>
+              <a:rPr kumimoji="1" lang="en-US" altLang="zh-CN" sz="4800" dirty="0">
+                <a:latin typeface="Microsoft YaHei" panose="020B0503020204020204" pitchFamily="34" charset="-122"/>
+                <a:ea typeface="Microsoft YaHei" panose="020B0503020204020204" pitchFamily="34" charset="-122"/>
+              </a:rPr>
+              <a:t>---</a:t>
+            </a:r>
+            <a:r>
+              <a:rPr kumimoji="1" lang="zh-CN" altLang="en-US" sz="4800" dirty="0">
+                <a:latin typeface="Microsoft YaHei" panose="020B0503020204020204" pitchFamily="34" charset="-122"/>
+                <a:ea typeface="Microsoft YaHei" panose="020B0503020204020204" pitchFamily="34" charset="-122"/>
+              </a:rPr>
+              <a:t>普通方法</a:t>
+            </a:r>
+          </a:p>
+        </p:txBody>
+      </p:sp>
+      <p:pic>
+        <p:nvPicPr>
+          <p:cNvPr id="8" name="图片 7">
+            <a:extLst>
+              <a:ext uri="{FF2B5EF4-FFF2-40B4-BE49-F238E27FC236}">
+                <a16:creationId xmlns:a16="http://schemas.microsoft.com/office/drawing/2014/main" id="{16C0738A-BB57-5943-83A5-3F0B4E40D51F}"/>
+              </a:ext>
+            </a:extLst>
+          </p:cNvPr>
+          <p:cNvPicPr>
+            <a:picLocks noChangeAspect="1"/>
+          </p:cNvPicPr>
+          <p:nvPr/>
+        </p:nvPicPr>
+        <p:blipFill>
+          <a:blip r:embed="rId4"/>
+          <a:stretch>
+            <a:fillRect/>
+          </a:stretch>
+        </p:blipFill>
+        <p:spPr>
+          <a:xfrm>
+            <a:off x="4190321" y="5522454"/>
+            <a:ext cx="4114800" cy="1138687"/>
+          </a:xfrm>
+          <a:prstGeom prst="rect">
+            <a:avLst/>
+          </a:prstGeom>
+        </p:spPr>
+      </p:pic>
+      <p:sp>
+        <p:nvSpPr>
+          <p:cNvPr id="10" name="文本框 9">
+            <a:extLst>
+              <a:ext uri="{FF2B5EF4-FFF2-40B4-BE49-F238E27FC236}">
+                <a16:creationId xmlns:a16="http://schemas.microsoft.com/office/drawing/2014/main" id="{07322001-2190-3149-96B0-7FB10F144AE4}"/>
               </a:ext>
             </a:extLst>
           </p:cNvPr>
@@ -4791,8 +5182,51 @@
         </p:nvSpPr>
         <p:spPr>
           <a:xfrm>
-            <a:off x="2054352" y="2125867"/>
-            <a:ext cx="8856103" cy="4893647"/>
+            <a:off x="2730156" y="5958294"/>
+            <a:ext cx="1252543" cy="400111"/>
+          </a:xfrm>
+          <a:prstGeom prst="rect">
+            <a:avLst/>
+          </a:prstGeom>
+          <a:solidFill>
+            <a:schemeClr val="accent2"/>
+          </a:solidFill>
+        </p:spPr>
+        <p:txBody>
+          <a:bodyPr wrap="square" rtlCol="0">
+            <a:spAutoFit/>
+          </a:bodyPr>
+          <a:lstStyle/>
+          <a:p>
+            <a:r>
+              <a:rPr kumimoji="1" lang="zh-CN" altLang="en-US" sz="2000" dirty="0">
+                <a:solidFill>
+                  <a:schemeClr val="bg1"/>
+                </a:solidFill>
+                <a:latin typeface="Microsoft YaHei" panose="020B0503020204020204" pitchFamily="34" charset="-122"/>
+                <a:ea typeface="Microsoft YaHei" panose="020B0503020204020204" pitchFamily="34" charset="-122"/>
+              </a:rPr>
+              <a:t>普通方式</a:t>
+            </a:r>
+          </a:p>
+        </p:txBody>
+      </p:sp>
+      <p:sp>
+        <p:nvSpPr>
+          <p:cNvPr id="2" name="文本框 1">
+            <a:extLst>
+              <a:ext uri="{FF2B5EF4-FFF2-40B4-BE49-F238E27FC236}">
+                <a16:creationId xmlns:a16="http://schemas.microsoft.com/office/drawing/2014/main" id="{B9F68F2C-05A3-DB49-8C0A-1E099F00C1D2}"/>
+              </a:ext>
+            </a:extLst>
+          </p:cNvPr>
+          <p:cNvSpPr txBox="1"/>
+          <p:nvPr/>
+        </p:nvSpPr>
+        <p:spPr>
+          <a:xfrm>
+            <a:off x="768927" y="2014274"/>
+            <a:ext cx="4592782" cy="461665"/>
           </a:xfrm>
           <a:prstGeom prst="rect">
             <a:avLst/>
@@ -4806,210 +5240,150 @@
           <a:lstStyle/>
           <a:p>
             <a:r>
-              <a:rPr kumimoji="1" lang="zh-CN" altLang="en-US" sz="2400" dirty="0">
-                <a:latin typeface="Microsoft YaHei" panose="020B0503020204020204" pitchFamily="34" charset="-122"/>
-                <a:ea typeface="Microsoft YaHei" panose="020B0503020204020204" pitchFamily="34" charset="-122"/>
-              </a:rPr>
-              <a:t>书中例子：</a:t>
-            </a:r>
-            <a:endParaRPr kumimoji="1" lang="en-US" altLang="zh-CN" sz="2400" dirty="0">
-              <a:latin typeface="Microsoft YaHei" panose="020B0503020204020204" pitchFamily="34" charset="-122"/>
-              <a:ea typeface="Microsoft YaHei" panose="020B0503020204020204" pitchFamily="34" charset="-122"/>
-            </a:endParaRPr>
-          </a:p>
-          <a:p>
-            <a:endParaRPr kumimoji="1" lang="en-US" altLang="zh-CN" sz="2400" dirty="0">
-              <a:latin typeface="Microsoft YaHei" panose="020B0503020204020204" pitchFamily="34" charset="-122"/>
-              <a:ea typeface="Microsoft YaHei" panose="020B0503020204020204" pitchFamily="34" charset="-122"/>
-            </a:endParaRPr>
-          </a:p>
-          <a:p>
-            <a:r>
-              <a:rPr kumimoji="1" lang="zh-CN" altLang="en-US" sz="2400" b="1" dirty="0">
-                <a:latin typeface="Microsoft YaHei" panose="020B0503020204020204" pitchFamily="34" charset="-122"/>
-                <a:ea typeface="Microsoft YaHei" panose="020B0503020204020204" pitchFamily="34" charset="-122"/>
-              </a:rPr>
-              <a:t>参照书中案例：矩阵转置  （</a:t>
-            </a:r>
-            <a:r>
-              <a:rPr kumimoji="1" lang="en-US" altLang="zh-CN" sz="2400" b="1" dirty="0" err="1">
-                <a:latin typeface="Microsoft YaHei" panose="020B0503020204020204" pitchFamily="34" charset="-122"/>
-                <a:ea typeface="Microsoft YaHei" panose="020B0503020204020204" pitchFamily="34" charset="-122"/>
-              </a:rPr>
-              <a:t>a</a:t>
-            </a:r>
-            <a:r>
-              <a:rPr kumimoji="1" lang="en-US" altLang="zh-CN" sz="2400" b="1" baseline="-25000" dirty="0" err="1">
-                <a:latin typeface="Microsoft YaHei" panose="020B0503020204020204" pitchFamily="34" charset="-122"/>
-                <a:ea typeface="Microsoft YaHei" panose="020B0503020204020204" pitchFamily="34" charset="-122"/>
-              </a:rPr>
-              <a:t>ij</a:t>
-            </a:r>
-            <a:r>
-              <a:rPr kumimoji="1" lang="en-US" altLang="zh-CN" sz="2400" b="1" dirty="0">
-                <a:latin typeface="Microsoft YaHei" panose="020B0503020204020204" pitchFamily="34" charset="-122"/>
-                <a:ea typeface="Microsoft YaHei" panose="020B0503020204020204" pitchFamily="34" charset="-122"/>
-              </a:rPr>
-              <a:t>  </a:t>
-            </a:r>
-            <a:r>
-              <a:rPr kumimoji="1" lang="zh-CN" altLang="en-US" sz="2400" b="1" dirty="0">
-                <a:latin typeface="Microsoft YaHei" panose="020B0503020204020204" pitchFamily="34" charset="-122"/>
-                <a:ea typeface="Microsoft YaHei" panose="020B0503020204020204" pitchFamily="34" charset="-122"/>
-              </a:rPr>
-              <a:t>和 </a:t>
-            </a:r>
-            <a:r>
-              <a:rPr kumimoji="1" lang="en-US" altLang="zh-CN" sz="2400" b="1" dirty="0" err="1">
-                <a:latin typeface="Microsoft YaHei" panose="020B0503020204020204" pitchFamily="34" charset="-122"/>
-                <a:ea typeface="Microsoft YaHei" panose="020B0503020204020204" pitchFamily="34" charset="-122"/>
-              </a:rPr>
-              <a:t>a</a:t>
-            </a:r>
-            <a:r>
-              <a:rPr kumimoji="1" lang="en-US" altLang="zh-CN" sz="2400" b="1" baseline="-25000" dirty="0" err="1">
-                <a:latin typeface="Microsoft YaHei" panose="020B0503020204020204" pitchFamily="34" charset="-122"/>
-                <a:ea typeface="Microsoft YaHei" panose="020B0503020204020204" pitchFamily="34" charset="-122"/>
-              </a:rPr>
-              <a:t>ji</a:t>
-            </a:r>
-            <a:r>
-              <a:rPr kumimoji="1" lang="zh-CN" altLang="en-US" sz="2400" b="1" dirty="0">
-                <a:latin typeface="Microsoft YaHei" panose="020B0503020204020204" pitchFamily="34" charset="-122"/>
-                <a:ea typeface="Microsoft YaHei" panose="020B0503020204020204" pitchFamily="34" charset="-122"/>
-              </a:rPr>
-              <a:t>互换），用三元组的结构进行转换。</a:t>
-            </a:r>
-          </a:p>
-          <a:p>
-            <a:endParaRPr kumimoji="1" lang="en-US" altLang="zh-CN" sz="2400" dirty="0">
-              <a:latin typeface="Microsoft YaHei" panose="020B0503020204020204" pitchFamily="34" charset="-122"/>
-              <a:ea typeface="Microsoft YaHei" panose="020B0503020204020204" pitchFamily="34" charset="-122"/>
-            </a:endParaRPr>
-          </a:p>
-          <a:p>
-            <a:endParaRPr kumimoji="1" lang="en-US" altLang="zh-CN" sz="2400" dirty="0">
-              <a:latin typeface="Microsoft YaHei" panose="020B0503020204020204" pitchFamily="34" charset="-122"/>
-              <a:ea typeface="Microsoft YaHei" panose="020B0503020204020204" pitchFamily="34" charset="-122"/>
-            </a:endParaRPr>
-          </a:p>
-          <a:p>
-            <a:r>
-              <a:rPr kumimoji="1" lang="zh-CN" altLang="en-US" sz="2400" dirty="0">
-                <a:latin typeface="Microsoft YaHei" panose="020B0503020204020204" pitchFamily="34" charset="-122"/>
-                <a:ea typeface="Microsoft YaHei" panose="020B0503020204020204" pitchFamily="34" charset="-122"/>
-              </a:rPr>
-              <a:t>算法分析： </a:t>
-            </a:r>
-            <a:endParaRPr kumimoji="1" lang="en-US" altLang="zh-CN" sz="2400" dirty="0">
-              <a:latin typeface="Microsoft YaHei" panose="020B0503020204020204" pitchFamily="34" charset="-122"/>
-              <a:ea typeface="Microsoft YaHei" panose="020B0503020204020204" pitchFamily="34" charset="-122"/>
-            </a:endParaRPr>
-          </a:p>
-          <a:p>
-            <a:endParaRPr kumimoji="1" lang="en-US" altLang="zh-CN" sz="2400" dirty="0">
-              <a:latin typeface="Microsoft YaHei" panose="020B0503020204020204" pitchFamily="34" charset="-122"/>
-              <a:ea typeface="Microsoft YaHei" panose="020B0503020204020204" pitchFamily="34" charset="-122"/>
-            </a:endParaRPr>
-          </a:p>
-          <a:p>
-            <a:pPr marL="457200" indent="-457200">
-              <a:buFont typeface="+mj-lt"/>
-              <a:buAutoNum type="arabicPeriod"/>
-            </a:pPr>
-            <a:r>
-              <a:rPr kumimoji="1" lang="zh-CN" altLang="en-US" sz="2400" dirty="0">
-                <a:latin typeface="Microsoft YaHei" panose="020B0503020204020204" pitchFamily="34" charset="-122"/>
-                <a:ea typeface="Microsoft YaHei" panose="020B0503020204020204" pitchFamily="34" charset="-122"/>
-              </a:rPr>
-              <a:t>讲矩阵行列数值互换</a:t>
-            </a:r>
-            <a:endParaRPr kumimoji="1" lang="en-US" altLang="zh-CN" sz="2400" dirty="0">
-              <a:latin typeface="Microsoft YaHei" panose="020B0503020204020204" pitchFamily="34" charset="-122"/>
-              <a:ea typeface="Microsoft YaHei" panose="020B0503020204020204" pitchFamily="34" charset="-122"/>
-            </a:endParaRPr>
-          </a:p>
-          <a:p>
-            <a:pPr marL="457200" indent="-457200">
-              <a:buFont typeface="+mj-lt"/>
-              <a:buAutoNum type="arabicPeriod"/>
-            </a:pPr>
-            <a:r>
-              <a:rPr kumimoji="1" lang="zh-CN" altLang="en-US" sz="2400" dirty="0">
-                <a:latin typeface="Microsoft YaHei" panose="020B0503020204020204" pitchFamily="34" charset="-122"/>
-                <a:ea typeface="Microsoft YaHei" panose="020B0503020204020204" pitchFamily="34" charset="-122"/>
-              </a:rPr>
-              <a:t> 每个三元组中的 </a:t>
-            </a:r>
-            <a:r>
-              <a:rPr kumimoji="1" lang="en-US" altLang="zh-CN" sz="2400" dirty="0" err="1">
-                <a:latin typeface="Microsoft YaHei" panose="020B0503020204020204" pitchFamily="34" charset="-122"/>
-                <a:ea typeface="Microsoft YaHei" panose="020B0503020204020204" pitchFamily="34" charset="-122"/>
-              </a:rPr>
-              <a:t>i,j</a:t>
-            </a:r>
-            <a:r>
-              <a:rPr kumimoji="1" lang="zh-CN" altLang="en-US" sz="2400" dirty="0">
-                <a:latin typeface="Microsoft YaHei" panose="020B0503020204020204" pitchFamily="34" charset="-122"/>
-                <a:ea typeface="Microsoft YaHei" panose="020B0503020204020204" pitchFamily="34" charset="-122"/>
-              </a:rPr>
-              <a:t>互换</a:t>
-            </a:r>
-            <a:endParaRPr kumimoji="1" lang="en-US" altLang="zh-CN" sz="2400" dirty="0">
-              <a:latin typeface="Microsoft YaHei" panose="020B0503020204020204" pitchFamily="34" charset="-122"/>
-              <a:ea typeface="Microsoft YaHei" panose="020B0503020204020204" pitchFamily="34" charset="-122"/>
-            </a:endParaRPr>
-          </a:p>
-          <a:p>
-            <a:pPr marL="457200" indent="-457200">
-              <a:buFont typeface="+mj-lt"/>
-              <a:buAutoNum type="arabicPeriod"/>
-            </a:pPr>
-            <a:r>
-              <a:rPr kumimoji="1" lang="zh-CN" altLang="en-US" sz="2400" dirty="0">
-                <a:latin typeface="Microsoft YaHei" panose="020B0503020204020204" pitchFamily="34" charset="-122"/>
-                <a:ea typeface="Microsoft YaHei" panose="020B0503020204020204" pitchFamily="34" charset="-122"/>
-              </a:rPr>
-              <a:t>重排列三元组之间的次序也可以实现矩阵的转置</a:t>
-            </a:r>
-            <a:r>
-              <a:rPr kumimoji="1" lang="en-US" altLang="zh-CN" sz="2400" dirty="0">
-                <a:latin typeface="Microsoft YaHei" panose="020B0503020204020204" pitchFamily="34" charset="-122"/>
-                <a:ea typeface="Microsoft YaHei" panose="020B0503020204020204" pitchFamily="34" charset="-122"/>
-              </a:rPr>
-              <a:t>(</a:t>
-            </a:r>
-            <a:r>
-              <a:rPr kumimoji="1" lang="zh-CN" altLang="en-US" sz="2400" dirty="0">
-                <a:latin typeface="Microsoft YaHei" panose="020B0503020204020204" pitchFamily="34" charset="-122"/>
-                <a:ea typeface="Microsoft YaHei" panose="020B0503020204020204" pitchFamily="34" charset="-122"/>
-              </a:rPr>
-              <a:t>若是保持行有限存储，那转置后也要保持行优先存储</a:t>
-            </a:r>
-            <a:r>
-              <a:rPr kumimoji="1" lang="en-US" altLang="zh-CN" sz="2400" dirty="0">
-                <a:latin typeface="Microsoft YaHei" panose="020B0503020204020204" pitchFamily="34" charset="-122"/>
-                <a:ea typeface="Microsoft YaHei" panose="020B0503020204020204" pitchFamily="34" charset="-122"/>
-              </a:rPr>
-              <a:t>)</a:t>
-            </a:r>
-          </a:p>
-          <a:p>
-            <a:pPr marL="457200" indent="-457200">
-              <a:buFont typeface="+mj-lt"/>
-              <a:buAutoNum type="arabicPeriod"/>
-            </a:pPr>
-            <a:endParaRPr kumimoji="1" lang="en-US" altLang="zh-CN" sz="2400" dirty="0">
-              <a:latin typeface="Microsoft YaHei" panose="020B0503020204020204" pitchFamily="34" charset="-122"/>
-              <a:ea typeface="Microsoft YaHei" panose="020B0503020204020204" pitchFamily="34" charset="-122"/>
-            </a:endParaRPr>
-          </a:p>
-        </p:txBody>
-      </p:sp>
+              <a:rPr kumimoji="1" lang="en-US" altLang="zh-CN" sz="2400" dirty="0"/>
+              <a:t>m</a:t>
+            </a:r>
+            <a:r>
+              <a:rPr kumimoji="1" lang="zh-CN" altLang="en-US" sz="2400" dirty="0"/>
+              <a:t>*</a:t>
+            </a:r>
+            <a:r>
+              <a:rPr kumimoji="1" lang="en-US" altLang="zh-CN" sz="2400" dirty="0"/>
+              <a:t>n</a:t>
+            </a:r>
+            <a:r>
+              <a:rPr kumimoji="1" lang="zh-CN" altLang="en-US" sz="2400" dirty="0"/>
+              <a:t> 的矩阵 转置为 </a:t>
+            </a:r>
+            <a:r>
+              <a:rPr kumimoji="1" lang="en-US" altLang="zh-CN" sz="2400" dirty="0"/>
+              <a:t>n</a:t>
+            </a:r>
+            <a:r>
+              <a:rPr kumimoji="1" lang="zh-CN" altLang="en-US" sz="2400" dirty="0"/>
+              <a:t>*</a:t>
+            </a:r>
+            <a:r>
+              <a:rPr kumimoji="1" lang="en-US" altLang="zh-CN" sz="2400" dirty="0"/>
+              <a:t>m</a:t>
+            </a:r>
+            <a:r>
+              <a:rPr kumimoji="1" lang="zh-CN" altLang="en-US" sz="2400" dirty="0"/>
+              <a:t>的矩阵</a:t>
+            </a:r>
+          </a:p>
+        </p:txBody>
+      </p:sp>
+      <p:sp>
+        <p:nvSpPr>
+          <p:cNvPr id="7" name="右箭头 6">
+            <a:extLst>
+              <a:ext uri="{FF2B5EF4-FFF2-40B4-BE49-F238E27FC236}">
+                <a16:creationId xmlns:a16="http://schemas.microsoft.com/office/drawing/2014/main" id="{13A44816-55FC-A744-AA89-9533AB9D7021}"/>
+              </a:ext>
+            </a:extLst>
+          </p:cNvPr>
+          <p:cNvSpPr/>
+          <p:nvPr/>
+        </p:nvSpPr>
+        <p:spPr>
+          <a:xfrm>
+            <a:off x="5922045" y="3754319"/>
+            <a:ext cx="651352" cy="398983"/>
+          </a:xfrm>
+          <a:prstGeom prst="rightArrow">
+            <a:avLst/>
+          </a:prstGeom>
+        </p:spPr>
+        <p:style>
+          <a:lnRef idx="2">
+            <a:schemeClr val="accent1">
+              <a:shade val="50000"/>
+            </a:schemeClr>
+          </a:lnRef>
+          <a:fillRef idx="1">
+            <a:schemeClr val="accent1"/>
+          </a:fillRef>
+          <a:effectRef idx="0">
+            <a:schemeClr val="accent1"/>
+          </a:effectRef>
+          <a:fontRef idx="minor">
+            <a:schemeClr val="lt1"/>
+          </a:fontRef>
+        </p:style>
+        <p:txBody>
+          <a:bodyPr rtlCol="0" anchor="ctr"/>
+          <a:lstStyle/>
+          <a:p>
+            <a:pPr algn="ctr"/>
+            <a:endParaRPr kumimoji="1" lang="zh-CN" altLang="en-US" dirty="0"/>
+          </a:p>
+        </p:txBody>
+      </p:sp>
+      <p:pic>
+        <p:nvPicPr>
+          <p:cNvPr id="15" name="图片 14">
+            <a:extLst>
+              <a:ext uri="{FF2B5EF4-FFF2-40B4-BE49-F238E27FC236}">
+                <a16:creationId xmlns:a16="http://schemas.microsoft.com/office/drawing/2014/main" id="{6EB9312E-0DB4-3C46-9C31-B1BD5EFB2350}"/>
+              </a:ext>
+            </a:extLst>
+          </p:cNvPr>
+          <p:cNvPicPr>
+            <a:picLocks noChangeAspect="1"/>
+          </p:cNvPicPr>
+          <p:nvPr/>
+        </p:nvPicPr>
+        <p:blipFill>
+          <a:blip r:embed="rId5"/>
+          <a:stretch>
+            <a:fillRect/>
+          </a:stretch>
+        </p:blipFill>
+        <p:spPr>
+          <a:xfrm>
+            <a:off x="1072368" y="2850225"/>
+            <a:ext cx="4114799" cy="2207172"/>
+          </a:xfrm>
+          <a:prstGeom prst="rect">
+            <a:avLst/>
+          </a:prstGeom>
+        </p:spPr>
+      </p:pic>
+      <p:pic>
+        <p:nvPicPr>
+          <p:cNvPr id="16" name="图片 15">
+            <a:extLst>
+              <a:ext uri="{FF2B5EF4-FFF2-40B4-BE49-F238E27FC236}">
+                <a16:creationId xmlns:a16="http://schemas.microsoft.com/office/drawing/2014/main" id="{9E5D674D-137F-B341-84CC-1AE7B8C937F3}"/>
+              </a:ext>
+            </a:extLst>
+          </p:cNvPr>
+          <p:cNvPicPr>
+            <a:picLocks noChangeAspect="1"/>
+          </p:cNvPicPr>
+          <p:nvPr/>
+        </p:nvPicPr>
+        <p:blipFill>
+          <a:blip r:embed="rId6"/>
+          <a:stretch>
+            <a:fillRect/>
+          </a:stretch>
+        </p:blipFill>
+        <p:spPr>
+          <a:xfrm>
+            <a:off x="7308276" y="2851787"/>
+            <a:ext cx="3491673" cy="2213869"/>
+          </a:xfrm>
+          <a:prstGeom prst="rect">
+            <a:avLst/>
+          </a:prstGeom>
+        </p:spPr>
+      </p:pic>
     </p:spTree>
     <p:extLst>
       <p:ext uri="{BB962C8B-B14F-4D97-AF65-F5344CB8AC3E}">
-        <p14:creationId xmlns:p14="http://schemas.microsoft.com/office/powerpoint/2010/main" val="1325251065"/>
+        <p14:creationId xmlns:p14="http://schemas.microsoft.com/office/powerpoint/2010/main" val="3804763627"/>
       </p:ext>
     </p:extLst>
   </p:cSld>
@@ -5059,8 +5433,8 @@
         </p:nvSpPr>
         <p:spPr>
           <a:xfrm>
-            <a:off x="2054352" y="718220"/>
-            <a:ext cx="8083296" cy="830997"/>
+            <a:off x="2054352" y="804268"/>
+            <a:ext cx="8939230" cy="830997"/>
           </a:xfrm>
           <a:prstGeom prst="rect">
             <a:avLst/>
@@ -5086,17 +5460,31 @@
                 <a:latin typeface="Microsoft YaHei" panose="020B0503020204020204" pitchFamily="34" charset="-122"/>
                 <a:ea typeface="Microsoft YaHei" panose="020B0503020204020204" pitchFamily="34" charset="-122"/>
               </a:rPr>
-              <a:t>稀疏矩阵的代码示例</a:t>
+              <a:t>稀疏矩阵转置</a:t>
+            </a:r>
+            <a:r>
+              <a:rPr kumimoji="1" lang="en-US" altLang="zh-CN" sz="4800" dirty="0">
+                <a:latin typeface="Microsoft YaHei" panose="020B0503020204020204" pitchFamily="34" charset="-122"/>
+                <a:ea typeface="Microsoft YaHei" panose="020B0503020204020204" pitchFamily="34" charset="-122"/>
+              </a:rPr>
+              <a:t>---</a:t>
+            </a:r>
+            <a:r>
+              <a:rPr kumimoji="1" lang="zh-CN" altLang="en-US" sz="4800" dirty="0">
+                <a:latin typeface="Microsoft YaHei" panose="020B0503020204020204" pitchFamily="34" charset="-122"/>
+                <a:ea typeface="Microsoft YaHei" panose="020B0503020204020204" pitchFamily="34" charset="-122"/>
+              </a:rPr>
+              <a:t>三元组方法</a:t>
             </a:r>
           </a:p>
         </p:txBody>
       </p:sp>
       <p:pic>
         <p:nvPicPr>
-          <p:cNvPr id="8" name="图片 7">
-            <a:extLst>
-              <a:ext uri="{FF2B5EF4-FFF2-40B4-BE49-F238E27FC236}">
-                <a16:creationId xmlns:a16="http://schemas.microsoft.com/office/drawing/2014/main" id="{16C0738A-BB57-5943-83A5-3F0B4E40D51F}"/>
+          <p:cNvPr id="5" name="图片 4">
+            <a:extLst>
+              <a:ext uri="{FF2B5EF4-FFF2-40B4-BE49-F238E27FC236}">
+                <a16:creationId xmlns:a16="http://schemas.microsoft.com/office/drawing/2014/main" id="{7AB93817-33FD-B243-9703-0C94F54E95C6}"/>
               </a:ext>
             </a:extLst>
           </p:cNvPr>
@@ -5113,8 +5501,8 @@
         </p:blipFill>
         <p:spPr>
           <a:xfrm>
-            <a:off x="540000" y="4256438"/>
-            <a:ext cx="4114800" cy="1138687"/>
+            <a:off x="2904094" y="2385168"/>
+            <a:ext cx="2739407" cy="3668563"/>
           </a:xfrm>
           <a:prstGeom prst="rect">
             <a:avLst/>
@@ -5123,10 +5511,10 @@
       </p:pic>
       <p:pic>
         <p:nvPicPr>
-          <p:cNvPr id="9" name="图片 8">
-            <a:extLst>
-              <a:ext uri="{FF2B5EF4-FFF2-40B4-BE49-F238E27FC236}">
-                <a16:creationId xmlns:a16="http://schemas.microsoft.com/office/drawing/2014/main" id="{90712151-9817-CA4C-94A5-348C554E638D}"/>
+          <p:cNvPr id="6" name="图片 5">
+            <a:extLst>
+              <a:ext uri="{FF2B5EF4-FFF2-40B4-BE49-F238E27FC236}">
+                <a16:creationId xmlns:a16="http://schemas.microsoft.com/office/drawing/2014/main" id="{690A0A0C-AAA3-7241-918E-9DDF3734E8C0}"/>
               </a:ext>
             </a:extLst>
           </p:cNvPr>
@@ -5143,8 +5531,8 @@
         </p:blipFill>
         <p:spPr>
           <a:xfrm>
-            <a:off x="5512103" y="3409731"/>
-            <a:ext cx="6553200" cy="3289300"/>
+            <a:off x="6656965" y="2385168"/>
+            <a:ext cx="2631458" cy="3668563"/>
           </a:xfrm>
           <a:prstGeom prst="rect">
             <a:avLst/>
@@ -5153,106 +5541,20 @@
       </p:pic>
       <p:sp>
         <p:nvSpPr>
-          <p:cNvPr id="10" name="文本框 9">
-            <a:extLst>
-              <a:ext uri="{FF2B5EF4-FFF2-40B4-BE49-F238E27FC236}">
-                <a16:creationId xmlns:a16="http://schemas.microsoft.com/office/drawing/2014/main" id="{07322001-2190-3149-96B0-7FB10F144AE4}"/>
-              </a:ext>
-            </a:extLst>
-          </p:cNvPr>
-          <p:cNvSpPr txBox="1"/>
+          <p:cNvPr id="7" name="右箭头 6">
+            <a:extLst>
+              <a:ext uri="{FF2B5EF4-FFF2-40B4-BE49-F238E27FC236}">
+                <a16:creationId xmlns:a16="http://schemas.microsoft.com/office/drawing/2014/main" id="{13A44816-55FC-A744-AA89-9533AB9D7021}"/>
+              </a:ext>
+            </a:extLst>
+          </p:cNvPr>
+          <p:cNvSpPr/>
           <p:nvPr/>
         </p:nvSpPr>
         <p:spPr>
           <a:xfrm>
-            <a:off x="1075021" y="5931843"/>
-            <a:ext cx="1252543" cy="400111"/>
-          </a:xfrm>
-          <a:prstGeom prst="rect">
-            <a:avLst/>
-          </a:prstGeom>
-          <a:solidFill>
-            <a:schemeClr val="accent2"/>
-          </a:solidFill>
-        </p:spPr>
-        <p:txBody>
-          <a:bodyPr wrap="square" rtlCol="0">
-            <a:spAutoFit/>
-          </a:bodyPr>
-          <a:lstStyle/>
-          <a:p>
-            <a:r>
-              <a:rPr kumimoji="1" lang="zh-CN" altLang="en-US" sz="2000" dirty="0">
-                <a:solidFill>
-                  <a:schemeClr val="bg1"/>
-                </a:solidFill>
-                <a:latin typeface="Microsoft YaHei" panose="020B0503020204020204" pitchFamily="34" charset="-122"/>
-                <a:ea typeface="Microsoft YaHei" panose="020B0503020204020204" pitchFamily="34" charset="-122"/>
-              </a:rPr>
-              <a:t>普通方式</a:t>
-            </a:r>
-          </a:p>
-        </p:txBody>
-      </p:sp>
-      <p:sp>
-        <p:nvSpPr>
-          <p:cNvPr id="11" name="文本框 10">
-            <a:extLst>
-              <a:ext uri="{FF2B5EF4-FFF2-40B4-BE49-F238E27FC236}">
-                <a16:creationId xmlns:a16="http://schemas.microsoft.com/office/drawing/2014/main" id="{E85192AC-D6CB-364A-A04D-CF932C130E81}"/>
-              </a:ext>
-            </a:extLst>
-          </p:cNvPr>
-          <p:cNvSpPr txBox="1"/>
-          <p:nvPr/>
-        </p:nvSpPr>
-        <p:spPr>
-          <a:xfrm>
-            <a:off x="3288449" y="5939725"/>
-            <a:ext cx="1595799" cy="400110"/>
-          </a:xfrm>
-          <a:prstGeom prst="rect">
-            <a:avLst/>
-          </a:prstGeom>
-          <a:solidFill>
-            <a:schemeClr val="accent2"/>
-          </a:solidFill>
-        </p:spPr>
-        <p:txBody>
-          <a:bodyPr wrap="square" rtlCol="0">
-            <a:spAutoFit/>
-          </a:bodyPr>
-          <a:lstStyle/>
-          <a:p>
-            <a:r>
-              <a:rPr kumimoji="1" lang="zh-CN" altLang="en-US" sz="2000" dirty="0">
-                <a:solidFill>
-                  <a:schemeClr val="bg1"/>
-                </a:solidFill>
-                <a:latin typeface="Microsoft YaHei" panose="020B0503020204020204" pitchFamily="34" charset="-122"/>
-                <a:ea typeface="Microsoft YaHei" panose="020B0503020204020204" pitchFamily="34" charset="-122"/>
-              </a:rPr>
-              <a:t>三元组方式</a:t>
-            </a:r>
-          </a:p>
-        </p:txBody>
-      </p:sp>
-      <p:sp>
-        <p:nvSpPr>
-          <p:cNvPr id="12" name="右箭头 11">
-            <a:extLst>
-              <a:ext uri="{FF2B5EF4-FFF2-40B4-BE49-F238E27FC236}">
-                <a16:creationId xmlns:a16="http://schemas.microsoft.com/office/drawing/2014/main" id="{C80A4515-096D-A14B-BCA3-C78D737B2432}"/>
-              </a:ext>
-            </a:extLst>
-          </p:cNvPr>
-          <p:cNvSpPr/>
-          <p:nvPr/>
-        </p:nvSpPr>
-        <p:spPr>
-          <a:xfrm>
-            <a:off x="5049982" y="6048770"/>
-            <a:ext cx="290945" cy="200056"/>
+            <a:off x="5824557" y="4177321"/>
+            <a:ext cx="651352" cy="398983"/>
           </a:xfrm>
           <a:prstGeom prst="rightArrow">
             <a:avLst/>
@@ -5283,128 +5585,70 @@
           </a:p>
         </p:txBody>
       </p:sp>
-      <p:sp>
-        <p:nvSpPr>
-          <p:cNvPr id="13" name="上箭头 12">
-            <a:extLst>
-              <a:ext uri="{FF2B5EF4-FFF2-40B4-BE49-F238E27FC236}">
-                <a16:creationId xmlns:a16="http://schemas.microsoft.com/office/drawing/2014/main" id="{9F78F1D7-A212-B84B-8BC7-B20A1CE88837}"/>
-              </a:ext>
-            </a:extLst>
-          </p:cNvPr>
-          <p:cNvSpPr/>
+      <p:pic>
+        <p:nvPicPr>
+          <p:cNvPr id="11" name="图片 10">
+            <a:extLst>
+              <a:ext uri="{FF2B5EF4-FFF2-40B4-BE49-F238E27FC236}">
+                <a16:creationId xmlns:a16="http://schemas.microsoft.com/office/drawing/2014/main" id="{7F423ED8-5218-EB46-855E-C3CD7549F1FA}"/>
+              </a:ext>
+            </a:extLst>
+          </p:cNvPr>
+          <p:cNvPicPr>
+            <a:picLocks noChangeAspect="1"/>
+          </p:cNvPicPr>
           <p:nvPr/>
-        </p:nvSpPr>
+        </p:nvPicPr>
+        <p:blipFill>
+          <a:blip r:embed="rId6"/>
+          <a:stretch>
+            <a:fillRect/>
+          </a:stretch>
+        </p:blipFill>
         <p:spPr>
           <a:xfrm>
-            <a:off x="1610043" y="5436689"/>
-            <a:ext cx="177194" cy="400111"/>
-          </a:xfrm>
-          <a:prstGeom prst="upArrow">
-            <a:avLst/>
-          </a:prstGeom>
-        </p:spPr>
-        <p:style>
-          <a:lnRef idx="2">
-            <a:schemeClr val="accent1">
-              <a:shade val="50000"/>
-            </a:schemeClr>
-          </a:lnRef>
-          <a:fillRef idx="1">
-            <a:schemeClr val="accent1"/>
-          </a:fillRef>
-          <a:effectRef idx="0">
-            <a:schemeClr val="accent1"/>
-          </a:effectRef>
-          <a:fontRef idx="minor">
-            <a:schemeClr val="lt1"/>
-          </a:fontRef>
-        </p:style>
-        <p:txBody>
-          <a:bodyPr rtlCol="0" anchor="ctr"/>
-          <a:lstStyle/>
-          <a:p>
-            <a:pPr algn="ctr"/>
-            <a:endParaRPr kumimoji="1" lang="zh-CN" altLang="en-US"/>
-          </a:p>
-        </p:txBody>
-      </p:sp>
-      <p:sp>
-        <p:nvSpPr>
-          <p:cNvPr id="14" name="文本框 13">
-            <a:extLst>
-              <a:ext uri="{FF2B5EF4-FFF2-40B4-BE49-F238E27FC236}">
-                <a16:creationId xmlns:a16="http://schemas.microsoft.com/office/drawing/2014/main" id="{8B909BCD-922F-E148-9490-E76F8F6D08D7}"/>
-              </a:ext>
-            </a:extLst>
-          </p:cNvPr>
-          <p:cNvSpPr txBox="1"/>
-          <p:nvPr/>
-        </p:nvSpPr>
-        <p:spPr>
-          <a:xfrm>
-            <a:off x="5799169" y="2232860"/>
-            <a:ext cx="4030631" cy="923330"/>
+            <a:off x="280339" y="3522191"/>
+            <a:ext cx="2442699" cy="1310260"/>
           </a:xfrm>
           <a:prstGeom prst="rect">
             <a:avLst/>
           </a:prstGeom>
-          <a:solidFill>
-            <a:schemeClr val="accent2"/>
-          </a:solidFill>
         </p:spPr>
-        <p:txBody>
-          <a:bodyPr wrap="square" rtlCol="0">
-            <a:spAutoFit/>
-          </a:bodyPr>
-          <a:lstStyle/>
-          <a:p>
-            <a:r>
-              <a:rPr kumimoji="1" lang="zh-CN" altLang="en-US" dirty="0">
-                <a:solidFill>
-                  <a:schemeClr val="bg1"/>
-                </a:solidFill>
-              </a:rPr>
-              <a:t>三元组以行序为主序存储</a:t>
-            </a:r>
-            <a:endParaRPr kumimoji="1" lang="en-US" altLang="zh-CN" dirty="0">
-              <a:solidFill>
-                <a:schemeClr val="bg1"/>
-              </a:solidFill>
-            </a:endParaRPr>
-          </a:p>
-          <a:p>
-            <a:r>
-              <a:rPr kumimoji="1" lang="zh-CN" altLang="en-US" dirty="0">
-                <a:solidFill>
-                  <a:schemeClr val="bg1"/>
-                </a:solidFill>
-              </a:rPr>
-              <a:t>时间复杂度上，若</a:t>
-            </a:r>
-            <a:r>
-              <a:rPr kumimoji="1" lang="en-US" altLang="zh-CN" dirty="0" err="1">
-                <a:solidFill>
-                  <a:schemeClr val="bg1"/>
-                </a:solidFill>
-              </a:rPr>
-              <a:t>tu</a:t>
-            </a:r>
-            <a:r>
-              <a:rPr kumimoji="1" lang="zh-CN" altLang="en-US" dirty="0">
-                <a:solidFill>
-                  <a:schemeClr val="bg1"/>
-                </a:solidFill>
-              </a:rPr>
-              <a:t>比较小，那右边的算法是有时间优势的</a:t>
-            </a:r>
-          </a:p>
-        </p:txBody>
-      </p:sp>
+      </p:pic>
+      <p:pic>
+        <p:nvPicPr>
+          <p:cNvPr id="12" name="图片 11">
+            <a:extLst>
+              <a:ext uri="{FF2B5EF4-FFF2-40B4-BE49-F238E27FC236}">
+                <a16:creationId xmlns:a16="http://schemas.microsoft.com/office/drawing/2014/main" id="{6F090F7A-8A6A-B445-9752-BEC73F4458F6}"/>
+              </a:ext>
+            </a:extLst>
+          </p:cNvPr>
+          <p:cNvPicPr>
+            <a:picLocks noChangeAspect="1"/>
+          </p:cNvPicPr>
+          <p:nvPr/>
+        </p:nvPicPr>
+        <p:blipFill>
+          <a:blip r:embed="rId7"/>
+          <a:stretch>
+            <a:fillRect/>
+          </a:stretch>
+        </p:blipFill>
+        <p:spPr>
+          <a:xfrm>
+            <a:off x="9532652" y="3522191"/>
+            <a:ext cx="2204412" cy="1397691"/>
+          </a:xfrm>
+          <a:prstGeom prst="rect">
+            <a:avLst/>
+          </a:prstGeom>
+        </p:spPr>
+      </p:pic>
     </p:spTree>
     <p:extLst>
       <p:ext uri="{BB962C8B-B14F-4D97-AF65-F5344CB8AC3E}">
-        <p14:creationId xmlns:p14="http://schemas.microsoft.com/office/powerpoint/2010/main" val="3804763627"/>
+        <p14:creationId xmlns:p14="http://schemas.microsoft.com/office/powerpoint/2010/main" val="3276286253"/>
       </p:ext>
     </p:extLst>
   </p:cSld>
@@ -5440,216 +5684,12 @@
           <a:chExt cx="0" cy="0"/>
         </a:xfrm>
       </p:grpSpPr>
-      <p:sp>
-        <p:nvSpPr>
-          <p:cNvPr id="3" name="文本框 2">
-            <a:extLst>
-              <a:ext uri="{FF2B5EF4-FFF2-40B4-BE49-F238E27FC236}">
-                <a16:creationId xmlns:a16="http://schemas.microsoft.com/office/drawing/2014/main" id="{62BFC649-BF8E-2841-8EAF-47AFBF9D6671}"/>
-              </a:ext>
-            </a:extLst>
-          </p:cNvPr>
-          <p:cNvSpPr txBox="1"/>
-          <p:nvPr/>
-        </p:nvSpPr>
-        <p:spPr>
-          <a:xfrm>
-            <a:off x="2054352" y="718220"/>
-            <a:ext cx="8083296" cy="830997"/>
-          </a:xfrm>
-          <a:prstGeom prst="rect">
-            <a:avLst/>
-          </a:prstGeom>
-          <a:noFill/>
-        </p:spPr>
-        <p:txBody>
-          <a:bodyPr wrap="square" rtlCol="0">
-            <a:spAutoFit/>
-          </a:bodyPr>
-          <a:lstStyle/>
-          <a:p>
-            <a:pPr algn="ctr"/>
-            <a:r>
-              <a:rPr kumimoji="1" lang="en-US" altLang="zh-CN" sz="4800" dirty="0">
-                <a:latin typeface="Microsoft YaHei" panose="020B0503020204020204" pitchFamily="34" charset="-122"/>
-                <a:ea typeface="Microsoft YaHei" panose="020B0503020204020204" pitchFamily="34" charset="-122"/>
-              </a:rPr>
-              <a:t>4.</a:t>
-            </a:r>
-            <a:r>
-              <a:rPr kumimoji="1" lang="zh-CN" altLang="en-US" sz="4800" dirty="0">
-                <a:latin typeface="Microsoft YaHei" panose="020B0503020204020204" pitchFamily="34" charset="-122"/>
-                <a:ea typeface="Microsoft YaHei" panose="020B0503020204020204" pitchFamily="34" charset="-122"/>
-              </a:rPr>
-              <a:t>广义表</a:t>
-            </a:r>
-          </a:p>
-        </p:txBody>
-      </p:sp>
-      <p:sp>
-        <p:nvSpPr>
-          <p:cNvPr id="2" name="文本框 1">
-            <a:extLst>
-              <a:ext uri="{FF2B5EF4-FFF2-40B4-BE49-F238E27FC236}">
-                <a16:creationId xmlns:a16="http://schemas.microsoft.com/office/drawing/2014/main" id="{E9DE8AEE-0F45-714A-B649-B888A96B400F}"/>
-              </a:ext>
-            </a:extLst>
-          </p:cNvPr>
-          <p:cNvSpPr txBox="1"/>
-          <p:nvPr/>
-        </p:nvSpPr>
-        <p:spPr>
-          <a:xfrm>
-            <a:off x="1579418" y="2182091"/>
-            <a:ext cx="9601200" cy="1569660"/>
-          </a:xfrm>
-          <a:prstGeom prst="rect">
-            <a:avLst/>
-          </a:prstGeom>
-          <a:noFill/>
-        </p:spPr>
-        <p:txBody>
-          <a:bodyPr wrap="square" rtlCol="0">
-            <a:spAutoFit/>
-          </a:bodyPr>
-          <a:lstStyle/>
-          <a:p>
-            <a:r>
-              <a:rPr kumimoji="1" lang="zh-CN" altLang="en-US" sz="2400" dirty="0">
-                <a:latin typeface="Microsoft YaHei" panose="020B0503020204020204" pitchFamily="34" charset="-122"/>
-                <a:ea typeface="Microsoft YaHei" panose="020B0503020204020204" pitchFamily="34" charset="-122"/>
-              </a:rPr>
-              <a:t>广义表简单理解为：</a:t>
-            </a:r>
-            <a:endParaRPr kumimoji="1" lang="en-US" altLang="zh-CN" sz="2400" dirty="0">
-              <a:latin typeface="Microsoft YaHei" panose="020B0503020204020204" pitchFamily="34" charset="-122"/>
-              <a:ea typeface="Microsoft YaHei" panose="020B0503020204020204" pitchFamily="34" charset="-122"/>
-            </a:endParaRPr>
-          </a:p>
-          <a:p>
-            <a:r>
-              <a:rPr kumimoji="1" lang="en-US" altLang="zh-CN" sz="2400" dirty="0">
-                <a:latin typeface="Microsoft YaHei" panose="020B0503020204020204" pitchFamily="34" charset="-122"/>
-                <a:ea typeface="Microsoft YaHei" panose="020B0503020204020204" pitchFamily="34" charset="-122"/>
-              </a:rPr>
-              <a:t>1.</a:t>
-            </a:r>
-            <a:r>
-              <a:rPr kumimoji="1" lang="zh-CN" altLang="en-US" sz="2400" dirty="0">
-                <a:latin typeface="Microsoft YaHei" panose="020B0503020204020204" pitchFamily="34" charset="-122"/>
-                <a:ea typeface="Microsoft YaHei" panose="020B0503020204020204" pitchFamily="34" charset="-122"/>
-              </a:rPr>
-              <a:t> 成员包含：类型，数值 和 </a:t>
-            </a:r>
-            <a:r>
-              <a:rPr kumimoji="1" lang="en-US" altLang="zh-CN" sz="2400" dirty="0">
-                <a:latin typeface="Microsoft YaHei" panose="020B0503020204020204" pitchFamily="34" charset="-122"/>
-                <a:ea typeface="Microsoft YaHei" panose="020B0503020204020204" pitchFamily="34" charset="-122"/>
-              </a:rPr>
-              <a:t>next</a:t>
-            </a:r>
-            <a:r>
-              <a:rPr kumimoji="1" lang="zh-CN" altLang="en-US" sz="2400" dirty="0">
-                <a:latin typeface="Microsoft YaHei" panose="020B0503020204020204" pitchFamily="34" charset="-122"/>
-                <a:ea typeface="Microsoft YaHei" panose="020B0503020204020204" pitchFamily="34" charset="-122"/>
-              </a:rPr>
-              <a:t>指针</a:t>
-            </a:r>
-            <a:endParaRPr kumimoji="1" lang="en-US" altLang="zh-CN" sz="2400" dirty="0">
-              <a:latin typeface="Microsoft YaHei" panose="020B0503020204020204" pitchFamily="34" charset="-122"/>
-              <a:ea typeface="Microsoft YaHei" panose="020B0503020204020204" pitchFamily="34" charset="-122"/>
-            </a:endParaRPr>
-          </a:p>
-          <a:p>
-            <a:r>
-              <a:rPr kumimoji="1" lang="en-US" altLang="zh-CN" sz="2400" dirty="0">
-                <a:latin typeface="Microsoft YaHei" panose="020B0503020204020204" pitchFamily="34" charset="-122"/>
-                <a:ea typeface="Microsoft YaHei" panose="020B0503020204020204" pitchFamily="34" charset="-122"/>
-              </a:rPr>
-              <a:t>2.</a:t>
-            </a:r>
-            <a:r>
-              <a:rPr kumimoji="1" lang="zh-CN" altLang="en-US" sz="2400" dirty="0">
-                <a:latin typeface="Microsoft YaHei" panose="020B0503020204020204" pitchFamily="34" charset="-122"/>
-                <a:ea typeface="Microsoft YaHei" panose="020B0503020204020204" pitchFamily="34" charset="-122"/>
-              </a:rPr>
-              <a:t> 数值有</a:t>
-            </a:r>
-            <a:r>
-              <a:rPr kumimoji="1" lang="en-US" altLang="zh-CN" sz="2400" dirty="0">
-                <a:latin typeface="Microsoft YaHei" panose="020B0503020204020204" pitchFamily="34" charset="-122"/>
-                <a:ea typeface="Microsoft YaHei" panose="020B0503020204020204" pitchFamily="34" charset="-122"/>
-              </a:rPr>
-              <a:t>2</a:t>
-            </a:r>
-            <a:r>
-              <a:rPr kumimoji="1" lang="zh-CN" altLang="en-US" sz="2400" dirty="0">
-                <a:latin typeface="Microsoft YaHei" panose="020B0503020204020204" pitchFamily="34" charset="-122"/>
-                <a:ea typeface="Microsoft YaHei" panose="020B0503020204020204" pitchFamily="34" charset="-122"/>
-              </a:rPr>
-              <a:t>种类型   </a:t>
-            </a:r>
-            <a:r>
-              <a:rPr kumimoji="1" lang="en-US" altLang="zh-CN" sz="2400" dirty="0">
-                <a:latin typeface="Microsoft YaHei" panose="020B0503020204020204" pitchFamily="34" charset="-122"/>
-                <a:ea typeface="Microsoft YaHei" panose="020B0503020204020204" pitchFamily="34" charset="-122"/>
-              </a:rPr>
-              <a:t>0:</a:t>
-            </a:r>
-            <a:r>
-              <a:rPr kumimoji="1" lang="zh-CN" altLang="en-US" sz="2400" dirty="0">
-                <a:latin typeface="Microsoft YaHei" panose="020B0503020204020204" pitchFamily="34" charset="-122"/>
-                <a:ea typeface="Microsoft YaHei" panose="020B0503020204020204" pitchFamily="34" charset="-122"/>
-              </a:rPr>
-              <a:t> 存储数值的具体节点</a:t>
-            </a:r>
-            <a:r>
-              <a:rPr kumimoji="1" lang="en-US" altLang="zh-CN" sz="2400" dirty="0">
-                <a:latin typeface="Microsoft YaHei" panose="020B0503020204020204" pitchFamily="34" charset="-122"/>
-                <a:ea typeface="Microsoft YaHei" panose="020B0503020204020204" pitchFamily="34" charset="-122"/>
-              </a:rPr>
-              <a:t>;</a:t>
-            </a:r>
-            <a:r>
-              <a:rPr kumimoji="1" lang="zh-CN" altLang="en-US" sz="2400" dirty="0">
-                <a:latin typeface="Microsoft YaHei" panose="020B0503020204020204" pitchFamily="34" charset="-122"/>
-                <a:ea typeface="Microsoft YaHei" panose="020B0503020204020204" pitchFamily="34" charset="-122"/>
-              </a:rPr>
-              <a:t>  </a:t>
-            </a:r>
-            <a:r>
-              <a:rPr kumimoji="1" lang="en-US" altLang="zh-CN" sz="2400" dirty="0">
-                <a:latin typeface="Microsoft YaHei" panose="020B0503020204020204" pitchFamily="34" charset="-122"/>
-                <a:ea typeface="Microsoft YaHei" panose="020B0503020204020204" pitchFamily="34" charset="-122"/>
-              </a:rPr>
-              <a:t>1:</a:t>
-            </a:r>
-            <a:r>
-              <a:rPr kumimoji="1" lang="zh-CN" altLang="en-US" sz="2400" dirty="0">
-                <a:latin typeface="Microsoft YaHei" panose="020B0503020204020204" pitchFamily="34" charset="-122"/>
-                <a:ea typeface="Microsoft YaHei" panose="020B0503020204020204" pitchFamily="34" charset="-122"/>
-              </a:rPr>
-              <a:t>指向另一条广义表。</a:t>
-            </a:r>
-            <a:endParaRPr kumimoji="1" lang="en-US" altLang="zh-CN" sz="2400" dirty="0">
-              <a:latin typeface="Microsoft YaHei" panose="020B0503020204020204" pitchFamily="34" charset="-122"/>
-              <a:ea typeface="Microsoft YaHei" panose="020B0503020204020204" pitchFamily="34" charset="-122"/>
-            </a:endParaRPr>
-          </a:p>
-          <a:p>
-            <a:endParaRPr kumimoji="1" lang="en-US" altLang="zh-CN" sz="2400" dirty="0">
-              <a:latin typeface="Microsoft YaHei" panose="020B0503020204020204" pitchFamily="34" charset="-122"/>
-              <a:ea typeface="Microsoft YaHei" panose="020B0503020204020204" pitchFamily="34" charset="-122"/>
-            </a:endParaRPr>
-          </a:p>
-        </p:txBody>
-      </p:sp>
       <p:pic>
         <p:nvPicPr>
-          <p:cNvPr id="4" name="图片 3">
-            <a:extLst>
-              <a:ext uri="{FF2B5EF4-FFF2-40B4-BE49-F238E27FC236}">
-                <a16:creationId xmlns:a16="http://schemas.microsoft.com/office/drawing/2014/main" id="{A01FA0F1-5579-0440-B128-51CCAD869722}"/>
+          <p:cNvPr id="9" name="图片 8">
+            <a:extLst>
+              <a:ext uri="{FF2B5EF4-FFF2-40B4-BE49-F238E27FC236}">
+                <a16:creationId xmlns:a16="http://schemas.microsoft.com/office/drawing/2014/main" id="{90712151-9817-CA4C-94A5-348C554E638D}"/>
               </a:ext>
             </a:extLst>
           </p:cNvPr>
@@ -5666,18 +5706,275 @@
         </p:blipFill>
         <p:spPr>
           <a:xfrm>
-            <a:off x="2365663" y="3536224"/>
-            <a:ext cx="7460673" cy="3321776"/>
+            <a:off x="0" y="3429000"/>
+            <a:ext cx="6553200" cy="3289300"/>
           </a:xfrm>
           <a:prstGeom prst="rect">
             <a:avLst/>
           </a:prstGeom>
         </p:spPr>
       </p:pic>
+      <p:sp>
+        <p:nvSpPr>
+          <p:cNvPr id="14" name="文本框 13">
+            <a:extLst>
+              <a:ext uri="{FF2B5EF4-FFF2-40B4-BE49-F238E27FC236}">
+                <a16:creationId xmlns:a16="http://schemas.microsoft.com/office/drawing/2014/main" id="{8B909BCD-922F-E148-9490-E76F8F6D08D7}"/>
+              </a:ext>
+            </a:extLst>
+          </p:cNvPr>
+          <p:cNvSpPr txBox="1"/>
+          <p:nvPr/>
+        </p:nvSpPr>
+        <p:spPr>
+          <a:xfrm>
+            <a:off x="7579637" y="934300"/>
+            <a:ext cx="4030631" cy="646331"/>
+          </a:xfrm>
+          <a:prstGeom prst="rect">
+            <a:avLst/>
+          </a:prstGeom>
+          <a:solidFill>
+            <a:schemeClr val="accent2"/>
+          </a:solidFill>
+        </p:spPr>
+        <p:txBody>
+          <a:bodyPr wrap="square" rtlCol="0">
+            <a:spAutoFit/>
+          </a:bodyPr>
+          <a:lstStyle/>
+          <a:p>
+            <a:r>
+              <a:rPr kumimoji="1" lang="en-US" altLang="zh-CN" dirty="0">
+                <a:solidFill>
+                  <a:schemeClr val="bg1"/>
+                </a:solidFill>
+              </a:rPr>
+              <a:t>m*n </a:t>
+            </a:r>
+            <a:r>
+              <a:rPr kumimoji="1" lang="zh-CN" altLang="en-US" dirty="0">
+                <a:solidFill>
+                  <a:schemeClr val="bg1"/>
+                </a:solidFill>
+              </a:rPr>
+              <a:t>的矩阵 转置为 </a:t>
+            </a:r>
+            <a:r>
+              <a:rPr kumimoji="1" lang="en-US" altLang="zh-CN" dirty="0">
+                <a:solidFill>
+                  <a:schemeClr val="bg1"/>
+                </a:solidFill>
+              </a:rPr>
+              <a:t>n*m</a:t>
+            </a:r>
+            <a:r>
+              <a:rPr kumimoji="1" lang="zh-CN" altLang="en-US" dirty="0">
+                <a:solidFill>
+                  <a:schemeClr val="bg1"/>
+                </a:solidFill>
+              </a:rPr>
+              <a:t>的矩阵</a:t>
+            </a:r>
+          </a:p>
+          <a:p>
+            <a:r>
+              <a:rPr kumimoji="1" lang="zh-CN" altLang="en-US" dirty="0">
+                <a:solidFill>
+                  <a:schemeClr val="bg1"/>
+                </a:solidFill>
+              </a:rPr>
+              <a:t>三元组以行序为主序存储</a:t>
+            </a:r>
+            <a:endParaRPr kumimoji="1" lang="en-US" altLang="zh-CN" dirty="0">
+              <a:solidFill>
+                <a:schemeClr val="bg1"/>
+              </a:solidFill>
+            </a:endParaRPr>
+          </a:p>
+        </p:txBody>
+      </p:sp>
+      <p:pic>
+        <p:nvPicPr>
+          <p:cNvPr id="15" name="图片 14">
+            <a:extLst>
+              <a:ext uri="{FF2B5EF4-FFF2-40B4-BE49-F238E27FC236}">
+                <a16:creationId xmlns:a16="http://schemas.microsoft.com/office/drawing/2014/main" id="{A439DB26-2565-7746-94EB-C1413A37D62D}"/>
+              </a:ext>
+            </a:extLst>
+          </p:cNvPr>
+          <p:cNvPicPr>
+            <a:picLocks noChangeAspect="1"/>
+          </p:cNvPicPr>
+          <p:nvPr/>
+        </p:nvPicPr>
+        <p:blipFill>
+          <a:blip r:embed="rId5"/>
+          <a:stretch>
+            <a:fillRect/>
+          </a:stretch>
+        </p:blipFill>
+        <p:spPr>
+          <a:xfrm>
+            <a:off x="8084129" y="2329743"/>
+            <a:ext cx="3021650" cy="1620809"/>
+          </a:xfrm>
+          <a:prstGeom prst="rect">
+            <a:avLst/>
+          </a:prstGeom>
+        </p:spPr>
+      </p:pic>
+      <p:pic>
+        <p:nvPicPr>
+          <p:cNvPr id="16" name="图片 15">
+            <a:extLst>
+              <a:ext uri="{FF2B5EF4-FFF2-40B4-BE49-F238E27FC236}">
+                <a16:creationId xmlns:a16="http://schemas.microsoft.com/office/drawing/2014/main" id="{01731BA1-B5A4-874E-A11A-9710CBDE8155}"/>
+              </a:ext>
+            </a:extLst>
+          </p:cNvPr>
+          <p:cNvPicPr>
+            <a:picLocks noChangeAspect="1"/>
+          </p:cNvPicPr>
+          <p:nvPr/>
+        </p:nvPicPr>
+        <p:blipFill>
+          <a:blip r:embed="rId6"/>
+          <a:stretch>
+            <a:fillRect/>
+          </a:stretch>
+        </p:blipFill>
+        <p:spPr>
+          <a:xfrm>
+            <a:off x="8084129" y="4802446"/>
+            <a:ext cx="3021650" cy="1915854"/>
+          </a:xfrm>
+          <a:prstGeom prst="rect">
+            <a:avLst/>
+          </a:prstGeom>
+        </p:spPr>
+      </p:pic>
+      <p:sp>
+        <p:nvSpPr>
+          <p:cNvPr id="5" name="下箭头 4">
+            <a:extLst>
+              <a:ext uri="{FF2B5EF4-FFF2-40B4-BE49-F238E27FC236}">
+                <a16:creationId xmlns:a16="http://schemas.microsoft.com/office/drawing/2014/main" id="{CCAB4EF7-BB4D-DB4F-900F-070641ACE2CB}"/>
+              </a:ext>
+            </a:extLst>
+          </p:cNvPr>
+          <p:cNvSpPr/>
+          <p:nvPr/>
+        </p:nvSpPr>
+        <p:spPr>
+          <a:xfrm>
+            <a:off x="9397526" y="4131972"/>
+            <a:ext cx="394855" cy="538321"/>
+          </a:xfrm>
+          <a:prstGeom prst="downArrow">
+            <a:avLst/>
+          </a:prstGeom>
+        </p:spPr>
+        <p:style>
+          <a:lnRef idx="2">
+            <a:schemeClr val="accent1">
+              <a:shade val="50000"/>
+            </a:schemeClr>
+          </a:lnRef>
+          <a:fillRef idx="1">
+            <a:schemeClr val="accent1"/>
+          </a:fillRef>
+          <a:effectRef idx="0">
+            <a:schemeClr val="accent1"/>
+          </a:effectRef>
+          <a:fontRef idx="minor">
+            <a:schemeClr val="lt1"/>
+          </a:fontRef>
+        </p:style>
+        <p:txBody>
+          <a:bodyPr rtlCol="0" anchor="ctr"/>
+          <a:lstStyle/>
+          <a:p>
+            <a:pPr algn="ctr"/>
+            <a:endParaRPr kumimoji="1" lang="zh-CN" altLang="en-US"/>
+          </a:p>
+        </p:txBody>
+      </p:sp>
+      <p:pic>
+        <p:nvPicPr>
+          <p:cNvPr id="6" name="图片 5">
+            <a:extLst>
+              <a:ext uri="{FF2B5EF4-FFF2-40B4-BE49-F238E27FC236}">
+                <a16:creationId xmlns:a16="http://schemas.microsoft.com/office/drawing/2014/main" id="{3DD5D71A-18C2-2144-8FBD-CD8EC3BA1A96}"/>
+              </a:ext>
+            </a:extLst>
+          </p:cNvPr>
+          <p:cNvPicPr>
+            <a:picLocks noChangeAspect="1"/>
+          </p:cNvPicPr>
+          <p:nvPr/>
+        </p:nvPicPr>
+        <p:blipFill>
+          <a:blip r:embed="rId7"/>
+          <a:stretch>
+            <a:fillRect/>
+          </a:stretch>
+        </p:blipFill>
+        <p:spPr>
+          <a:xfrm>
+            <a:off x="241300" y="777947"/>
+            <a:ext cx="6070600" cy="2362200"/>
+          </a:xfrm>
+          <a:prstGeom prst="rect">
+            <a:avLst/>
+          </a:prstGeom>
+        </p:spPr>
+      </p:pic>
+      <p:sp>
+        <p:nvSpPr>
+          <p:cNvPr id="7" name="文本框 6">
+            <a:extLst>
+              <a:ext uri="{FF2B5EF4-FFF2-40B4-BE49-F238E27FC236}">
+                <a16:creationId xmlns:a16="http://schemas.microsoft.com/office/drawing/2014/main" id="{D5F9401B-21F4-D54C-91E1-50D479EB990E}"/>
+              </a:ext>
+            </a:extLst>
+          </p:cNvPr>
+          <p:cNvSpPr txBox="1"/>
+          <p:nvPr/>
+        </p:nvSpPr>
+        <p:spPr>
+          <a:xfrm>
+            <a:off x="789709" y="139700"/>
+            <a:ext cx="4052455" cy="369332"/>
+          </a:xfrm>
+          <a:prstGeom prst="rect">
+            <a:avLst/>
+          </a:prstGeom>
+          <a:solidFill>
+            <a:schemeClr val="accent2"/>
+          </a:solidFill>
+        </p:spPr>
+        <p:txBody>
+          <a:bodyPr wrap="square" rtlCol="0">
+            <a:spAutoFit/>
+          </a:bodyPr>
+          <a:lstStyle/>
+          <a:p>
+            <a:r>
+              <a:rPr kumimoji="1" lang="zh-CN" altLang="en-US" dirty="0">
+                <a:solidFill>
+                  <a:schemeClr val="bg1"/>
+                </a:solidFill>
+              </a:rPr>
+              <a:t>基本结构重新放这里，有助于理解</a:t>
+            </a:r>
+          </a:p>
+        </p:txBody>
+      </p:sp>
     </p:spTree>
     <p:extLst>
       <p:ext uri="{BB962C8B-B14F-4D97-AF65-F5344CB8AC3E}">
-        <p14:creationId xmlns:p14="http://schemas.microsoft.com/office/powerpoint/2010/main" val="2620135021"/>
+        <p14:creationId xmlns:p14="http://schemas.microsoft.com/office/powerpoint/2010/main" val="1654757552"/>
       </p:ext>
     </p:extLst>
   </p:cSld>
@@ -5715,10 +6012,10 @@
       </p:grpSpPr>
       <p:sp>
         <p:nvSpPr>
-          <p:cNvPr id="2" name="文本框 1">
-            <a:extLst>
-              <a:ext uri="{FF2B5EF4-FFF2-40B4-BE49-F238E27FC236}">
-                <a16:creationId xmlns:a16="http://schemas.microsoft.com/office/drawing/2014/main" id="{12AA8BCC-7B15-4842-80C2-48C079429338}"/>
+          <p:cNvPr id="3" name="文本框 2">
+            <a:extLst>
+              <a:ext uri="{FF2B5EF4-FFF2-40B4-BE49-F238E27FC236}">
+                <a16:creationId xmlns:a16="http://schemas.microsoft.com/office/drawing/2014/main" id="{62BFC649-BF8E-2841-8EAF-47AFBF9D6671}"/>
               </a:ext>
             </a:extLst>
           </p:cNvPr>
@@ -5727,8 +6024,8 @@
         </p:nvSpPr>
         <p:spPr>
           <a:xfrm>
-            <a:off x="2228088" y="2921168"/>
-            <a:ext cx="7735824" cy="1015663"/>
+            <a:off x="1667948" y="727363"/>
+            <a:ext cx="8856103" cy="830997"/>
           </a:xfrm>
           <a:prstGeom prst="rect">
             <a:avLst/>
@@ -5743,11 +6040,162 @@
           <a:p>
             <a:pPr algn="ctr"/>
             <a:r>
-              <a:rPr kumimoji="1" lang="zh-CN" altLang="en-US" sz="6000" dirty="0">
-                <a:latin typeface="Microsoft YaHei" panose="020B0503020204020204" pitchFamily="34" charset="-122"/>
-                <a:ea typeface="Microsoft YaHei" panose="020B0503020204020204" pitchFamily="34" charset="-122"/>
-              </a:rPr>
-              <a:t>这堂课我们学了啥？</a:t>
+              <a:rPr kumimoji="1" lang="en-US" altLang="zh-CN" sz="4800" dirty="0">
+                <a:latin typeface="Microsoft YaHei" panose="020B0503020204020204" pitchFamily="34" charset="-122"/>
+                <a:ea typeface="Microsoft YaHei" panose="020B0503020204020204" pitchFamily="34" charset="-122"/>
+              </a:rPr>
+              <a:t>3.</a:t>
+            </a:r>
+            <a:r>
+              <a:rPr kumimoji="1" lang="zh-CN" altLang="en-US" sz="4800" dirty="0">
+                <a:latin typeface="Microsoft YaHei" panose="020B0503020204020204" pitchFamily="34" charset="-122"/>
+                <a:ea typeface="Microsoft YaHei" panose="020B0503020204020204" pitchFamily="34" charset="-122"/>
+              </a:rPr>
+              <a:t>稀疏矩阵转置</a:t>
+            </a:r>
+            <a:r>
+              <a:rPr kumimoji="1" lang="en-US" altLang="zh-CN" sz="4800" dirty="0">
+                <a:latin typeface="Microsoft YaHei" panose="020B0503020204020204" pitchFamily="34" charset="-122"/>
+                <a:ea typeface="Microsoft YaHei" panose="020B0503020204020204" pitchFamily="34" charset="-122"/>
+              </a:rPr>
+              <a:t>---</a:t>
+            </a:r>
+            <a:r>
+              <a:rPr kumimoji="1" lang="zh-CN" altLang="en-US" sz="4800" dirty="0">
+                <a:latin typeface="Microsoft YaHei" panose="020B0503020204020204" pitchFamily="34" charset="-122"/>
+                <a:ea typeface="Microsoft YaHei" panose="020B0503020204020204" pitchFamily="34" charset="-122"/>
+              </a:rPr>
+              <a:t>三元组方法</a:t>
+            </a:r>
+          </a:p>
+        </p:txBody>
+      </p:sp>
+      <p:sp>
+        <p:nvSpPr>
+          <p:cNvPr id="5" name="文本框 4">
+            <a:extLst>
+              <a:ext uri="{FF2B5EF4-FFF2-40B4-BE49-F238E27FC236}">
+                <a16:creationId xmlns:a16="http://schemas.microsoft.com/office/drawing/2014/main" id="{72C695EC-DD41-184A-965A-C83FF64BEC6B}"/>
+              </a:ext>
+            </a:extLst>
+          </p:cNvPr>
+          <p:cNvSpPr txBox="1"/>
+          <p:nvPr/>
+        </p:nvSpPr>
+        <p:spPr>
+          <a:xfrm>
+            <a:off x="2054352" y="2125867"/>
+            <a:ext cx="8856103" cy="2308324"/>
+          </a:xfrm>
+          <a:prstGeom prst="rect">
+            <a:avLst/>
+          </a:prstGeom>
+          <a:noFill/>
+        </p:spPr>
+        <p:txBody>
+          <a:bodyPr wrap="square" rtlCol="0">
+            <a:spAutoFit/>
+          </a:bodyPr>
+          <a:lstStyle/>
+          <a:p>
+            <a:r>
+              <a:rPr kumimoji="1" lang="zh-CN" altLang="en-US" sz="2400" dirty="0">
+                <a:latin typeface="Microsoft YaHei" panose="020B0503020204020204" pitchFamily="34" charset="-122"/>
+                <a:ea typeface="Microsoft YaHei" panose="020B0503020204020204" pitchFamily="34" charset="-122"/>
+              </a:rPr>
+              <a:t>算法分析： </a:t>
+            </a:r>
+            <a:endParaRPr kumimoji="1" lang="en-US" altLang="zh-CN" sz="2400" dirty="0">
+              <a:latin typeface="Microsoft YaHei" panose="020B0503020204020204" pitchFamily="34" charset="-122"/>
+              <a:ea typeface="Microsoft YaHei" panose="020B0503020204020204" pitchFamily="34" charset="-122"/>
+            </a:endParaRPr>
+          </a:p>
+          <a:p>
+            <a:endParaRPr kumimoji="1" lang="en-US" altLang="zh-CN" sz="2400" dirty="0">
+              <a:latin typeface="Microsoft YaHei" panose="020B0503020204020204" pitchFamily="34" charset="-122"/>
+              <a:ea typeface="Microsoft YaHei" panose="020B0503020204020204" pitchFamily="34" charset="-122"/>
+            </a:endParaRPr>
+          </a:p>
+          <a:p>
+            <a:pPr marL="457200" indent="-457200">
+              <a:buFont typeface="+mj-lt"/>
+              <a:buAutoNum type="arabicPeriod"/>
+            </a:pPr>
+            <a:r>
+              <a:rPr kumimoji="1" lang="zh-CN" altLang="en-US" sz="2400" dirty="0">
+                <a:latin typeface="Microsoft YaHei" panose="020B0503020204020204" pitchFamily="34" charset="-122"/>
+                <a:ea typeface="Microsoft YaHei" panose="020B0503020204020204" pitchFamily="34" charset="-122"/>
+              </a:rPr>
+              <a:t>将矩阵行列数值互换</a:t>
+            </a:r>
+            <a:endParaRPr kumimoji="1" lang="en-US" altLang="zh-CN" sz="2400" dirty="0">
+              <a:latin typeface="Microsoft YaHei" panose="020B0503020204020204" pitchFamily="34" charset="-122"/>
+              <a:ea typeface="Microsoft YaHei" panose="020B0503020204020204" pitchFamily="34" charset="-122"/>
+            </a:endParaRPr>
+          </a:p>
+          <a:p>
+            <a:pPr marL="457200" indent="-457200">
+              <a:buFont typeface="+mj-lt"/>
+              <a:buAutoNum type="arabicPeriod"/>
+            </a:pPr>
+            <a:r>
+              <a:rPr kumimoji="1" lang="zh-CN" altLang="en-US" sz="2400" dirty="0">
+                <a:latin typeface="Microsoft YaHei" panose="020B0503020204020204" pitchFamily="34" charset="-122"/>
+                <a:ea typeface="Microsoft YaHei" panose="020B0503020204020204" pitchFamily="34" charset="-122"/>
+              </a:rPr>
+              <a:t>每个三元组中的 </a:t>
+            </a:r>
+            <a:r>
+              <a:rPr kumimoji="1" lang="en-US" altLang="zh-CN" sz="2400" dirty="0" err="1">
+                <a:latin typeface="Microsoft YaHei" panose="020B0503020204020204" pitchFamily="34" charset="-122"/>
+                <a:ea typeface="Microsoft YaHei" panose="020B0503020204020204" pitchFamily="34" charset="-122"/>
+              </a:rPr>
+              <a:t>i,j</a:t>
+            </a:r>
+            <a:r>
+              <a:rPr kumimoji="1" lang="zh-CN" altLang="en-US" sz="2400" dirty="0">
+                <a:latin typeface="Microsoft YaHei" panose="020B0503020204020204" pitchFamily="34" charset="-122"/>
+                <a:ea typeface="Microsoft YaHei" panose="020B0503020204020204" pitchFamily="34" charset="-122"/>
+              </a:rPr>
+              <a:t>互换</a:t>
+            </a:r>
+            <a:endParaRPr kumimoji="1" lang="en-US" altLang="zh-CN" sz="2400" dirty="0">
+              <a:latin typeface="Microsoft YaHei" panose="020B0503020204020204" pitchFamily="34" charset="-122"/>
+              <a:ea typeface="Microsoft YaHei" panose="020B0503020204020204" pitchFamily="34" charset="-122"/>
+            </a:endParaRPr>
+          </a:p>
+          <a:p>
+            <a:pPr marL="457200" indent="-457200">
+              <a:buFont typeface="+mj-lt"/>
+              <a:buAutoNum type="arabicPeriod"/>
+            </a:pPr>
+            <a:r>
+              <a:rPr kumimoji="1" lang="zh-CN" altLang="en-US" sz="2400" dirty="0">
+                <a:latin typeface="Microsoft YaHei" panose="020B0503020204020204" pitchFamily="34" charset="-122"/>
+                <a:ea typeface="Microsoft YaHei" panose="020B0503020204020204" pitchFamily="34" charset="-122"/>
+              </a:rPr>
+              <a:t>重排列三元组之间的次序也可以实现矩阵的转置</a:t>
+            </a:r>
+            <a:r>
+              <a:rPr kumimoji="1" lang="en-US" altLang="zh-CN" sz="2400" dirty="0">
+                <a:latin typeface="Microsoft YaHei" panose="020B0503020204020204" pitchFamily="34" charset="-122"/>
+                <a:ea typeface="Microsoft YaHei" panose="020B0503020204020204" pitchFamily="34" charset="-122"/>
+              </a:rPr>
+              <a:t>(</a:t>
+            </a:r>
+            <a:r>
+              <a:rPr kumimoji="1" lang="zh-CN" altLang="en-US" sz="2400" dirty="0">
+                <a:latin typeface="Microsoft YaHei" panose="020B0503020204020204" pitchFamily="34" charset="-122"/>
+                <a:ea typeface="Microsoft YaHei" panose="020B0503020204020204" pitchFamily="34" charset="-122"/>
+              </a:rPr>
+              <a:t>若是保持行有限存储，那转置后也要保持行优先存储</a:t>
+            </a:r>
+            <a:r>
+              <a:rPr kumimoji="1" lang="en-US" altLang="zh-CN" sz="2400" dirty="0">
+                <a:latin typeface="Microsoft YaHei" panose="020B0503020204020204" pitchFamily="34" charset="-122"/>
+                <a:ea typeface="Microsoft YaHei" panose="020B0503020204020204" pitchFamily="34" charset="-122"/>
+              </a:rPr>
+              <a:t>)</a:t>
             </a:r>
           </a:p>
         </p:txBody>
@@ -5755,7 +6203,7 @@
     </p:spTree>
     <p:extLst>
       <p:ext uri="{BB962C8B-B14F-4D97-AF65-F5344CB8AC3E}">
-        <p14:creationId xmlns:p14="http://schemas.microsoft.com/office/powerpoint/2010/main" val="885256044"/>
+        <p14:creationId xmlns:p14="http://schemas.microsoft.com/office/powerpoint/2010/main" val="1325251065"/>
       </p:ext>
     </p:extLst>
   </p:cSld>
@@ -5770,14 +6218,9 @@
   <p:cSld>
     <p:bg>
       <p:bgPr>
-        <a:blipFill dpi="0" rotWithShape="1">
-          <a:blip r:embed="rId3">
-            <a:lum/>
-          </a:blip>
-          <a:srcRect/>
-          <a:stretch>
-            <a:fillRect l="-2000" r="-2000"/>
-          </a:stretch>
+        <a:blipFill>
+          <a:blip r:embed="rId3"/>
+          <a:tile tx="0" ty="0" sx="100000" sy="100000" flip="none" algn="tl"/>
         </a:blipFill>
         <a:effectLst/>
       </p:bgPr>
@@ -5796,10 +6239,886 @@
           <a:chExt cx="0" cy="0"/>
         </a:xfrm>
       </p:grpSpPr>
+      <p:sp>
+        <p:nvSpPr>
+          <p:cNvPr id="3" name="文本框 2">
+            <a:extLst>
+              <a:ext uri="{FF2B5EF4-FFF2-40B4-BE49-F238E27FC236}">
+                <a16:creationId xmlns:a16="http://schemas.microsoft.com/office/drawing/2014/main" id="{62BFC649-BF8E-2841-8EAF-47AFBF9D6671}"/>
+              </a:ext>
+            </a:extLst>
+          </p:cNvPr>
+          <p:cNvSpPr txBox="1"/>
+          <p:nvPr/>
+        </p:nvSpPr>
+        <p:spPr>
+          <a:xfrm>
+            <a:off x="2054352" y="718220"/>
+            <a:ext cx="8083296" cy="830997"/>
+          </a:xfrm>
+          <a:prstGeom prst="rect">
+            <a:avLst/>
+          </a:prstGeom>
+          <a:noFill/>
+        </p:spPr>
+        <p:txBody>
+          <a:bodyPr wrap="square" rtlCol="0">
+            <a:spAutoFit/>
+          </a:bodyPr>
+          <a:lstStyle/>
+          <a:p>
+            <a:pPr algn="ctr"/>
+            <a:r>
+              <a:rPr kumimoji="1" lang="en-US" altLang="zh-CN" sz="4800" dirty="0">
+                <a:latin typeface="Microsoft YaHei" panose="020B0503020204020204" pitchFamily="34" charset="-122"/>
+                <a:ea typeface="Microsoft YaHei" panose="020B0503020204020204" pitchFamily="34" charset="-122"/>
+              </a:rPr>
+              <a:t>4.</a:t>
+            </a:r>
+            <a:r>
+              <a:rPr kumimoji="1" lang="zh-CN" altLang="en-US" sz="4800" dirty="0">
+                <a:latin typeface="Microsoft YaHei" panose="020B0503020204020204" pitchFamily="34" charset="-122"/>
+                <a:ea typeface="Microsoft YaHei" panose="020B0503020204020204" pitchFamily="34" charset="-122"/>
+              </a:rPr>
+              <a:t>广义表</a:t>
+            </a:r>
+          </a:p>
+        </p:txBody>
+      </p:sp>
+      <p:sp>
+        <p:nvSpPr>
+          <p:cNvPr id="2" name="文本框 1">
+            <a:extLst>
+              <a:ext uri="{FF2B5EF4-FFF2-40B4-BE49-F238E27FC236}">
+                <a16:creationId xmlns:a16="http://schemas.microsoft.com/office/drawing/2014/main" id="{E9DE8AEE-0F45-714A-B649-B888A96B400F}"/>
+              </a:ext>
+            </a:extLst>
+          </p:cNvPr>
+          <p:cNvSpPr txBox="1"/>
+          <p:nvPr/>
+        </p:nvSpPr>
+        <p:spPr>
+          <a:xfrm>
+            <a:off x="2327566" y="2182091"/>
+            <a:ext cx="9601200" cy="3046988"/>
+          </a:xfrm>
+          <a:prstGeom prst="rect">
+            <a:avLst/>
+          </a:prstGeom>
+          <a:noFill/>
+        </p:spPr>
+        <p:txBody>
+          <a:bodyPr wrap="square" rtlCol="0">
+            <a:spAutoFit/>
+          </a:bodyPr>
+          <a:lstStyle/>
+          <a:p>
+            <a:r>
+              <a:rPr kumimoji="1" lang="zh-CN" altLang="en-US" sz="2400" dirty="0">
+                <a:latin typeface="Microsoft YaHei" panose="020B0503020204020204" pitchFamily="34" charset="-122"/>
+                <a:ea typeface="Microsoft YaHei" panose="020B0503020204020204" pitchFamily="34" charset="-122"/>
+              </a:rPr>
+              <a:t>广义表是广义表结点组成的链表。</a:t>
+            </a:r>
+            <a:endParaRPr kumimoji="1" lang="en-US" altLang="zh-CN" sz="2400" dirty="0">
+              <a:latin typeface="Microsoft YaHei" panose="020B0503020204020204" pitchFamily="34" charset="-122"/>
+              <a:ea typeface="Microsoft YaHei" panose="020B0503020204020204" pitchFamily="34" charset="-122"/>
+            </a:endParaRPr>
+          </a:p>
+          <a:p>
+            <a:r>
+              <a:rPr kumimoji="1" lang="zh-CN" altLang="en-US" sz="2400" dirty="0">
+                <a:latin typeface="Microsoft YaHei" panose="020B0503020204020204" pitchFamily="34" charset="-122"/>
+                <a:ea typeface="Microsoft YaHei" panose="020B0503020204020204" pitchFamily="34" charset="-122"/>
+              </a:rPr>
+              <a:t>广义表结点由</a:t>
+            </a:r>
+            <a:r>
+              <a:rPr kumimoji="1" lang="en-US" altLang="zh-CN" sz="2400" dirty="0">
+                <a:latin typeface="Microsoft YaHei" panose="020B0503020204020204" pitchFamily="34" charset="-122"/>
+                <a:ea typeface="Microsoft YaHei" panose="020B0503020204020204" pitchFamily="34" charset="-122"/>
+              </a:rPr>
+              <a:t>3</a:t>
+            </a:r>
+            <a:r>
+              <a:rPr kumimoji="1" lang="zh-CN" altLang="en-US" sz="2400" dirty="0">
+                <a:latin typeface="Microsoft YaHei" panose="020B0503020204020204" pitchFamily="34" charset="-122"/>
+                <a:ea typeface="Microsoft YaHei" panose="020B0503020204020204" pitchFamily="34" charset="-122"/>
+              </a:rPr>
+              <a:t>部分组成：</a:t>
+            </a:r>
+            <a:endParaRPr kumimoji="1" lang="en-US" altLang="zh-CN" sz="2400" dirty="0">
+              <a:latin typeface="Microsoft YaHei" panose="020B0503020204020204" pitchFamily="34" charset="-122"/>
+              <a:ea typeface="Microsoft YaHei" panose="020B0503020204020204" pitchFamily="34" charset="-122"/>
+            </a:endParaRPr>
+          </a:p>
+          <a:p>
+            <a:pPr marL="914400" lvl="1" indent="-457200">
+              <a:buFont typeface="+mj-lt"/>
+              <a:buAutoNum type="arabicPeriod"/>
+            </a:pPr>
+            <a:r>
+              <a:rPr kumimoji="1" lang="zh-CN" altLang="en-US" sz="2400" dirty="0">
+                <a:latin typeface="Microsoft YaHei" panose="020B0503020204020204" pitchFamily="34" charset="-122"/>
+                <a:ea typeface="Microsoft YaHei" panose="020B0503020204020204" pitchFamily="34" charset="-122"/>
+              </a:rPr>
+              <a:t>类型</a:t>
+            </a:r>
+            <a:endParaRPr kumimoji="1" lang="en-US" altLang="zh-CN" sz="2400" dirty="0">
+              <a:latin typeface="Microsoft YaHei" panose="020B0503020204020204" pitchFamily="34" charset="-122"/>
+              <a:ea typeface="Microsoft YaHei" panose="020B0503020204020204" pitchFamily="34" charset="-122"/>
+            </a:endParaRPr>
+          </a:p>
+          <a:p>
+            <a:pPr marL="1371600" lvl="2" indent="-457200">
+              <a:buFont typeface="+mj-lt"/>
+              <a:buAutoNum type="alphaLcParenR"/>
+            </a:pPr>
+            <a:r>
+              <a:rPr kumimoji="1" lang="en-US" altLang="zh-CN" sz="2400" dirty="0">
+                <a:latin typeface="Microsoft YaHei" panose="020B0503020204020204" pitchFamily="34" charset="-122"/>
+                <a:ea typeface="Microsoft YaHei" panose="020B0503020204020204" pitchFamily="34" charset="-122"/>
+              </a:rPr>
+              <a:t>0</a:t>
+            </a:r>
+            <a:r>
+              <a:rPr kumimoji="1" lang="zh-CN" altLang="en-US" sz="2400" dirty="0">
+                <a:latin typeface="Microsoft YaHei" panose="020B0503020204020204" pitchFamily="34" charset="-122"/>
+                <a:ea typeface="Microsoft YaHei" panose="020B0503020204020204" pitchFamily="34" charset="-122"/>
+              </a:rPr>
+              <a:t>表示数值位存储的是具体数值</a:t>
+            </a:r>
+            <a:endParaRPr kumimoji="1" lang="en-US" altLang="zh-CN" sz="2400" dirty="0">
+              <a:latin typeface="Microsoft YaHei" panose="020B0503020204020204" pitchFamily="34" charset="-122"/>
+              <a:ea typeface="Microsoft YaHei" panose="020B0503020204020204" pitchFamily="34" charset="-122"/>
+            </a:endParaRPr>
+          </a:p>
+          <a:p>
+            <a:pPr marL="1371600" lvl="2" indent="-457200">
+              <a:buFont typeface="+mj-lt"/>
+              <a:buAutoNum type="alphaLcParenR"/>
+            </a:pPr>
+            <a:r>
+              <a:rPr kumimoji="1" lang="en-US" altLang="zh-CN" sz="2400" dirty="0">
+                <a:latin typeface="Microsoft YaHei" panose="020B0503020204020204" pitchFamily="34" charset="-122"/>
+                <a:ea typeface="Microsoft YaHei" panose="020B0503020204020204" pitchFamily="34" charset="-122"/>
+              </a:rPr>
+              <a:t>1</a:t>
+            </a:r>
+            <a:r>
+              <a:rPr kumimoji="1" lang="zh-CN" altLang="en-US" sz="2400" dirty="0">
+                <a:latin typeface="Microsoft YaHei" panose="020B0503020204020204" pitchFamily="34" charset="-122"/>
+                <a:ea typeface="Microsoft YaHei" panose="020B0503020204020204" pitchFamily="34" charset="-122"/>
+              </a:rPr>
+              <a:t>表示数值位指向另一条广义表</a:t>
+            </a:r>
+            <a:endParaRPr kumimoji="1" lang="en-US" altLang="zh-CN" sz="2400" dirty="0">
+              <a:latin typeface="Microsoft YaHei" panose="020B0503020204020204" pitchFamily="34" charset="-122"/>
+              <a:ea typeface="Microsoft YaHei" panose="020B0503020204020204" pitchFamily="34" charset="-122"/>
+            </a:endParaRPr>
+          </a:p>
+          <a:p>
+            <a:pPr marL="914400" lvl="1" indent="-457200">
+              <a:buFont typeface="+mj-lt"/>
+              <a:buAutoNum type="arabicPeriod"/>
+            </a:pPr>
+            <a:r>
+              <a:rPr kumimoji="1" lang="zh-CN" altLang="en-US" sz="2400" dirty="0">
+                <a:latin typeface="Microsoft YaHei" panose="020B0503020204020204" pitchFamily="34" charset="-122"/>
+                <a:ea typeface="Microsoft YaHei" panose="020B0503020204020204" pitchFamily="34" charset="-122"/>
+              </a:rPr>
+              <a:t>数值</a:t>
+            </a:r>
+            <a:r>
+              <a:rPr kumimoji="1" lang="en-US" altLang="zh-CN" sz="2400" dirty="0">
+                <a:latin typeface="Microsoft YaHei" panose="020B0503020204020204" pitchFamily="34" charset="-122"/>
+                <a:ea typeface="Microsoft YaHei" panose="020B0503020204020204" pitchFamily="34" charset="-122"/>
+              </a:rPr>
+              <a:t>:</a:t>
+            </a:r>
+            <a:r>
+              <a:rPr kumimoji="1" lang="zh-CN" altLang="en-US" sz="2400" dirty="0">
+                <a:latin typeface="Microsoft YaHei" panose="020B0503020204020204" pitchFamily="34" charset="-122"/>
+                <a:ea typeface="Microsoft YaHei" panose="020B0503020204020204" pitchFamily="34" charset="-122"/>
+              </a:rPr>
+              <a:t>  根据类型存储不同的数据</a:t>
+            </a:r>
+            <a:endParaRPr kumimoji="1" lang="en-US" altLang="zh-CN" sz="2400" dirty="0">
+              <a:latin typeface="Microsoft YaHei" panose="020B0503020204020204" pitchFamily="34" charset="-122"/>
+              <a:ea typeface="Microsoft YaHei" panose="020B0503020204020204" pitchFamily="34" charset="-122"/>
+            </a:endParaRPr>
+          </a:p>
+          <a:p>
+            <a:pPr marL="914400" lvl="1" indent="-457200">
+              <a:buFont typeface="+mj-lt"/>
+              <a:buAutoNum type="arabicPeriod"/>
+            </a:pPr>
+            <a:r>
+              <a:rPr kumimoji="1" lang="en-US" altLang="zh-CN" sz="2400" dirty="0">
+                <a:latin typeface="Microsoft YaHei" panose="020B0503020204020204" pitchFamily="34" charset="-122"/>
+                <a:ea typeface="Microsoft YaHei" panose="020B0503020204020204" pitchFamily="34" charset="-122"/>
+              </a:rPr>
+              <a:t>next</a:t>
+            </a:r>
+            <a:r>
+              <a:rPr kumimoji="1" lang="zh-CN" altLang="en-US" sz="2400" dirty="0">
+                <a:latin typeface="Microsoft YaHei" panose="020B0503020204020204" pitchFamily="34" charset="-122"/>
+                <a:ea typeface="Microsoft YaHei" panose="020B0503020204020204" pitchFamily="34" charset="-122"/>
+              </a:rPr>
+              <a:t>指针</a:t>
+            </a:r>
+            <a:r>
+              <a:rPr kumimoji="1" lang="en-US" altLang="zh-CN" sz="2400" dirty="0">
+                <a:latin typeface="Microsoft YaHei" panose="020B0503020204020204" pitchFamily="34" charset="-122"/>
+                <a:ea typeface="Microsoft YaHei" panose="020B0503020204020204" pitchFamily="34" charset="-122"/>
+              </a:rPr>
+              <a:t>(</a:t>
+            </a:r>
+            <a:r>
+              <a:rPr kumimoji="1" lang="zh-CN" altLang="en-US" sz="2400" dirty="0">
+                <a:latin typeface="Microsoft YaHei" panose="020B0503020204020204" pitchFamily="34" charset="-122"/>
+                <a:ea typeface="Microsoft YaHei" panose="020B0503020204020204" pitchFamily="34" charset="-122"/>
+              </a:rPr>
+              <a:t>若是具体数值类型，可省略</a:t>
+            </a:r>
+            <a:r>
+              <a:rPr kumimoji="1" lang="en-US" altLang="zh-CN" sz="2400" dirty="0">
+                <a:latin typeface="Microsoft YaHei" panose="020B0503020204020204" pitchFamily="34" charset="-122"/>
+                <a:ea typeface="Microsoft YaHei" panose="020B0503020204020204" pitchFamily="34" charset="-122"/>
+              </a:rPr>
+              <a:t>)</a:t>
+            </a:r>
+          </a:p>
+          <a:p>
+            <a:endParaRPr kumimoji="1" lang="en-US" altLang="zh-CN" sz="2400" dirty="0">
+              <a:latin typeface="Microsoft YaHei" panose="020B0503020204020204" pitchFamily="34" charset="-122"/>
+              <a:ea typeface="Microsoft YaHei" panose="020B0503020204020204" pitchFamily="34" charset="-122"/>
+            </a:endParaRPr>
+          </a:p>
+        </p:txBody>
+      </p:sp>
+      <p:sp>
+        <p:nvSpPr>
+          <p:cNvPr id="6" name="矩形 5">
+            <a:extLst>
+              <a:ext uri="{FF2B5EF4-FFF2-40B4-BE49-F238E27FC236}">
+                <a16:creationId xmlns:a16="http://schemas.microsoft.com/office/drawing/2014/main" id="{2A2B1B33-EA04-A646-8949-CC33F62CED5A}"/>
+              </a:ext>
+            </a:extLst>
+          </p:cNvPr>
+          <p:cNvSpPr/>
+          <p:nvPr/>
+        </p:nvSpPr>
+        <p:spPr>
+          <a:xfrm>
+            <a:off x="5403276" y="5465618"/>
+            <a:ext cx="976746" cy="914400"/>
+          </a:xfrm>
+          <a:prstGeom prst="rect">
+            <a:avLst/>
+          </a:prstGeom>
+        </p:spPr>
+        <p:style>
+          <a:lnRef idx="2">
+            <a:schemeClr val="accent1">
+              <a:shade val="50000"/>
+            </a:schemeClr>
+          </a:lnRef>
+          <a:fillRef idx="1">
+            <a:schemeClr val="accent1"/>
+          </a:fillRef>
+          <a:effectRef idx="0">
+            <a:schemeClr val="accent1"/>
+          </a:effectRef>
+          <a:fontRef idx="minor">
+            <a:schemeClr val="lt1"/>
+          </a:fontRef>
+        </p:style>
+        <p:txBody>
+          <a:bodyPr rtlCol="0" anchor="ctr"/>
+          <a:lstStyle/>
+          <a:p>
+            <a:pPr algn="ctr"/>
+            <a:r>
+              <a:rPr kumimoji="1" lang="en-US" altLang="zh-CN" dirty="0"/>
+              <a:t>tag</a:t>
+            </a:r>
+            <a:endParaRPr kumimoji="1" lang="zh-CN" altLang="en-US" dirty="0"/>
+          </a:p>
+        </p:txBody>
+      </p:sp>
+      <p:sp>
+        <p:nvSpPr>
+          <p:cNvPr id="7" name="矩形 6">
+            <a:extLst>
+              <a:ext uri="{FF2B5EF4-FFF2-40B4-BE49-F238E27FC236}">
+                <a16:creationId xmlns:a16="http://schemas.microsoft.com/office/drawing/2014/main" id="{B6826CDB-9876-3249-828E-F779B7D0F740}"/>
+              </a:ext>
+            </a:extLst>
+          </p:cNvPr>
+          <p:cNvSpPr/>
+          <p:nvPr/>
+        </p:nvSpPr>
+        <p:spPr>
+          <a:xfrm>
+            <a:off x="6380022" y="5474762"/>
+            <a:ext cx="976746" cy="914400"/>
+          </a:xfrm>
+          <a:prstGeom prst="rect">
+            <a:avLst/>
+          </a:prstGeom>
+        </p:spPr>
+        <p:style>
+          <a:lnRef idx="2">
+            <a:schemeClr val="accent1">
+              <a:shade val="50000"/>
+            </a:schemeClr>
+          </a:lnRef>
+          <a:fillRef idx="1">
+            <a:schemeClr val="accent1"/>
+          </a:fillRef>
+          <a:effectRef idx="0">
+            <a:schemeClr val="accent1"/>
+          </a:effectRef>
+          <a:fontRef idx="minor">
+            <a:schemeClr val="lt1"/>
+          </a:fontRef>
+        </p:style>
+        <p:txBody>
+          <a:bodyPr rtlCol="0" anchor="ctr"/>
+          <a:lstStyle/>
+          <a:p>
+            <a:pPr algn="ctr"/>
+            <a:r>
+              <a:rPr kumimoji="1" lang="en-US" altLang="zh-CN" dirty="0"/>
+              <a:t>data</a:t>
+            </a:r>
+            <a:endParaRPr kumimoji="1" lang="zh-CN" altLang="en-US" dirty="0"/>
+          </a:p>
+        </p:txBody>
+      </p:sp>
+      <p:sp>
+        <p:nvSpPr>
+          <p:cNvPr id="8" name="矩形 7">
+            <a:extLst>
+              <a:ext uri="{FF2B5EF4-FFF2-40B4-BE49-F238E27FC236}">
+                <a16:creationId xmlns:a16="http://schemas.microsoft.com/office/drawing/2014/main" id="{D7E9AE32-888A-DC46-A737-237DE73BA88F}"/>
+              </a:ext>
+            </a:extLst>
+          </p:cNvPr>
+          <p:cNvSpPr/>
+          <p:nvPr/>
+        </p:nvSpPr>
+        <p:spPr>
+          <a:xfrm>
+            <a:off x="7356768" y="5474762"/>
+            <a:ext cx="976746" cy="914400"/>
+          </a:xfrm>
+          <a:prstGeom prst="rect">
+            <a:avLst/>
+          </a:prstGeom>
+        </p:spPr>
+        <p:style>
+          <a:lnRef idx="2">
+            <a:schemeClr val="accent1">
+              <a:shade val="50000"/>
+            </a:schemeClr>
+          </a:lnRef>
+          <a:fillRef idx="1">
+            <a:schemeClr val="accent1"/>
+          </a:fillRef>
+          <a:effectRef idx="0">
+            <a:schemeClr val="accent1"/>
+          </a:effectRef>
+          <a:fontRef idx="minor">
+            <a:schemeClr val="lt1"/>
+          </a:fontRef>
+        </p:style>
+        <p:txBody>
+          <a:bodyPr rtlCol="0" anchor="ctr"/>
+          <a:lstStyle/>
+          <a:p>
+            <a:pPr algn="ctr"/>
+            <a:r>
+              <a:rPr kumimoji="1" lang="en-US" altLang="zh-CN" dirty="0"/>
+              <a:t>next</a:t>
+            </a:r>
+            <a:endParaRPr kumimoji="1" lang="zh-CN" altLang="en-US" dirty="0"/>
+          </a:p>
+        </p:txBody>
+      </p:sp>
+      <p:sp>
+        <p:nvSpPr>
+          <p:cNvPr id="9" name="文本框 8">
+            <a:extLst>
+              <a:ext uri="{FF2B5EF4-FFF2-40B4-BE49-F238E27FC236}">
+                <a16:creationId xmlns:a16="http://schemas.microsoft.com/office/drawing/2014/main" id="{EB4EEB15-0931-4A45-B274-5471D86FC203}"/>
+              </a:ext>
+            </a:extLst>
+          </p:cNvPr>
+          <p:cNvSpPr txBox="1"/>
+          <p:nvPr/>
+        </p:nvSpPr>
+        <p:spPr>
+          <a:xfrm>
+            <a:off x="2327566" y="5770448"/>
+            <a:ext cx="2202873" cy="369332"/>
+          </a:xfrm>
+          <a:prstGeom prst="rect">
+            <a:avLst/>
+          </a:prstGeom>
+          <a:solidFill>
+            <a:schemeClr val="accent2"/>
+          </a:solidFill>
+        </p:spPr>
+        <p:txBody>
+          <a:bodyPr wrap="square" rtlCol="0">
+            <a:spAutoFit/>
+          </a:bodyPr>
+          <a:lstStyle/>
+          <a:p>
+            <a:r>
+              <a:rPr kumimoji="1" lang="zh-CN" altLang="en-US" dirty="0">
+                <a:solidFill>
+                  <a:schemeClr val="bg1"/>
+                </a:solidFill>
+              </a:rPr>
+              <a:t>广义表结点的结构</a:t>
+            </a:r>
+          </a:p>
+        </p:txBody>
+      </p:sp>
     </p:spTree>
     <p:extLst>
       <p:ext uri="{BB962C8B-B14F-4D97-AF65-F5344CB8AC3E}">
-        <p14:creationId xmlns:p14="http://schemas.microsoft.com/office/powerpoint/2010/main" val="4062917305"/>
+        <p14:creationId xmlns:p14="http://schemas.microsoft.com/office/powerpoint/2010/main" val="287223538"/>
+      </p:ext>
+    </p:extLst>
+  </p:cSld>
+  <p:clrMapOvr>
+    <a:masterClrMapping/>
+  </p:clrMapOvr>
+</p:sld>
+</file>
+
+<file path=ppt/slides/slide17.xml><?xml version="1.0" encoding="utf-8"?>
+<p:sld xmlns:a="http://schemas.openxmlformats.org/drawingml/2006/main" xmlns:r="http://schemas.openxmlformats.org/officeDocument/2006/relationships" xmlns:p="http://schemas.openxmlformats.org/presentationml/2006/main">
+  <p:cSld>
+    <p:bg>
+      <p:bgPr>
+        <a:blipFill>
+          <a:blip r:embed="rId3"/>
+          <a:tile tx="0" ty="0" sx="100000" sy="100000" flip="none" algn="tl"/>
+        </a:blipFill>
+        <a:effectLst/>
+      </p:bgPr>
+    </p:bg>
+    <p:spTree>
+      <p:nvGrpSpPr>
+        <p:cNvPr id="1" name=""/>
+        <p:cNvGrpSpPr/>
+        <p:nvPr/>
+      </p:nvGrpSpPr>
+      <p:grpSpPr>
+        <a:xfrm>
+          <a:off x="0" y="0"/>
+          <a:ext cx="0" cy="0"/>
+          <a:chOff x="0" y="0"/>
+          <a:chExt cx="0" cy="0"/>
+        </a:xfrm>
+      </p:grpSpPr>
+      <p:sp>
+        <p:nvSpPr>
+          <p:cNvPr id="3" name="文本框 2">
+            <a:extLst>
+              <a:ext uri="{FF2B5EF4-FFF2-40B4-BE49-F238E27FC236}">
+                <a16:creationId xmlns:a16="http://schemas.microsoft.com/office/drawing/2014/main" id="{62BFC649-BF8E-2841-8EAF-47AFBF9D6671}"/>
+              </a:ext>
+            </a:extLst>
+          </p:cNvPr>
+          <p:cNvSpPr txBox="1"/>
+          <p:nvPr/>
+        </p:nvSpPr>
+        <p:spPr>
+          <a:xfrm>
+            <a:off x="2054352" y="718220"/>
+            <a:ext cx="8083296" cy="830997"/>
+          </a:xfrm>
+          <a:prstGeom prst="rect">
+            <a:avLst/>
+          </a:prstGeom>
+          <a:noFill/>
+        </p:spPr>
+        <p:txBody>
+          <a:bodyPr wrap="square" rtlCol="0">
+            <a:spAutoFit/>
+          </a:bodyPr>
+          <a:lstStyle/>
+          <a:p>
+            <a:pPr algn="ctr"/>
+            <a:r>
+              <a:rPr kumimoji="1" lang="en-US" altLang="zh-CN" sz="4800" dirty="0">
+                <a:latin typeface="Microsoft YaHei" panose="020B0503020204020204" pitchFamily="34" charset="-122"/>
+                <a:ea typeface="Microsoft YaHei" panose="020B0503020204020204" pitchFamily="34" charset="-122"/>
+              </a:rPr>
+              <a:t>4.</a:t>
+            </a:r>
+            <a:r>
+              <a:rPr kumimoji="1" lang="zh-CN" altLang="en-US" sz="4800" dirty="0">
+                <a:latin typeface="Microsoft YaHei" panose="020B0503020204020204" pitchFamily="34" charset="-122"/>
+                <a:ea typeface="Microsoft YaHei" panose="020B0503020204020204" pitchFamily="34" charset="-122"/>
+              </a:rPr>
+              <a:t>广义表例子</a:t>
+            </a:r>
+          </a:p>
+        </p:txBody>
+      </p:sp>
+      <p:pic>
+        <p:nvPicPr>
+          <p:cNvPr id="4" name="图片 3">
+            <a:extLst>
+              <a:ext uri="{FF2B5EF4-FFF2-40B4-BE49-F238E27FC236}">
+                <a16:creationId xmlns:a16="http://schemas.microsoft.com/office/drawing/2014/main" id="{A01FA0F1-5579-0440-B128-51CCAD869722}"/>
+              </a:ext>
+            </a:extLst>
+          </p:cNvPr>
+          <p:cNvPicPr>
+            <a:picLocks noChangeAspect="1"/>
+          </p:cNvPicPr>
+          <p:nvPr/>
+        </p:nvPicPr>
+        <p:blipFill>
+          <a:blip r:embed="rId4"/>
+          <a:stretch>
+            <a:fillRect/>
+          </a:stretch>
+        </p:blipFill>
+        <p:spPr>
+          <a:xfrm>
+            <a:off x="2827643" y="4223322"/>
+            <a:ext cx="5630557" cy="2506939"/>
+          </a:xfrm>
+          <a:prstGeom prst="rect">
+            <a:avLst/>
+          </a:prstGeom>
+        </p:spPr>
+      </p:pic>
+      <p:pic>
+        <p:nvPicPr>
+          <p:cNvPr id="6" name="图片 5">
+            <a:extLst>
+              <a:ext uri="{FF2B5EF4-FFF2-40B4-BE49-F238E27FC236}">
+                <a16:creationId xmlns:a16="http://schemas.microsoft.com/office/drawing/2014/main" id="{AA585BAE-795C-DC4A-80AB-D5AABFA0452B}"/>
+              </a:ext>
+            </a:extLst>
+          </p:cNvPr>
+          <p:cNvPicPr>
+            <a:picLocks noChangeAspect="1"/>
+          </p:cNvPicPr>
+          <p:nvPr/>
+        </p:nvPicPr>
+        <p:blipFill>
+          <a:blip r:embed="rId5"/>
+          <a:stretch>
+            <a:fillRect/>
+          </a:stretch>
+        </p:blipFill>
+        <p:spPr>
+          <a:xfrm>
+            <a:off x="1984248" y="1734122"/>
+            <a:ext cx="8153400" cy="2489200"/>
+          </a:xfrm>
+          <a:prstGeom prst="rect">
+            <a:avLst/>
+          </a:prstGeom>
+        </p:spPr>
+      </p:pic>
+    </p:spTree>
+    <p:extLst>
+      <p:ext uri="{BB962C8B-B14F-4D97-AF65-F5344CB8AC3E}">
+        <p14:creationId xmlns:p14="http://schemas.microsoft.com/office/powerpoint/2010/main" val="2987521998"/>
+      </p:ext>
+    </p:extLst>
+  </p:cSld>
+  <p:clrMapOvr>
+    <a:masterClrMapping/>
+  </p:clrMapOvr>
+</p:sld>
+</file>
+
+<file path=ppt/slides/slide18.xml><?xml version="1.0" encoding="utf-8"?>
+<p:sld xmlns:a="http://schemas.openxmlformats.org/drawingml/2006/main" xmlns:r="http://schemas.openxmlformats.org/officeDocument/2006/relationships" xmlns:p="http://schemas.openxmlformats.org/presentationml/2006/main">
+  <p:cSld>
+    <p:bg>
+      <p:bgPr>
+        <a:blipFill>
+          <a:blip r:embed="rId3"/>
+          <a:tile tx="0" ty="0" sx="100000" sy="100000" flip="none" algn="tl"/>
+        </a:blipFill>
+        <a:effectLst/>
+      </p:bgPr>
+    </p:bg>
+    <p:spTree>
+      <p:nvGrpSpPr>
+        <p:cNvPr id="1" name=""/>
+        <p:cNvGrpSpPr/>
+        <p:nvPr/>
+      </p:nvGrpSpPr>
+      <p:grpSpPr>
+        <a:xfrm>
+          <a:off x="0" y="0"/>
+          <a:ext cx="0" cy="0"/>
+          <a:chOff x="0" y="0"/>
+          <a:chExt cx="0" cy="0"/>
+        </a:xfrm>
+      </p:grpSpPr>
+      <p:sp>
+        <p:nvSpPr>
+          <p:cNvPr id="3" name="文本框 2">
+            <a:extLst>
+              <a:ext uri="{FF2B5EF4-FFF2-40B4-BE49-F238E27FC236}">
+                <a16:creationId xmlns:a16="http://schemas.microsoft.com/office/drawing/2014/main" id="{62BFC649-BF8E-2841-8EAF-47AFBF9D6671}"/>
+              </a:ext>
+            </a:extLst>
+          </p:cNvPr>
+          <p:cNvSpPr txBox="1"/>
+          <p:nvPr/>
+        </p:nvSpPr>
+        <p:spPr>
+          <a:xfrm>
+            <a:off x="2054352" y="718220"/>
+            <a:ext cx="8083296" cy="830997"/>
+          </a:xfrm>
+          <a:prstGeom prst="rect">
+            <a:avLst/>
+          </a:prstGeom>
+          <a:noFill/>
+        </p:spPr>
+        <p:txBody>
+          <a:bodyPr wrap="square" rtlCol="0">
+            <a:spAutoFit/>
+          </a:bodyPr>
+          <a:lstStyle/>
+          <a:p>
+            <a:pPr algn="ctr"/>
+            <a:r>
+              <a:rPr kumimoji="1" lang="en-US" altLang="zh-CN" sz="4800" dirty="0">
+                <a:latin typeface="Microsoft YaHei" panose="020B0503020204020204" pitchFamily="34" charset="-122"/>
+                <a:ea typeface="Microsoft YaHei" panose="020B0503020204020204" pitchFamily="34" charset="-122"/>
+              </a:rPr>
+              <a:t>4.</a:t>
+            </a:r>
+            <a:r>
+              <a:rPr kumimoji="1" lang="zh-CN" altLang="en-US" sz="4800" dirty="0">
+                <a:latin typeface="Microsoft YaHei" panose="020B0503020204020204" pitchFamily="34" charset="-122"/>
+                <a:ea typeface="Microsoft YaHei" panose="020B0503020204020204" pitchFamily="34" charset="-122"/>
+              </a:rPr>
+              <a:t>广义表主要的知识点</a:t>
+            </a:r>
+          </a:p>
+        </p:txBody>
+      </p:sp>
+      <p:sp>
+        <p:nvSpPr>
+          <p:cNvPr id="2" name="文本框 1">
+            <a:extLst>
+              <a:ext uri="{FF2B5EF4-FFF2-40B4-BE49-F238E27FC236}">
+                <a16:creationId xmlns:a16="http://schemas.microsoft.com/office/drawing/2014/main" id="{E9DE8AEE-0F45-714A-B649-B888A96B400F}"/>
+              </a:ext>
+            </a:extLst>
+          </p:cNvPr>
+          <p:cNvSpPr txBox="1"/>
+          <p:nvPr/>
+        </p:nvSpPr>
+        <p:spPr>
+          <a:xfrm>
+            <a:off x="1295400" y="2644170"/>
+            <a:ext cx="9601200" cy="1569660"/>
+          </a:xfrm>
+          <a:prstGeom prst="rect">
+            <a:avLst/>
+          </a:prstGeom>
+          <a:noFill/>
+        </p:spPr>
+        <p:txBody>
+          <a:bodyPr wrap="square" rtlCol="0">
+            <a:spAutoFit/>
+          </a:bodyPr>
+          <a:lstStyle/>
+          <a:p>
+            <a:pPr marL="457200" indent="-457200">
+              <a:buFont typeface="+mj-lt"/>
+              <a:buAutoNum type="arabicPeriod"/>
+            </a:pPr>
+            <a:r>
+              <a:rPr kumimoji="1" lang="zh-CN" altLang="en-US" sz="2400" dirty="0">
+                <a:latin typeface="Microsoft YaHei" panose="020B0503020204020204" pitchFamily="34" charset="-122"/>
+                <a:ea typeface="Microsoft YaHei" panose="020B0503020204020204" pitchFamily="34" charset="-122"/>
+              </a:rPr>
+              <a:t>广义表是递归定义的，列表本身可以是其他表的子表， 理论上可以无限扩展。</a:t>
+            </a:r>
+            <a:endParaRPr kumimoji="1" lang="en-US" altLang="zh-CN" sz="2400" dirty="0">
+              <a:latin typeface="Microsoft YaHei" panose="020B0503020204020204" pitchFamily="34" charset="-122"/>
+              <a:ea typeface="Microsoft YaHei" panose="020B0503020204020204" pitchFamily="34" charset="-122"/>
+            </a:endParaRPr>
+          </a:p>
+          <a:p>
+            <a:pPr marL="457200" indent="-457200">
+              <a:buFont typeface="+mj-lt"/>
+              <a:buAutoNum type="arabicPeriod"/>
+            </a:pPr>
+            <a:r>
+              <a:rPr kumimoji="1" lang="zh-CN" altLang="en-US" sz="2400" dirty="0">
+                <a:latin typeface="Microsoft YaHei" panose="020B0503020204020204" pitchFamily="34" charset="-122"/>
+                <a:ea typeface="Microsoft YaHei" panose="020B0503020204020204" pitchFamily="34" charset="-122"/>
+              </a:rPr>
+              <a:t>列表可以共享，</a:t>
+            </a:r>
+            <a:r>
+              <a:rPr kumimoji="1" lang="en-US" altLang="zh-CN" sz="2400" dirty="0">
+                <a:latin typeface="Microsoft YaHei" panose="020B0503020204020204" pitchFamily="34" charset="-122"/>
+                <a:ea typeface="Microsoft YaHei" panose="020B0503020204020204" pitchFamily="34" charset="-122"/>
+              </a:rPr>
+              <a:t>A</a:t>
+            </a:r>
+            <a:r>
+              <a:rPr kumimoji="1" lang="zh-CN" altLang="en-US" sz="2400" dirty="0">
+                <a:latin typeface="Microsoft YaHei" panose="020B0503020204020204" pitchFamily="34" charset="-122"/>
+                <a:ea typeface="Microsoft YaHei" panose="020B0503020204020204" pitchFamily="34" charset="-122"/>
+              </a:rPr>
+              <a:t>链表可以包含</a:t>
+            </a:r>
+            <a:r>
+              <a:rPr kumimoji="1" lang="en-US" altLang="zh-CN" sz="2400" dirty="0">
+                <a:latin typeface="Microsoft YaHei" panose="020B0503020204020204" pitchFamily="34" charset="-122"/>
+                <a:ea typeface="Microsoft YaHei" panose="020B0503020204020204" pitchFamily="34" charset="-122"/>
+              </a:rPr>
+              <a:t>C</a:t>
+            </a:r>
+            <a:r>
+              <a:rPr kumimoji="1" lang="zh-CN" altLang="en-US" sz="2400" dirty="0">
+                <a:latin typeface="Microsoft YaHei" panose="020B0503020204020204" pitchFamily="34" charset="-122"/>
+                <a:ea typeface="Microsoft YaHei" panose="020B0503020204020204" pitchFamily="34" charset="-122"/>
+              </a:rPr>
+              <a:t>链表，</a:t>
+            </a:r>
+            <a:r>
+              <a:rPr kumimoji="1" lang="en-US" altLang="zh-CN" sz="2400" dirty="0">
+                <a:latin typeface="Microsoft YaHei" panose="020B0503020204020204" pitchFamily="34" charset="-122"/>
+                <a:ea typeface="Microsoft YaHei" panose="020B0503020204020204" pitchFamily="34" charset="-122"/>
+              </a:rPr>
+              <a:t>B</a:t>
+            </a:r>
+            <a:r>
+              <a:rPr kumimoji="1" lang="zh-CN" altLang="en-US" sz="2400" dirty="0">
+                <a:latin typeface="Microsoft YaHei" panose="020B0503020204020204" pitchFamily="34" charset="-122"/>
+                <a:ea typeface="Microsoft YaHei" panose="020B0503020204020204" pitchFamily="34" charset="-122"/>
+              </a:rPr>
+              <a:t>链表也可以包含</a:t>
+            </a:r>
+            <a:r>
+              <a:rPr kumimoji="1" lang="en-US" altLang="zh-CN" sz="2400" dirty="0">
+                <a:latin typeface="Microsoft YaHei" panose="020B0503020204020204" pitchFamily="34" charset="-122"/>
+                <a:ea typeface="Microsoft YaHei" panose="020B0503020204020204" pitchFamily="34" charset="-122"/>
+              </a:rPr>
+              <a:t>C</a:t>
+            </a:r>
+            <a:r>
+              <a:rPr kumimoji="1" lang="zh-CN" altLang="en-US" sz="2400" dirty="0">
+                <a:latin typeface="Microsoft YaHei" panose="020B0503020204020204" pitchFamily="34" charset="-122"/>
+                <a:ea typeface="Microsoft YaHei" panose="020B0503020204020204" pitchFamily="34" charset="-122"/>
+              </a:rPr>
+              <a:t>链表，只要通过指针指向即可</a:t>
+            </a:r>
+            <a:endParaRPr kumimoji="1" lang="en-US" altLang="zh-CN" sz="2400" dirty="0">
+              <a:latin typeface="Microsoft YaHei" panose="020B0503020204020204" pitchFamily="34" charset="-122"/>
+              <a:ea typeface="Microsoft YaHei" panose="020B0503020204020204" pitchFamily="34" charset="-122"/>
+            </a:endParaRPr>
+          </a:p>
+        </p:txBody>
+      </p:sp>
+    </p:spTree>
+    <p:extLst>
+      <p:ext uri="{BB962C8B-B14F-4D97-AF65-F5344CB8AC3E}">
+        <p14:creationId xmlns:p14="http://schemas.microsoft.com/office/powerpoint/2010/main" val="606924637"/>
+      </p:ext>
+    </p:extLst>
+  </p:cSld>
+  <p:clrMapOvr>
+    <a:masterClrMapping/>
+  </p:clrMapOvr>
+</p:sld>
+</file>
+
+<file path=ppt/slides/slide19.xml><?xml version="1.0" encoding="utf-8"?>
+<p:sld xmlns:a="http://schemas.openxmlformats.org/drawingml/2006/main" xmlns:r="http://schemas.openxmlformats.org/officeDocument/2006/relationships" xmlns:p="http://schemas.openxmlformats.org/presentationml/2006/main">
+  <p:cSld>
+    <p:bg>
+      <p:bgPr>
+        <a:blipFill>
+          <a:blip r:embed="rId3"/>
+          <a:tile tx="0" ty="0" sx="100000" sy="100000" flip="none" algn="tl"/>
+        </a:blipFill>
+        <a:effectLst/>
+      </p:bgPr>
+    </p:bg>
+    <p:spTree>
+      <p:nvGrpSpPr>
+        <p:cNvPr id="1" name=""/>
+        <p:cNvGrpSpPr/>
+        <p:nvPr/>
+      </p:nvGrpSpPr>
+      <p:grpSpPr>
+        <a:xfrm>
+          <a:off x="0" y="0"/>
+          <a:ext cx="0" cy="0"/>
+          <a:chOff x="0" y="0"/>
+          <a:chExt cx="0" cy="0"/>
+        </a:xfrm>
+      </p:grpSpPr>
+      <p:sp>
+        <p:nvSpPr>
+          <p:cNvPr id="2" name="文本框 1">
+            <a:extLst>
+              <a:ext uri="{FF2B5EF4-FFF2-40B4-BE49-F238E27FC236}">
+                <a16:creationId xmlns:a16="http://schemas.microsoft.com/office/drawing/2014/main" id="{12AA8BCC-7B15-4842-80C2-48C079429338}"/>
+              </a:ext>
+            </a:extLst>
+          </p:cNvPr>
+          <p:cNvSpPr txBox="1"/>
+          <p:nvPr/>
+        </p:nvSpPr>
+        <p:spPr>
+          <a:xfrm>
+            <a:off x="2228088" y="2921168"/>
+            <a:ext cx="7735824" cy="1015663"/>
+          </a:xfrm>
+          <a:prstGeom prst="rect">
+            <a:avLst/>
+          </a:prstGeom>
+          <a:noFill/>
+        </p:spPr>
+        <p:txBody>
+          <a:bodyPr wrap="square" rtlCol="0">
+            <a:spAutoFit/>
+          </a:bodyPr>
+          <a:lstStyle/>
+          <a:p>
+            <a:pPr algn="ctr"/>
+            <a:r>
+              <a:rPr kumimoji="1" lang="zh-CN" altLang="en-US" sz="6000" dirty="0">
+                <a:latin typeface="Microsoft YaHei" panose="020B0503020204020204" pitchFamily="34" charset="-122"/>
+                <a:ea typeface="Microsoft YaHei" panose="020B0503020204020204" pitchFamily="34" charset="-122"/>
+              </a:rPr>
+              <a:t>这堂课我们学了啥？</a:t>
+            </a:r>
+          </a:p>
+        </p:txBody>
+      </p:sp>
+    </p:spTree>
+    <p:extLst>
+      <p:ext uri="{BB962C8B-B14F-4D97-AF65-F5344CB8AC3E}">
+        <p14:creationId xmlns:p14="http://schemas.microsoft.com/office/powerpoint/2010/main" val="885256044"/>
       </p:ext>
     </p:extLst>
   </p:cSld>
@@ -5888,8 +7207,8 @@
         </p:nvSpPr>
         <p:spPr>
           <a:xfrm>
-            <a:off x="2118840" y="1550997"/>
-            <a:ext cx="8538144" cy="4402396"/>
+            <a:off x="4308311" y="2140527"/>
+            <a:ext cx="3575378" cy="5061551"/>
           </a:xfrm>
           <a:prstGeom prst="rect">
             <a:avLst/>
@@ -5939,6 +7258,29 @@
               </a:rPr>
               <a:t>数组的压缩存储</a:t>
             </a:r>
+            <a:endParaRPr kumimoji="1" lang="en-US" altLang="zh-CN" sz="2800" dirty="0">
+              <a:latin typeface="Microsoft YaHei" panose="020B0503020204020204" pitchFamily="34" charset="-122"/>
+              <a:ea typeface="Microsoft YaHei" panose="020B0503020204020204" pitchFamily="34" charset="-122"/>
+            </a:endParaRPr>
+          </a:p>
+          <a:p>
+            <a:pPr marL="571500" indent="-571500">
+              <a:lnSpc>
+                <a:spcPct val="150000"/>
+              </a:lnSpc>
+              <a:spcBef>
+                <a:spcPts val="100"/>
+              </a:spcBef>
+              <a:buFont typeface="Wingdings" pitchFamily="2" charset="2"/>
+              <a:buChar char="Ø"/>
+            </a:pPr>
+            <a:r>
+              <a:rPr kumimoji="1" lang="zh-CN" altLang="en-US" sz="2800" dirty="0">
+                <a:latin typeface="Microsoft YaHei" panose="020B0503020204020204" pitchFamily="34" charset="-122"/>
+                <a:ea typeface="Microsoft YaHei" panose="020B0503020204020204" pitchFamily="34" charset="-122"/>
+              </a:rPr>
+              <a:t>稀疏矩阵</a:t>
+            </a:r>
           </a:p>
           <a:p>
             <a:pPr marL="571500" indent="-571500">
@@ -5955,10 +7297,27 @@
               </a:rPr>
               <a:t>广义表</a:t>
             </a:r>
-            <a:endParaRPr kumimoji="1" lang="en-US" altLang="zh-CN" sz="2800" dirty="0">
-              <a:latin typeface="Microsoft YaHei" panose="020B0503020204020204" pitchFamily="34" charset="-122"/>
-              <a:ea typeface="Microsoft YaHei" panose="020B0503020204020204" pitchFamily="34" charset="-122"/>
-            </a:endParaRPr>
+            <a:r>
+              <a:rPr kumimoji="1" lang="en-US" altLang="zh-CN" sz="2800" dirty="0">
+                <a:latin typeface="Microsoft YaHei" panose="020B0503020204020204" pitchFamily="34" charset="-122"/>
+                <a:ea typeface="Microsoft YaHei" panose="020B0503020204020204" pitchFamily="34" charset="-122"/>
+              </a:rPr>
+              <a:t>(</a:t>
+            </a:r>
+            <a:r>
+              <a:rPr kumimoji="1" lang="zh-CN" altLang="en-US" sz="2800" dirty="0">
+                <a:latin typeface="Microsoft YaHei" panose="020B0503020204020204" pitchFamily="34" charset="-122"/>
+                <a:ea typeface="Microsoft YaHei" panose="020B0503020204020204" pitchFamily="34" charset="-122"/>
+              </a:rPr>
+              <a:t>概念了解</a:t>
+            </a:r>
+            <a:r>
+              <a:rPr kumimoji="1" lang="en-US" altLang="zh-CN" sz="2800" dirty="0">
+                <a:latin typeface="Microsoft YaHei" panose="020B0503020204020204" pitchFamily="34" charset="-122"/>
+                <a:ea typeface="Microsoft YaHei" panose="020B0503020204020204" pitchFamily="34" charset="-122"/>
+              </a:rPr>
+              <a:t>)</a:t>
+            </a:r>
           </a:p>
           <a:p>
             <a:endParaRPr kumimoji="1" lang="zh-CN" altLang="en-US" sz="2800" dirty="0">
@@ -5985,6 +7344,50 @@
     <p:extLst>
       <p:ext uri="{BB962C8B-B14F-4D97-AF65-F5344CB8AC3E}">
         <p14:creationId xmlns:p14="http://schemas.microsoft.com/office/powerpoint/2010/main" val="4038558307"/>
+      </p:ext>
+    </p:extLst>
+  </p:cSld>
+  <p:clrMapOvr>
+    <a:masterClrMapping/>
+  </p:clrMapOvr>
+</p:sld>
+</file>
+
+<file path=ppt/slides/slide20.xml><?xml version="1.0" encoding="utf-8"?>
+<p:sld xmlns:a="http://schemas.openxmlformats.org/drawingml/2006/main" xmlns:r="http://schemas.openxmlformats.org/officeDocument/2006/relationships" xmlns:p="http://schemas.openxmlformats.org/presentationml/2006/main">
+  <p:cSld>
+    <p:bg>
+      <p:bgPr>
+        <a:blipFill dpi="0" rotWithShape="1">
+          <a:blip r:embed="rId3">
+            <a:lum/>
+          </a:blip>
+          <a:srcRect/>
+          <a:stretch>
+            <a:fillRect l="-2000" r="-2000"/>
+          </a:stretch>
+        </a:blipFill>
+        <a:effectLst/>
+      </p:bgPr>
+    </p:bg>
+    <p:spTree>
+      <p:nvGrpSpPr>
+        <p:cNvPr id="1" name=""/>
+        <p:cNvGrpSpPr/>
+        <p:nvPr/>
+      </p:nvGrpSpPr>
+      <p:grpSpPr>
+        <a:xfrm>
+          <a:off x="0" y="0"/>
+          <a:ext cx="0" cy="0"/>
+          <a:chOff x="0" y="0"/>
+          <a:chExt cx="0" cy="0"/>
+        </a:xfrm>
+      </p:grpSpPr>
+    </p:spTree>
+    <p:extLst>
+      <p:ext uri="{BB962C8B-B14F-4D97-AF65-F5344CB8AC3E}">
+        <p14:creationId xmlns:p14="http://schemas.microsoft.com/office/powerpoint/2010/main" val="4062917305"/>
       </p:ext>
     </p:extLst>
   </p:cSld>
@@ -7384,6 +8787,49 @@
           </a:p>
         </p:txBody>
       </p:sp>
+      <p:sp>
+        <p:nvSpPr>
+          <p:cNvPr id="5" name="文本框 4">
+            <a:extLst>
+              <a:ext uri="{FF2B5EF4-FFF2-40B4-BE49-F238E27FC236}">
+                <a16:creationId xmlns:a16="http://schemas.microsoft.com/office/drawing/2014/main" id="{6A2B8046-9128-7442-BA5C-09CD1EC21CA8}"/>
+              </a:ext>
+            </a:extLst>
+          </p:cNvPr>
+          <p:cNvSpPr txBox="1"/>
+          <p:nvPr/>
+        </p:nvSpPr>
+        <p:spPr>
+          <a:xfrm>
+            <a:off x="9684327" y="5848183"/>
+            <a:ext cx="2265218" cy="707886"/>
+          </a:xfrm>
+          <a:prstGeom prst="rect">
+            <a:avLst/>
+          </a:prstGeom>
+          <a:solidFill>
+            <a:schemeClr val="accent2"/>
+          </a:solidFill>
+        </p:spPr>
+        <p:txBody>
+          <a:bodyPr wrap="square" rtlCol="0">
+            <a:spAutoFit/>
+          </a:bodyPr>
+          <a:lstStyle/>
+          <a:p>
+            <a:r>
+              <a:rPr kumimoji="1" lang="zh-CN" altLang="en-US" sz="2000" dirty="0">
+                <a:solidFill>
+                  <a:schemeClr val="bg1"/>
+                </a:solidFill>
+                <a:latin typeface="Microsoft YaHei" panose="020B0503020204020204" pitchFamily="34" charset="-122"/>
+                <a:ea typeface="Microsoft YaHei" panose="020B0503020204020204" pitchFamily="34" charset="-122"/>
+              </a:rPr>
+              <a:t>压缩也就是某些程度的降维</a:t>
+            </a:r>
+          </a:p>
+        </p:txBody>
+      </p:sp>
     </p:spTree>
     <p:extLst>
       <p:ext uri="{BB962C8B-B14F-4D97-AF65-F5344CB8AC3E}">
@@ -7394,6 +8840,84 @@
   <p:clrMapOvr>
     <a:masterClrMapping/>
   </p:clrMapOvr>
+  <p:timing>
+    <p:tnLst>
+      <p:par>
+        <p:cTn id="1" dur="indefinite" restart="never" nodeType="tmRoot">
+          <p:childTnLst>
+            <p:seq concurrent="1" nextAc="seek">
+              <p:cTn id="2" dur="indefinite" nodeType="mainSeq">
+                <p:childTnLst>
+                  <p:par>
+                    <p:cTn id="3" fill="hold">
+                      <p:stCondLst>
+                        <p:cond delay="indefinite"/>
+                      </p:stCondLst>
+                      <p:childTnLst>
+                        <p:par>
+                          <p:cTn id="4" fill="hold">
+                            <p:stCondLst>
+                              <p:cond delay="0"/>
+                            </p:stCondLst>
+                            <p:childTnLst>
+                              <p:par>
+                                <p:cTn id="5" presetID="1" presetClass="entr" presetSubtype="0" fill="hold" grpId="0" nodeType="clickEffect">
+                                  <p:stCondLst>
+                                    <p:cond delay="0"/>
+                                  </p:stCondLst>
+                                  <p:childTnLst>
+                                    <p:set>
+                                      <p:cBhvr>
+                                        <p:cTn id="6" dur="1" fill="hold">
+                                          <p:stCondLst>
+                                            <p:cond delay="0"/>
+                                          </p:stCondLst>
+                                        </p:cTn>
+                                        <p:tgtEl>
+                                          <p:spTgt spid="5"/>
+                                        </p:tgtEl>
+                                        <p:attrNameLst>
+                                          <p:attrName>style.visibility</p:attrName>
+                                        </p:attrNameLst>
+                                      </p:cBhvr>
+                                      <p:to>
+                                        <p:strVal val="visible"/>
+                                      </p:to>
+                                    </p:set>
+                                  </p:childTnLst>
+                                </p:cTn>
+                              </p:par>
+                            </p:childTnLst>
+                          </p:cTn>
+                        </p:par>
+                      </p:childTnLst>
+                    </p:cTn>
+                  </p:par>
+                </p:childTnLst>
+              </p:cTn>
+              <p:prevCondLst>
+                <p:cond evt="onPrev" delay="0">
+                  <p:tgtEl>
+                    <p:sldTgt/>
+                  </p:tgtEl>
+                </p:cond>
+              </p:prevCondLst>
+              <p:nextCondLst>
+                <p:cond evt="onNext" delay="0">
+                  <p:tgtEl>
+                    <p:sldTgt/>
+                  </p:tgtEl>
+                </p:cond>
+              </p:nextCondLst>
+            </p:seq>
+          </p:childTnLst>
+        </p:cTn>
+      </p:par>
+    </p:tnLst>
+    <p:bldLst>
+      <p:bldP spid="5" grpId="0" animBg="1"/>
+    </p:bldLst>
+  </p:timing>
 </p:sld>
 </file>
 

--- a/ppt/5.数组和广义表.pptx
+++ b/ppt/5.数组和广义表.pptx
@@ -248,7 +248,7 @@
           <a:p>
             <a:fld id="{66C3546E-20F6-7649-A9A4-4E4A245D3E82}" type="datetimeFigureOut">
               <a:rPr kumimoji="1" lang="zh-CN" altLang="en-US" smtClean="0"/>
-              <a:t>2020/4/11</a:t>
+              <a:t>2020/4/13</a:t>
             </a:fld>
             <a:endParaRPr kumimoji="1" lang="zh-CN" altLang="en-US"/>
           </a:p>
@@ -735,7 +735,7 @@
           <a:p>
             <a:r>
               <a:rPr kumimoji="1" lang="zh-CN" altLang="en-US" dirty="0"/>
-              <a:t>三元组的元素以行序为主序存储</a:t>
+              <a:t>三元组的元素以行序为主序存储， 回 过头去对于上一章的三元组 演示一下</a:t>
             </a:r>
           </a:p>
         </p:txBody>
@@ -1430,7 +1430,7 @@
           <a:p>
             <a:fld id="{1C49BB65-7B3F-4D4E-A397-BBFD82890A5A}" type="datetimeFigureOut">
               <a:rPr kumimoji="1" lang="zh-CN" altLang="en-US" smtClean="0"/>
-              <a:t>2020/4/11</a:t>
+              <a:t>2020/4/13</a:t>
             </a:fld>
             <a:endParaRPr kumimoji="1" lang="zh-CN" altLang="en-US"/>
           </a:p>
@@ -1628,7 +1628,7 @@
           <a:p>
             <a:fld id="{1C49BB65-7B3F-4D4E-A397-BBFD82890A5A}" type="datetimeFigureOut">
               <a:rPr kumimoji="1" lang="zh-CN" altLang="en-US" smtClean="0"/>
-              <a:t>2020/4/11</a:t>
+              <a:t>2020/4/13</a:t>
             </a:fld>
             <a:endParaRPr kumimoji="1" lang="zh-CN" altLang="en-US"/>
           </a:p>
@@ -1836,7 +1836,7 @@
           <a:p>
             <a:fld id="{1C49BB65-7B3F-4D4E-A397-BBFD82890A5A}" type="datetimeFigureOut">
               <a:rPr kumimoji="1" lang="zh-CN" altLang="en-US" smtClean="0"/>
-              <a:t>2020/4/11</a:t>
+              <a:t>2020/4/13</a:t>
             </a:fld>
             <a:endParaRPr kumimoji="1" lang="zh-CN" altLang="en-US"/>
           </a:p>
@@ -2034,7 +2034,7 @@
           <a:p>
             <a:fld id="{1C49BB65-7B3F-4D4E-A397-BBFD82890A5A}" type="datetimeFigureOut">
               <a:rPr kumimoji="1" lang="zh-CN" altLang="en-US" smtClean="0"/>
-              <a:t>2020/4/11</a:t>
+              <a:t>2020/4/13</a:t>
             </a:fld>
             <a:endParaRPr kumimoji="1" lang="zh-CN" altLang="en-US"/>
           </a:p>
@@ -2309,7 +2309,7 @@
           <a:p>
             <a:fld id="{1C49BB65-7B3F-4D4E-A397-BBFD82890A5A}" type="datetimeFigureOut">
               <a:rPr kumimoji="1" lang="zh-CN" altLang="en-US" smtClean="0"/>
-              <a:t>2020/4/11</a:t>
+              <a:t>2020/4/13</a:t>
             </a:fld>
             <a:endParaRPr kumimoji="1" lang="zh-CN" altLang="en-US"/>
           </a:p>
@@ -2574,7 +2574,7 @@
           <a:p>
             <a:fld id="{1C49BB65-7B3F-4D4E-A397-BBFD82890A5A}" type="datetimeFigureOut">
               <a:rPr kumimoji="1" lang="zh-CN" altLang="en-US" smtClean="0"/>
-              <a:t>2020/4/11</a:t>
+              <a:t>2020/4/13</a:t>
             </a:fld>
             <a:endParaRPr kumimoji="1" lang="zh-CN" altLang="en-US"/>
           </a:p>
@@ -2986,7 +2986,7 @@
           <a:p>
             <a:fld id="{1C49BB65-7B3F-4D4E-A397-BBFD82890A5A}" type="datetimeFigureOut">
               <a:rPr kumimoji="1" lang="zh-CN" altLang="en-US" smtClean="0"/>
-              <a:t>2020/4/11</a:t>
+              <a:t>2020/4/13</a:t>
             </a:fld>
             <a:endParaRPr kumimoji="1" lang="zh-CN" altLang="en-US"/>
           </a:p>
@@ -3127,7 +3127,7 @@
           <a:p>
             <a:fld id="{1C49BB65-7B3F-4D4E-A397-BBFD82890A5A}" type="datetimeFigureOut">
               <a:rPr kumimoji="1" lang="zh-CN" altLang="en-US" smtClean="0"/>
-              <a:t>2020/4/11</a:t>
+              <a:t>2020/4/13</a:t>
             </a:fld>
             <a:endParaRPr kumimoji="1" lang="zh-CN" altLang="en-US"/>
           </a:p>
@@ -3497,7 +3497,7 @@
           <a:p>
             <a:fld id="{1C49BB65-7B3F-4D4E-A397-BBFD82890A5A}" type="datetimeFigureOut">
               <a:rPr kumimoji="1" lang="zh-CN" altLang="en-US" smtClean="0"/>
-              <a:t>2020/4/11</a:t>
+              <a:t>2020/4/13</a:t>
             </a:fld>
             <a:endParaRPr kumimoji="1" lang="zh-CN" altLang="en-US"/>
           </a:p>
@@ -3785,7 +3785,7 @@
           <a:p>
             <a:fld id="{1C49BB65-7B3F-4D4E-A397-BBFD82890A5A}" type="datetimeFigureOut">
               <a:rPr kumimoji="1" lang="zh-CN" altLang="en-US" smtClean="0"/>
-              <a:t>2020/4/11</a:t>
+              <a:t>2020/4/13</a:t>
             </a:fld>
             <a:endParaRPr kumimoji="1" lang="zh-CN" altLang="en-US"/>
           </a:p>
@@ -4026,7 +4026,7 @@
           <a:p>
             <a:fld id="{1C49BB65-7B3F-4D4E-A397-BBFD82890A5A}" type="datetimeFigureOut">
               <a:rPr kumimoji="1" lang="zh-CN" altLang="en-US" smtClean="0"/>
-              <a:t>2020/4/11</a:t>
+              <a:t>2020/4/13</a:t>
             </a:fld>
             <a:endParaRPr kumimoji="1" lang="zh-CN" altLang="en-US"/>
           </a:p>
@@ -6188,7 +6188,7 @@
                 <a:latin typeface="Microsoft YaHei" panose="020B0503020204020204" pitchFamily="34" charset="-122"/>
                 <a:ea typeface="Microsoft YaHei" panose="020B0503020204020204" pitchFamily="34" charset="-122"/>
               </a:rPr>
-              <a:t>若是保持行有限存储，那转置后也要保持行优先存储</a:t>
+              <a:t>若是保持行优先存储，那转置后也要保持行优先存储</a:t>
             </a:r>
             <a:r>
               <a:rPr kumimoji="1" lang="en-US" altLang="zh-CN" sz="2400" dirty="0">

--- a/ppt/5.数组和广义表.pptx
+++ b/ppt/5.数组和广义表.pptx
@@ -248,7 +248,7 @@
           <a:p>
             <a:fld id="{66C3546E-20F6-7649-A9A4-4E4A245D3E82}" type="datetimeFigureOut">
               <a:rPr kumimoji="1" lang="zh-CN" altLang="en-US" smtClean="0"/>
-              <a:t>2020/4/13</a:t>
+              <a:t>2020/4/20</a:t>
             </a:fld>
             <a:endParaRPr kumimoji="1" lang="zh-CN" altLang="en-US"/>
           </a:p>
@@ -1430,7 +1430,7 @@
           <a:p>
             <a:fld id="{1C49BB65-7B3F-4D4E-A397-BBFD82890A5A}" type="datetimeFigureOut">
               <a:rPr kumimoji="1" lang="zh-CN" altLang="en-US" smtClean="0"/>
-              <a:t>2020/4/13</a:t>
+              <a:t>2020/4/20</a:t>
             </a:fld>
             <a:endParaRPr kumimoji="1" lang="zh-CN" altLang="en-US"/>
           </a:p>
@@ -1628,7 +1628,7 @@
           <a:p>
             <a:fld id="{1C49BB65-7B3F-4D4E-A397-BBFD82890A5A}" type="datetimeFigureOut">
               <a:rPr kumimoji="1" lang="zh-CN" altLang="en-US" smtClean="0"/>
-              <a:t>2020/4/13</a:t>
+              <a:t>2020/4/20</a:t>
             </a:fld>
             <a:endParaRPr kumimoji="1" lang="zh-CN" altLang="en-US"/>
           </a:p>
@@ -1836,7 +1836,7 @@
           <a:p>
             <a:fld id="{1C49BB65-7B3F-4D4E-A397-BBFD82890A5A}" type="datetimeFigureOut">
               <a:rPr kumimoji="1" lang="zh-CN" altLang="en-US" smtClean="0"/>
-              <a:t>2020/4/13</a:t>
+              <a:t>2020/4/20</a:t>
             </a:fld>
             <a:endParaRPr kumimoji="1" lang="zh-CN" altLang="en-US"/>
           </a:p>
@@ -2034,7 +2034,7 @@
           <a:p>
             <a:fld id="{1C49BB65-7B3F-4D4E-A397-BBFD82890A5A}" type="datetimeFigureOut">
               <a:rPr kumimoji="1" lang="zh-CN" altLang="en-US" smtClean="0"/>
-              <a:t>2020/4/13</a:t>
+              <a:t>2020/4/20</a:t>
             </a:fld>
             <a:endParaRPr kumimoji="1" lang="zh-CN" altLang="en-US"/>
           </a:p>
@@ -2309,7 +2309,7 @@
           <a:p>
             <a:fld id="{1C49BB65-7B3F-4D4E-A397-BBFD82890A5A}" type="datetimeFigureOut">
               <a:rPr kumimoji="1" lang="zh-CN" altLang="en-US" smtClean="0"/>
-              <a:t>2020/4/13</a:t>
+              <a:t>2020/4/20</a:t>
             </a:fld>
             <a:endParaRPr kumimoji="1" lang="zh-CN" altLang="en-US"/>
           </a:p>
@@ -2574,7 +2574,7 @@
           <a:p>
             <a:fld id="{1C49BB65-7B3F-4D4E-A397-BBFD82890A5A}" type="datetimeFigureOut">
               <a:rPr kumimoji="1" lang="zh-CN" altLang="en-US" smtClean="0"/>
-              <a:t>2020/4/13</a:t>
+              <a:t>2020/4/20</a:t>
             </a:fld>
             <a:endParaRPr kumimoji="1" lang="zh-CN" altLang="en-US"/>
           </a:p>
@@ -2986,7 +2986,7 @@
           <a:p>
             <a:fld id="{1C49BB65-7B3F-4D4E-A397-BBFD82890A5A}" type="datetimeFigureOut">
               <a:rPr kumimoji="1" lang="zh-CN" altLang="en-US" smtClean="0"/>
-              <a:t>2020/4/13</a:t>
+              <a:t>2020/4/20</a:t>
             </a:fld>
             <a:endParaRPr kumimoji="1" lang="zh-CN" altLang="en-US"/>
           </a:p>
@@ -3127,7 +3127,7 @@
           <a:p>
             <a:fld id="{1C49BB65-7B3F-4D4E-A397-BBFD82890A5A}" type="datetimeFigureOut">
               <a:rPr kumimoji="1" lang="zh-CN" altLang="en-US" smtClean="0"/>
-              <a:t>2020/4/13</a:t>
+              <a:t>2020/4/20</a:t>
             </a:fld>
             <a:endParaRPr kumimoji="1" lang="zh-CN" altLang="en-US"/>
           </a:p>
@@ -3497,7 +3497,7 @@
           <a:p>
             <a:fld id="{1C49BB65-7B3F-4D4E-A397-BBFD82890A5A}" type="datetimeFigureOut">
               <a:rPr kumimoji="1" lang="zh-CN" altLang="en-US" smtClean="0"/>
-              <a:t>2020/4/13</a:t>
+              <a:t>2020/4/20</a:t>
             </a:fld>
             <a:endParaRPr kumimoji="1" lang="zh-CN" altLang="en-US"/>
           </a:p>
@@ -3785,7 +3785,7 @@
           <a:p>
             <a:fld id="{1C49BB65-7B3F-4D4E-A397-BBFD82890A5A}" type="datetimeFigureOut">
               <a:rPr kumimoji="1" lang="zh-CN" altLang="en-US" smtClean="0"/>
-              <a:t>2020/4/13</a:t>
+              <a:t>2020/4/20</a:t>
             </a:fld>
             <a:endParaRPr kumimoji="1" lang="zh-CN" altLang="en-US"/>
           </a:p>
@@ -4026,7 +4026,7 @@
           <a:p>
             <a:fld id="{1C49BB65-7B3F-4D4E-A397-BBFD82890A5A}" type="datetimeFigureOut">
               <a:rPr kumimoji="1" lang="zh-CN" altLang="en-US" smtClean="0"/>
-              <a:t>2020/4/13</a:t>
+              <a:t>2020/4/20</a:t>
             </a:fld>
             <a:endParaRPr kumimoji="1" lang="zh-CN" altLang="en-US"/>
           </a:p>
@@ -4593,14 +4593,21 @@
                 <a:latin typeface="Microsoft YaHei" panose="020B0503020204020204" pitchFamily="34" charset="-122"/>
                 <a:ea typeface="Microsoft YaHei" panose="020B0503020204020204" pitchFamily="34" charset="-122"/>
               </a:rPr>
-              <a:t>7</a:t>
+              <a:t>6</a:t>
+            </a:r>
+            <a:r>
+              <a:rPr kumimoji="1" lang="zh-CN" altLang="en-US" sz="4000">
+                <a:latin typeface="Microsoft YaHei" panose="020B0503020204020204" pitchFamily="34" charset="-122"/>
+                <a:ea typeface="Microsoft YaHei" panose="020B0503020204020204" pitchFamily="34" charset="-122"/>
+              </a:rPr>
+              <a:t>节</a:t>
             </a:r>
             <a:r>
               <a:rPr kumimoji="1" lang="zh-CN" altLang="en-US" sz="4000" dirty="0">
                 <a:latin typeface="Microsoft YaHei" panose="020B0503020204020204" pitchFamily="34" charset="-122"/>
                 <a:ea typeface="Microsoft YaHei" panose="020B0503020204020204" pitchFamily="34" charset="-122"/>
               </a:rPr>
-              <a:t>节课 数组和广义表 </a:t>
+              <a:t>课 数组和广义表 </a:t>
             </a:r>
           </a:p>
         </p:txBody>

--- a/ppt/5.数组和广义表.pptx
+++ b/ppt/5.数组和广义表.pptx
@@ -248,7 +248,7 @@
           <a:p>
             <a:fld id="{66C3546E-20F6-7649-A9A4-4E4A245D3E82}" type="datetimeFigureOut">
               <a:rPr kumimoji="1" lang="zh-CN" altLang="en-US" smtClean="0"/>
-              <a:t>2020/4/20</a:t>
+              <a:t>2020/5/28</a:t>
             </a:fld>
             <a:endParaRPr kumimoji="1" lang="zh-CN" altLang="en-US"/>
           </a:p>
@@ -1430,7 +1430,7 @@
           <a:p>
             <a:fld id="{1C49BB65-7B3F-4D4E-A397-BBFD82890A5A}" type="datetimeFigureOut">
               <a:rPr kumimoji="1" lang="zh-CN" altLang="en-US" smtClean="0"/>
-              <a:t>2020/4/20</a:t>
+              <a:t>2020/5/28</a:t>
             </a:fld>
             <a:endParaRPr kumimoji="1" lang="zh-CN" altLang="en-US"/>
           </a:p>
@@ -1628,7 +1628,7 @@
           <a:p>
             <a:fld id="{1C49BB65-7B3F-4D4E-A397-BBFD82890A5A}" type="datetimeFigureOut">
               <a:rPr kumimoji="1" lang="zh-CN" altLang="en-US" smtClean="0"/>
-              <a:t>2020/4/20</a:t>
+              <a:t>2020/5/28</a:t>
             </a:fld>
             <a:endParaRPr kumimoji="1" lang="zh-CN" altLang="en-US"/>
           </a:p>
@@ -1836,7 +1836,7 @@
           <a:p>
             <a:fld id="{1C49BB65-7B3F-4D4E-A397-BBFD82890A5A}" type="datetimeFigureOut">
               <a:rPr kumimoji="1" lang="zh-CN" altLang="en-US" smtClean="0"/>
-              <a:t>2020/4/20</a:t>
+              <a:t>2020/5/28</a:t>
             </a:fld>
             <a:endParaRPr kumimoji="1" lang="zh-CN" altLang="en-US"/>
           </a:p>
@@ -2034,7 +2034,7 @@
           <a:p>
             <a:fld id="{1C49BB65-7B3F-4D4E-A397-BBFD82890A5A}" type="datetimeFigureOut">
               <a:rPr kumimoji="1" lang="zh-CN" altLang="en-US" smtClean="0"/>
-              <a:t>2020/4/20</a:t>
+              <a:t>2020/5/28</a:t>
             </a:fld>
             <a:endParaRPr kumimoji="1" lang="zh-CN" altLang="en-US"/>
           </a:p>
@@ -2309,7 +2309,7 @@
           <a:p>
             <a:fld id="{1C49BB65-7B3F-4D4E-A397-BBFD82890A5A}" type="datetimeFigureOut">
               <a:rPr kumimoji="1" lang="zh-CN" altLang="en-US" smtClean="0"/>
-              <a:t>2020/4/20</a:t>
+              <a:t>2020/5/28</a:t>
             </a:fld>
             <a:endParaRPr kumimoji="1" lang="zh-CN" altLang="en-US"/>
           </a:p>
@@ -2574,7 +2574,7 @@
           <a:p>
             <a:fld id="{1C49BB65-7B3F-4D4E-A397-BBFD82890A5A}" type="datetimeFigureOut">
               <a:rPr kumimoji="1" lang="zh-CN" altLang="en-US" smtClean="0"/>
-              <a:t>2020/4/20</a:t>
+              <a:t>2020/5/28</a:t>
             </a:fld>
             <a:endParaRPr kumimoji="1" lang="zh-CN" altLang="en-US"/>
           </a:p>
@@ -2986,7 +2986,7 @@
           <a:p>
             <a:fld id="{1C49BB65-7B3F-4D4E-A397-BBFD82890A5A}" type="datetimeFigureOut">
               <a:rPr kumimoji="1" lang="zh-CN" altLang="en-US" smtClean="0"/>
-              <a:t>2020/4/20</a:t>
+              <a:t>2020/5/28</a:t>
             </a:fld>
             <a:endParaRPr kumimoji="1" lang="zh-CN" altLang="en-US"/>
           </a:p>
@@ -3127,7 +3127,7 @@
           <a:p>
             <a:fld id="{1C49BB65-7B3F-4D4E-A397-BBFD82890A5A}" type="datetimeFigureOut">
               <a:rPr kumimoji="1" lang="zh-CN" altLang="en-US" smtClean="0"/>
-              <a:t>2020/4/20</a:t>
+              <a:t>2020/5/28</a:t>
             </a:fld>
             <a:endParaRPr kumimoji="1" lang="zh-CN" altLang="en-US"/>
           </a:p>
@@ -3497,7 +3497,7 @@
           <a:p>
             <a:fld id="{1C49BB65-7B3F-4D4E-A397-BBFD82890A5A}" type="datetimeFigureOut">
               <a:rPr kumimoji="1" lang="zh-CN" altLang="en-US" smtClean="0"/>
-              <a:t>2020/4/20</a:t>
+              <a:t>2020/5/28</a:t>
             </a:fld>
             <a:endParaRPr kumimoji="1" lang="zh-CN" altLang="en-US"/>
           </a:p>
@@ -3785,7 +3785,7 @@
           <a:p>
             <a:fld id="{1C49BB65-7B3F-4D4E-A397-BBFD82890A5A}" type="datetimeFigureOut">
               <a:rPr kumimoji="1" lang="zh-CN" altLang="en-US" smtClean="0"/>
-              <a:t>2020/4/20</a:t>
+              <a:t>2020/5/28</a:t>
             </a:fld>
             <a:endParaRPr kumimoji="1" lang="zh-CN" altLang="en-US"/>
           </a:p>
@@ -4026,7 +4026,7 @@
           <a:p>
             <a:fld id="{1C49BB65-7B3F-4D4E-A397-BBFD82890A5A}" type="datetimeFigureOut">
               <a:rPr kumimoji="1" lang="zh-CN" altLang="en-US" smtClean="0"/>
-              <a:t>2020/4/20</a:t>
+              <a:t>2020/5/28</a:t>
             </a:fld>
             <a:endParaRPr kumimoji="1" lang="zh-CN" altLang="en-US"/>
           </a:p>
@@ -4593,7 +4593,7 @@
                 <a:latin typeface="Microsoft YaHei" panose="020B0503020204020204" pitchFamily="34" charset="-122"/>
                 <a:ea typeface="Microsoft YaHei" panose="020B0503020204020204" pitchFamily="34" charset="-122"/>
               </a:rPr>
-              <a:t>6</a:t>
+              <a:t>7</a:t>
             </a:r>
             <a:r>
               <a:rPr kumimoji="1" lang="zh-CN" altLang="en-US" sz="4000">
